--- a/week10/decorators.pptx
+++ b/week10/decorators.pptx
@@ -7,7 +7,7 @@
     <p:sldMasterId id="2147483731" r:id="rId3"/>
   </p:sldMasterIdLst>
   <p:notesMasterIdLst>
-    <p:notesMasterId r:id="rId18"/>
+    <p:notesMasterId r:id="rId19"/>
   </p:notesMasterIdLst>
   <p:sldIdLst>
     <p:sldId id="285" r:id="rId4"/>
@@ -19,21 +19,22 @@
     <p:sldId id="403" r:id="rId10"/>
     <p:sldId id="404" r:id="rId11"/>
     <p:sldId id="396" r:id="rId12"/>
-    <p:sldId id="406" r:id="rId13"/>
-    <p:sldId id="407" r:id="rId14"/>
-    <p:sldId id="408" r:id="rId15"/>
-    <p:sldId id="409" r:id="rId16"/>
-    <p:sldId id="410" r:id="rId17"/>
+    <p:sldId id="411" r:id="rId13"/>
+    <p:sldId id="406" r:id="rId14"/>
+    <p:sldId id="407" r:id="rId15"/>
+    <p:sldId id="408" r:id="rId16"/>
+    <p:sldId id="409" r:id="rId17"/>
+    <p:sldId id="410" r:id="rId18"/>
   </p:sldIdLst>
   <p:sldSz cx="16256000" cy="9144000"/>
   <p:notesSz cx="6858000" cy="9144000"/>
   <p:embeddedFontLst>
     <p:embeddedFont>
       <p:font typeface="Cabin" panose="020B0604020202020204" charset="0"/>
-      <p:regular r:id="rId19"/>
-      <p:bold r:id="rId20"/>
-      <p:italic r:id="rId21"/>
-      <p:boldItalic r:id="rId22"/>
+      <p:regular r:id="rId20"/>
+      <p:bold r:id="rId21"/>
+      <p:italic r:id="rId22"/>
+      <p:boldItalic r:id="rId23"/>
     </p:embeddedFont>
   </p:embeddedFontLst>
   <p:defaultTextStyle>
@@ -737,6 +738,116 @@
     </p:spTree>
     <p:extLst>
       <p:ext uri="{BB962C8B-B14F-4D97-AF65-F5344CB8AC3E}">
+        <p14:creationId xmlns:p14="http://schemas.microsoft.com/office/powerpoint/2010/main" val="2735038319"/>
+      </p:ext>
+    </p:extLst>
+  </p:cSld>
+  <p:clrMapOvr>
+    <a:masterClrMapping/>
+  </p:clrMapOvr>
+</p:notes>
+</file>
+
+<file path=ppt/notesSlides/notesSlide11.xml><?xml version="1.0" encoding="utf-8"?>
+<p:notes xmlns:a="http://schemas.openxmlformats.org/drawingml/2006/main" xmlns:r="http://schemas.openxmlformats.org/officeDocument/2006/relationships" xmlns:p="http://schemas.openxmlformats.org/presentationml/2006/main" showMasterSp="0" showMasterPhAnim="0">
+  <p:cSld>
+    <p:spTree>
+      <p:nvGrpSpPr>
+        <p:cNvPr id="1" name="Shape 209"/>
+        <p:cNvGrpSpPr/>
+        <p:nvPr/>
+      </p:nvGrpSpPr>
+      <p:grpSpPr>
+        <a:xfrm>
+          <a:off x="0" y="0"/>
+          <a:ext cx="0" cy="0"/>
+          <a:chOff x="0" y="0"/>
+          <a:chExt cx="0" cy="0"/>
+        </a:xfrm>
+      </p:grpSpPr>
+      <p:sp>
+        <p:nvSpPr>
+          <p:cNvPr id="210" name="Shape 210"/>
+          <p:cNvSpPr txBox="1">
+            <a:spLocks noGrp="1"/>
+          </p:cNvSpPr>
+          <p:nvPr>
+            <p:ph type="body" idx="1"/>
+          </p:nvPr>
+        </p:nvSpPr>
+        <p:spPr>
+          <a:xfrm>
+            <a:off x="685800" y="4343400"/>
+            <a:ext cx="5486399" cy="4114800"/>
+          </a:xfrm>
+          <a:prstGeom prst="rect">
+            <a:avLst/>
+          </a:prstGeom>
+          <a:noFill/>
+          <a:ln>
+            <a:noFill/>
+          </a:ln>
+        </p:spPr>
+        <p:txBody>
+          <a:bodyPr lIns="91425" tIns="91425" rIns="91425" bIns="91425" anchor="ctr" anchorCtr="0">
+            <a:noAutofit/>
+          </a:bodyPr>
+          <a:lstStyle/>
+          <a:p>
+            <a:pPr lvl="0">
+              <a:spcBef>
+                <a:spcPts val="0"/>
+              </a:spcBef>
+              <a:buNone/>
+            </a:pPr>
+            <a:endParaRPr/>
+          </a:p>
+        </p:txBody>
+      </p:sp>
+      <p:sp>
+        <p:nvSpPr>
+          <p:cNvPr id="211" name="Shape 211"/>
+          <p:cNvSpPr>
+            <a:spLocks noGrp="1" noRot="1" noChangeAspect="1"/>
+          </p:cNvSpPr>
+          <p:nvPr>
+            <p:ph type="sldImg" idx="2"/>
+          </p:nvPr>
+        </p:nvSpPr>
+        <p:spPr>
+          <a:xfrm>
+            <a:off x="381000" y="685800"/>
+            <a:ext cx="6096000" cy="3429000"/>
+          </a:xfrm>
+          <a:custGeom>
+            <a:avLst/>
+            <a:gdLst/>
+            <a:ahLst/>
+            <a:cxnLst/>
+            <a:rect l="0" t="0" r="0" b="0"/>
+            <a:pathLst>
+              <a:path w="120000" h="120000" extrusionOk="0">
+                <a:moveTo>
+                  <a:pt x="0" y="0"/>
+                </a:moveTo>
+                <a:lnTo>
+                  <a:pt x="120000" y="0"/>
+                </a:lnTo>
+                <a:lnTo>
+                  <a:pt x="120000" y="120000"/>
+                </a:lnTo>
+                <a:lnTo>
+                  <a:pt x="0" y="120000"/>
+                </a:lnTo>
+                <a:close/>
+              </a:path>
+            </a:pathLst>
+          </a:custGeom>
+        </p:spPr>
+      </p:sp>
+    </p:spTree>
+    <p:extLst>
+      <p:ext uri="{BB962C8B-B14F-4D97-AF65-F5344CB8AC3E}">
         <p14:creationId xmlns:p14="http://schemas.microsoft.com/office/powerpoint/2010/main" val="692053925"/>
       </p:ext>
     </p:extLst>
@@ -747,7 +858,7 @@
 </p:notes>
 </file>
 
-<file path=ppt/notesSlides/notesSlide11.xml><?xml version="1.0" encoding="utf-8"?>
+<file path=ppt/notesSlides/notesSlide12.xml><?xml version="1.0" encoding="utf-8"?>
 <p:notes xmlns:a="http://schemas.openxmlformats.org/drawingml/2006/main" xmlns:r="http://schemas.openxmlformats.org/officeDocument/2006/relationships" xmlns:p="http://schemas.openxmlformats.org/presentationml/2006/main" showMasterSp="0" showMasterPhAnim="0">
   <p:cSld>
     <p:spTree>
@@ -857,7 +968,7 @@
 </p:notes>
 </file>
 
-<file path=ppt/notesSlides/notesSlide12.xml><?xml version="1.0" encoding="utf-8"?>
+<file path=ppt/notesSlides/notesSlide13.xml><?xml version="1.0" encoding="utf-8"?>
 <p:notes xmlns:a="http://schemas.openxmlformats.org/drawingml/2006/main" xmlns:r="http://schemas.openxmlformats.org/officeDocument/2006/relationships" xmlns:p="http://schemas.openxmlformats.org/presentationml/2006/main" showMasterSp="0" showMasterPhAnim="0">
   <p:cSld>
     <p:spTree>
@@ -1727,7 +1838,7 @@
     </p:spTree>
     <p:extLst>
       <p:ext uri="{BB962C8B-B14F-4D97-AF65-F5344CB8AC3E}">
-        <p14:creationId xmlns:p14="http://schemas.microsoft.com/office/powerpoint/2010/main" val="1629767570"/>
+        <p14:creationId xmlns:p14="http://schemas.microsoft.com/office/powerpoint/2010/main" val="2620240239"/>
       </p:ext>
     </p:extLst>
   </p:cSld>
@@ -1837,7 +1948,7 @@
     </p:spTree>
     <p:extLst>
       <p:ext uri="{BB962C8B-B14F-4D97-AF65-F5344CB8AC3E}">
-        <p14:creationId xmlns:p14="http://schemas.microsoft.com/office/powerpoint/2010/main" val="2735038319"/>
+        <p14:creationId xmlns:p14="http://schemas.microsoft.com/office/powerpoint/2010/main" val="1629767570"/>
       </p:ext>
     </p:extLst>
   </p:cSld>
@@ -12794,6 +12905,159 @@
 </file>
 
 <file path=ppt/slides/slide10.xml><?xml version="1.0" encoding="utf-8"?>
+<p:sld xmlns:a="http://schemas.openxmlformats.org/drawingml/2006/main" xmlns:r="http://schemas.openxmlformats.org/officeDocument/2006/relationships" xmlns:p="http://schemas.openxmlformats.org/presentationml/2006/main">
+  <p:cSld>
+    <p:bg>
+      <p:bgPr>
+        <a:solidFill>
+          <a:schemeClr val="bg1"/>
+        </a:solidFill>
+        <a:effectLst/>
+      </p:bgPr>
+    </p:bg>
+    <p:spTree>
+      <p:nvGrpSpPr>
+        <p:cNvPr id="1" name="Shape 212"/>
+        <p:cNvGrpSpPr/>
+        <p:nvPr/>
+      </p:nvGrpSpPr>
+      <p:grpSpPr>
+        <a:xfrm>
+          <a:off x="0" y="0"/>
+          <a:ext cx="0" cy="0"/>
+          <a:chOff x="0" y="0"/>
+          <a:chExt cx="0" cy="0"/>
+        </a:xfrm>
+      </p:grpSpPr>
+      <p:sp>
+        <p:nvSpPr>
+          <p:cNvPr id="213" name="Shape 213"/>
+          <p:cNvSpPr txBox="1">
+            <a:spLocks noGrp="1"/>
+          </p:cNvSpPr>
+          <p:nvPr>
+            <p:ph type="title"/>
+          </p:nvPr>
+        </p:nvSpPr>
+        <p:spPr>
+          <a:xfrm>
+            <a:off x="235974" y="0"/>
+            <a:ext cx="16020026" cy="2286000"/>
+          </a:xfrm>
+          <a:prstGeom prst="rect">
+            <a:avLst/>
+          </a:prstGeom>
+          <a:noFill/>
+          <a:ln>
+            <a:noFill/>
+          </a:ln>
+        </p:spPr>
+        <p:txBody>
+          <a:bodyPr lIns="50800" tIns="50800" rIns="50800" bIns="50800" anchor="ctr" anchorCtr="0">
+            <a:noAutofit/>
+          </a:bodyPr>
+          <a:lstStyle/>
+          <a:p>
+            <a:pPr lvl="0">
+              <a:buClr>
+                <a:srgbClr val="00FF00"/>
+              </a:buClr>
+              <a:buSzPct val="25000"/>
+            </a:pPr>
+            <a:r>
+              <a:rPr lang="ru-RU" sz="8000" dirty="0" smtClean="0">
+                <a:solidFill>
+                  <a:srgbClr val="CD0000"/>
+                </a:solidFill>
+                <a:latin typeface="Arial" panose="020B0604020202020204" pitchFamily="34" charset="0"/>
+                <a:cs typeface="Arial" panose="020B0604020202020204" pitchFamily="34" charset="0"/>
+              </a:rPr>
+              <a:t>Паттерн декоратор</a:t>
+            </a:r>
+            <a:endParaRPr lang="en-US" sz="7800" dirty="0">
+              <a:solidFill>
+                <a:srgbClr val="00FF00"/>
+              </a:solidFill>
+              <a:latin typeface="Arial" panose="020B0604020202020204" pitchFamily="34" charset="0"/>
+              <a:ea typeface="Cabin"/>
+              <a:cs typeface="Arial" panose="020B0604020202020204" pitchFamily="34" charset="0"/>
+              <a:sym typeface="Cabin"/>
+            </a:endParaRPr>
+          </a:p>
+        </p:txBody>
+      </p:sp>
+      <p:sp>
+        <p:nvSpPr>
+          <p:cNvPr id="2" name="Rectangle 1"/>
+          <p:cNvSpPr/>
+          <p:nvPr/>
+        </p:nvSpPr>
+        <p:spPr>
+          <a:xfrm>
+            <a:off x="899560" y="2154142"/>
+            <a:ext cx="14237616" cy="584775"/>
+          </a:xfrm>
+          <a:prstGeom prst="rect">
+            <a:avLst/>
+          </a:prstGeom>
+        </p:spPr>
+        <p:txBody>
+          <a:bodyPr wrap="square">
+            <a:spAutoFit/>
+          </a:bodyPr>
+          <a:lstStyle/>
+          <a:p>
+            <a:endParaRPr lang="ru-RU" sz="3200" dirty="0">
+              <a:latin typeface="+mn-lt"/>
+            </a:endParaRPr>
+          </a:p>
+        </p:txBody>
+      </p:sp>
+      <p:pic>
+        <p:nvPicPr>
+          <p:cNvPr id="4" name="Picture 3"/>
+          <p:cNvPicPr>
+            <a:picLocks noChangeAspect="1"/>
+          </p:cNvPicPr>
+          <p:nvPr/>
+        </p:nvPicPr>
+        <p:blipFill>
+          <a:blip r:embed="rId3"/>
+          <a:stretch>
+            <a:fillRect/>
+          </a:stretch>
+        </p:blipFill>
+        <p:spPr>
+          <a:xfrm>
+            <a:off x="4053016" y="2115230"/>
+            <a:ext cx="8810368" cy="7028770"/>
+          </a:xfrm>
+          <a:prstGeom prst="rect">
+            <a:avLst/>
+          </a:prstGeom>
+        </p:spPr>
+      </p:pic>
+    </p:spTree>
+    <p:extLst>
+      <p:ext uri="{BB962C8B-B14F-4D97-AF65-F5344CB8AC3E}">
+        <p14:creationId xmlns:p14="http://schemas.microsoft.com/office/powerpoint/2010/main" val="981838598"/>
+      </p:ext>
+    </p:extLst>
+  </p:cSld>
+  <p:clrMapOvr>
+    <a:masterClrMapping/>
+  </p:clrMapOvr>
+  <p:timing>
+    <p:tnLst>
+      <p:par>
+        <p:cTn id="1" dur="indefinite" restart="never" nodeType="tmRoot"/>
+      </p:par>
+    </p:tnLst>
+  </p:timing>
+</p:sld>
+</file>
+
+<file path=ppt/slides/slide11.xml><?xml version="1.0" encoding="utf-8"?>
 <p:sld xmlns:a="http://schemas.openxmlformats.org/drawingml/2006/main" xmlns:r="http://schemas.openxmlformats.org/officeDocument/2006/relationships" xmlns:p="http://schemas.openxmlformats.org/presentationml/2006/main">
   <p:cSld>
     <p:bg>
@@ -15418,7 +15682,7 @@
 </p:sld>
 </file>
 
-<file path=ppt/slides/slide11.xml><?xml version="1.0" encoding="utf-8"?>
+<file path=ppt/slides/slide12.xml><?xml version="1.0" encoding="utf-8"?>
 <p:sld xmlns:a="http://schemas.openxmlformats.org/drawingml/2006/main" xmlns:r="http://schemas.openxmlformats.org/officeDocument/2006/relationships" xmlns:p="http://schemas.openxmlformats.org/presentationml/2006/main">
   <p:cSld>
     <p:bg>
@@ -15496,7 +15760,7 @@
                 <a:latin typeface="Arial" panose="020B0604020202020204" pitchFamily="34" charset="0"/>
                 <a:cs typeface="Arial" panose="020B0604020202020204" pitchFamily="34" charset="0"/>
               </a:rPr>
-              <a:t>декоратор</a:t>
+              <a:t>дизайн</a:t>
             </a:r>
             <a:endParaRPr lang="en-US" sz="7800" dirty="0">
               <a:solidFill>
@@ -16695,7 +16959,7 @@
                                         <p:tgtEl>
                                           <p:spTgt spid="4">
                                             <p:txEl>
-                                              <p:pRg st="0" end="0"/>
+                                              <p:pRg st="1" end="1"/>
                                             </p:txEl>
                                           </p:spTgt>
                                         </p:tgtEl>
@@ -16710,49 +16974,6 @@
                                     <p:animEffect transition="in" filter="fade">
                                       <p:cBhvr>
                                         <p:cTn id="7" dur="500"/>
-                                        <p:tgtEl>
-                                          <p:spTgt spid="4">
-                                            <p:txEl>
-                                              <p:pRg st="0" end="0"/>
-                                            </p:txEl>
-                                          </p:spTgt>
-                                        </p:tgtEl>
-                                      </p:cBhvr>
-                                    </p:animEffect>
-                                  </p:childTnLst>
-                                </p:cTn>
-                              </p:par>
-                              <p:par>
-                                <p:cTn id="8" presetID="10" presetClass="entr" presetSubtype="0" fill="hold" nodeType="withEffect">
-                                  <p:stCondLst>
-                                    <p:cond delay="0"/>
-                                  </p:stCondLst>
-                                  <p:childTnLst>
-                                    <p:set>
-                                      <p:cBhvr>
-                                        <p:cTn id="9" dur="1" fill="hold">
-                                          <p:stCondLst>
-                                            <p:cond delay="0"/>
-                                          </p:stCondLst>
-                                        </p:cTn>
-                                        <p:tgtEl>
-                                          <p:spTgt spid="4">
-                                            <p:txEl>
-                                              <p:pRg st="1" end="1"/>
-                                            </p:txEl>
-                                          </p:spTgt>
-                                        </p:tgtEl>
-                                        <p:attrNameLst>
-                                          <p:attrName>style.visibility</p:attrName>
-                                        </p:attrNameLst>
-                                      </p:cBhvr>
-                                      <p:to>
-                                        <p:strVal val="visible"/>
-                                      </p:to>
-                                    </p:set>
-                                    <p:animEffect transition="in" filter="fade">
-                                      <p:cBhvr>
-                                        <p:cTn id="10" dur="500"/>
                                         <p:tgtEl>
                                           <p:spTgt spid="4">
                                             <p:txEl>
@@ -16772,26 +16993,26 @@
                     </p:cTn>
                   </p:par>
                   <p:par>
-                    <p:cTn id="11" fill="hold">
+                    <p:cTn id="8" fill="hold">
                       <p:stCondLst>
                         <p:cond delay="indefinite"/>
                       </p:stCondLst>
                       <p:childTnLst>
                         <p:par>
-                          <p:cTn id="12" fill="hold">
+                          <p:cTn id="9" fill="hold">
                             <p:stCondLst>
                               <p:cond delay="0"/>
                             </p:stCondLst>
                             <p:childTnLst>
                               <p:par>
-                                <p:cTn id="13" presetID="10" presetClass="entr" presetSubtype="0" fill="hold" nodeType="clickEffect">
+                                <p:cTn id="10" presetID="10" presetClass="entr" presetSubtype="0" fill="hold" nodeType="clickEffect">
                                   <p:stCondLst>
                                     <p:cond delay="0"/>
                                   </p:stCondLst>
                                   <p:childTnLst>
                                     <p:set>
                                       <p:cBhvr>
-                                        <p:cTn id="14" dur="1" fill="hold">
+                                        <p:cTn id="11" dur="1" fill="hold">
                                           <p:stCondLst>
                                             <p:cond delay="0"/>
                                           </p:stCondLst>
@@ -16813,7 +17034,7 @@
                                     </p:set>
                                     <p:animEffect transition="in" filter="fade">
                                       <p:cBhvr>
-                                        <p:cTn id="15" dur="500"/>
+                                        <p:cTn id="12" dur="500"/>
                                         <p:tgtEl>
                                           <p:spTgt spid="4">
                                             <p:txEl>
@@ -16826,15 +17047,76 @@
                                   </p:childTnLst>
                                 </p:cTn>
                               </p:par>
+                            </p:childTnLst>
+                          </p:cTn>
+                        </p:par>
+                      </p:childTnLst>
+                    </p:cTn>
+                  </p:par>
+                  <p:par>
+                    <p:cTn id="13" fill="hold">
+                      <p:stCondLst>
+                        <p:cond delay="indefinite"/>
+                      </p:stCondLst>
+                      <p:childTnLst>
+                        <p:par>
+                          <p:cTn id="14" fill="hold">
+                            <p:stCondLst>
+                              <p:cond delay="0"/>
+                            </p:stCondLst>
+                            <p:childTnLst>
                               <p:par>
-                                <p:cTn id="16" presetID="10" presetClass="entr" presetSubtype="0" fill="hold" nodeType="withEffect">
+                                <p:cTn id="15" presetID="10" presetClass="entr" presetSubtype="0" fill="hold" nodeType="clickEffect">
                                   <p:stCondLst>
                                     <p:cond delay="0"/>
                                   </p:stCondLst>
                                   <p:childTnLst>
                                     <p:set>
                                       <p:cBhvr>
-                                        <p:cTn id="17" dur="1" fill="hold">
+                                        <p:cTn id="16" dur="1" fill="hold">
+                                          <p:stCondLst>
+                                            <p:cond delay="0"/>
+                                          </p:stCondLst>
+                                        </p:cTn>
+                                        <p:tgtEl>
+                                          <p:spTgt spid="4">
+                                            <p:txEl>
+                                              <p:pRg st="3" end="3"/>
+                                            </p:txEl>
+                                          </p:spTgt>
+                                        </p:tgtEl>
+                                        <p:attrNameLst>
+                                          <p:attrName>style.visibility</p:attrName>
+                                        </p:attrNameLst>
+                                      </p:cBhvr>
+                                      <p:to>
+                                        <p:strVal val="visible"/>
+                                      </p:to>
+                                    </p:set>
+                                    <p:animEffect transition="in" filter="fade">
+                                      <p:cBhvr>
+                                        <p:cTn id="17" dur="500"/>
+                                        <p:tgtEl>
+                                          <p:spTgt spid="4">
+                                            <p:txEl>
+                                              <p:pRg st="3" end="3"/>
+                                            </p:txEl>
+                                          </p:spTgt>
+                                        </p:tgtEl>
+                                      </p:cBhvr>
+                                    </p:animEffect>
+                                  </p:childTnLst>
+                                </p:cTn>
+                              </p:par>
+                              <p:par>
+                                <p:cTn id="18" presetID="10" presetClass="entr" presetSubtype="0" fill="hold" nodeType="withEffect">
+                                  <p:stCondLst>
+                                    <p:cond delay="0"/>
+                                  </p:stCondLst>
+                                  <p:childTnLst>
+                                    <p:set>
+                                      <p:cBhvr>
+                                        <p:cTn id="19" dur="1" fill="hold">
                                           <p:stCondLst>
                                             <p:cond delay="0"/>
                                           </p:stCondLst>
@@ -16856,7 +17138,7 @@
                                     </p:set>
                                     <p:animEffect transition="in" filter="fade">
                                       <p:cBhvr>
-                                        <p:cTn id="18" dur="500"/>
+                                        <p:cTn id="20" dur="500"/>
                                         <p:tgtEl>
                                           <p:spTgt spid="4">
                                             <p:txEl>
@@ -16870,57 +17152,14 @@
                                 </p:cTn>
                               </p:par>
                               <p:par>
-                                <p:cTn id="19" presetID="10" presetClass="entr" presetSubtype="0" fill="hold" nodeType="withEffect">
+                                <p:cTn id="21" presetID="10" presetClass="entr" presetSubtype="0" fill="hold" nodeType="withEffect">
                                   <p:stCondLst>
                                     <p:cond delay="0"/>
                                   </p:stCondLst>
                                   <p:childTnLst>
                                     <p:set>
                                       <p:cBhvr>
-                                        <p:cTn id="20" dur="1" fill="hold">
-                                          <p:stCondLst>
-                                            <p:cond delay="0"/>
-                                          </p:stCondLst>
-                                        </p:cTn>
-                                        <p:tgtEl>
-                                          <p:spTgt spid="4">
-                                            <p:txEl>
-                                              <p:pRg st="3" end="3"/>
-                                            </p:txEl>
-                                          </p:spTgt>
-                                        </p:tgtEl>
-                                        <p:attrNameLst>
-                                          <p:attrName>style.visibility</p:attrName>
-                                        </p:attrNameLst>
-                                      </p:cBhvr>
-                                      <p:to>
-                                        <p:strVal val="visible"/>
-                                      </p:to>
-                                    </p:set>
-                                    <p:animEffect transition="in" filter="fade">
-                                      <p:cBhvr>
-                                        <p:cTn id="21" dur="500"/>
-                                        <p:tgtEl>
-                                          <p:spTgt spid="4">
-                                            <p:txEl>
-                                              <p:pRg st="3" end="3"/>
-                                            </p:txEl>
-                                          </p:spTgt>
-                                        </p:tgtEl>
-                                      </p:cBhvr>
-                                    </p:animEffect>
-                                  </p:childTnLst>
-                                </p:cTn>
-                              </p:par>
-                              <p:par>
-                                <p:cTn id="22" presetID="10" presetClass="entr" presetSubtype="0" fill="hold" nodeType="withEffect">
-                                  <p:stCondLst>
-                                    <p:cond delay="0"/>
-                                  </p:stCondLst>
-                                  <p:childTnLst>
-                                    <p:set>
-                                      <p:cBhvr>
-                                        <p:cTn id="23" dur="1" fill="hold">
+                                        <p:cTn id="22" dur="1" fill="hold">
                                           <p:stCondLst>
                                             <p:cond delay="0"/>
                                           </p:stCondLst>
@@ -16942,7 +17181,7 @@
                                     </p:set>
                                     <p:animEffect transition="in" filter="fade">
                                       <p:cBhvr>
-                                        <p:cTn id="24" dur="500"/>
+                                        <p:cTn id="23" dur="500"/>
                                         <p:tgtEl>
                                           <p:spTgt spid="4">
                                             <p:txEl>
@@ -16962,26 +17201,87 @@
                     </p:cTn>
                   </p:par>
                   <p:par>
-                    <p:cTn id="25" fill="hold">
+                    <p:cTn id="24" fill="hold">
                       <p:stCondLst>
                         <p:cond delay="indefinite"/>
                       </p:stCondLst>
                       <p:childTnLst>
                         <p:par>
-                          <p:cTn id="26" fill="hold">
+                          <p:cTn id="25" fill="hold">
                             <p:stCondLst>
                               <p:cond delay="0"/>
                             </p:stCondLst>
                             <p:childTnLst>
                               <p:par>
-                                <p:cTn id="27" presetID="10" presetClass="entr" presetSubtype="0" fill="hold" nodeType="clickEffect">
+                                <p:cTn id="26" presetID="10" presetClass="entr" presetSubtype="0" fill="hold" nodeType="clickEffect">
                                   <p:stCondLst>
                                     <p:cond delay="0"/>
                                   </p:stCondLst>
                                   <p:childTnLst>
                                     <p:set>
                                       <p:cBhvr>
-                                        <p:cTn id="28" dur="1" fill="hold">
+                                        <p:cTn id="27" dur="1" fill="hold">
+                                          <p:stCondLst>
+                                            <p:cond delay="0"/>
+                                          </p:stCondLst>
+                                        </p:cTn>
+                                        <p:tgtEl>
+                                          <p:spTgt spid="4">
+                                            <p:txEl>
+                                              <p:pRg st="0" end="0"/>
+                                            </p:txEl>
+                                          </p:spTgt>
+                                        </p:tgtEl>
+                                        <p:attrNameLst>
+                                          <p:attrName>style.visibility</p:attrName>
+                                        </p:attrNameLst>
+                                      </p:cBhvr>
+                                      <p:to>
+                                        <p:strVal val="visible"/>
+                                      </p:to>
+                                    </p:set>
+                                    <p:animEffect transition="in" filter="fade">
+                                      <p:cBhvr>
+                                        <p:cTn id="28" dur="500"/>
+                                        <p:tgtEl>
+                                          <p:spTgt spid="4">
+                                            <p:txEl>
+                                              <p:pRg st="0" end="0"/>
+                                            </p:txEl>
+                                          </p:spTgt>
+                                        </p:tgtEl>
+                                      </p:cBhvr>
+                                    </p:animEffect>
+                                  </p:childTnLst>
+                                </p:cTn>
+                              </p:par>
+                            </p:childTnLst>
+                          </p:cTn>
+                        </p:par>
+                      </p:childTnLst>
+                    </p:cTn>
+                  </p:par>
+                  <p:par>
+                    <p:cTn id="29" fill="hold">
+                      <p:stCondLst>
+                        <p:cond delay="indefinite"/>
+                      </p:stCondLst>
+                      <p:childTnLst>
+                        <p:par>
+                          <p:cTn id="30" fill="hold">
+                            <p:stCondLst>
+                              <p:cond delay="0"/>
+                            </p:stCondLst>
+                            <p:childTnLst>
+                              <p:par>
+                                <p:cTn id="31" presetID="10" presetClass="entr" presetSubtype="0" fill="hold" nodeType="clickEffect">
+                                  <p:stCondLst>
+                                    <p:cond delay="0"/>
+                                  </p:stCondLst>
+                                  <p:childTnLst>
+                                    <p:set>
+                                      <p:cBhvr>
+                                        <p:cTn id="32" dur="1" fill="hold">
                                           <p:stCondLst>
                                             <p:cond delay="0"/>
                                           </p:stCondLst>
@@ -17003,7 +17303,7 @@
                                     </p:set>
                                     <p:animEffect transition="in" filter="fade">
                                       <p:cBhvr>
-                                        <p:cTn id="29" dur="500"/>
+                                        <p:cTn id="33" dur="500"/>
                                         <p:tgtEl>
                                           <p:spTgt spid="5">
                                             <p:txEl>
@@ -17023,26 +17323,148 @@
                     </p:cTn>
                   </p:par>
                   <p:par>
-                    <p:cTn id="30" fill="hold">
+                    <p:cTn id="34" fill="hold">
                       <p:stCondLst>
                         <p:cond delay="indefinite"/>
                       </p:stCondLst>
                       <p:childTnLst>
                         <p:par>
-                          <p:cTn id="31" fill="hold">
+                          <p:cTn id="35" fill="hold">
                             <p:stCondLst>
                               <p:cond delay="0"/>
                             </p:stCondLst>
                             <p:childTnLst>
                               <p:par>
-                                <p:cTn id="32" presetID="10" presetClass="entr" presetSubtype="0" fill="hold" nodeType="clickEffect">
+                                <p:cTn id="36" presetID="10" presetClass="entr" presetSubtype="0" fill="hold" nodeType="clickEffect">
                                   <p:stCondLst>
                                     <p:cond delay="0"/>
                                   </p:stCondLst>
                                   <p:childTnLst>
                                     <p:set>
                                       <p:cBhvr>
-                                        <p:cTn id="33" dur="1" fill="hold">
+                                        <p:cTn id="37" dur="1" fill="hold">
+                                          <p:stCondLst>
+                                            <p:cond delay="0"/>
+                                          </p:stCondLst>
+                                        </p:cTn>
+                                        <p:tgtEl>
+                                          <p:spTgt spid="5">
+                                            <p:txEl>
+                                              <p:pRg st="4" end="4"/>
+                                            </p:txEl>
+                                          </p:spTgt>
+                                        </p:tgtEl>
+                                        <p:attrNameLst>
+                                          <p:attrName>style.visibility</p:attrName>
+                                        </p:attrNameLst>
+                                      </p:cBhvr>
+                                      <p:to>
+                                        <p:strVal val="visible"/>
+                                      </p:to>
+                                    </p:set>
+                                    <p:animEffect transition="in" filter="fade">
+                                      <p:cBhvr>
+                                        <p:cTn id="38" dur="500"/>
+                                        <p:tgtEl>
+                                          <p:spTgt spid="5">
+                                            <p:txEl>
+                                              <p:pRg st="4" end="4"/>
+                                            </p:txEl>
+                                          </p:spTgt>
+                                        </p:tgtEl>
+                                      </p:cBhvr>
+                                    </p:animEffect>
+                                  </p:childTnLst>
+                                </p:cTn>
+                              </p:par>
+                            </p:childTnLst>
+                          </p:cTn>
+                        </p:par>
+                      </p:childTnLst>
+                    </p:cTn>
+                  </p:par>
+                  <p:par>
+                    <p:cTn id="39" fill="hold">
+                      <p:stCondLst>
+                        <p:cond delay="indefinite"/>
+                      </p:stCondLst>
+                      <p:childTnLst>
+                        <p:par>
+                          <p:cTn id="40" fill="hold">
+                            <p:stCondLst>
+                              <p:cond delay="0"/>
+                            </p:stCondLst>
+                            <p:childTnLst>
+                              <p:par>
+                                <p:cTn id="41" presetID="10" presetClass="entr" presetSubtype="0" fill="hold" nodeType="clickEffect">
+                                  <p:stCondLst>
+                                    <p:cond delay="0"/>
+                                  </p:stCondLst>
+                                  <p:childTnLst>
+                                    <p:set>
+                                      <p:cBhvr>
+                                        <p:cTn id="42" dur="1" fill="hold">
+                                          <p:stCondLst>
+                                            <p:cond delay="0"/>
+                                          </p:stCondLst>
+                                        </p:cTn>
+                                        <p:tgtEl>
+                                          <p:spTgt spid="5">
+                                            <p:txEl>
+                                              <p:pRg st="6" end="6"/>
+                                            </p:txEl>
+                                          </p:spTgt>
+                                        </p:tgtEl>
+                                        <p:attrNameLst>
+                                          <p:attrName>style.visibility</p:attrName>
+                                        </p:attrNameLst>
+                                      </p:cBhvr>
+                                      <p:to>
+                                        <p:strVal val="visible"/>
+                                      </p:to>
+                                    </p:set>
+                                    <p:animEffect transition="in" filter="fade">
+                                      <p:cBhvr>
+                                        <p:cTn id="43" dur="500"/>
+                                        <p:tgtEl>
+                                          <p:spTgt spid="5">
+                                            <p:txEl>
+                                              <p:pRg st="6" end="6"/>
+                                            </p:txEl>
+                                          </p:spTgt>
+                                        </p:tgtEl>
+                                      </p:cBhvr>
+                                    </p:animEffect>
+                                  </p:childTnLst>
+                                </p:cTn>
+                              </p:par>
+                            </p:childTnLst>
+                          </p:cTn>
+                        </p:par>
+                      </p:childTnLst>
+                    </p:cTn>
+                  </p:par>
+                  <p:par>
+                    <p:cTn id="44" fill="hold">
+                      <p:stCondLst>
+                        <p:cond delay="indefinite"/>
+                      </p:stCondLst>
+                      <p:childTnLst>
+                        <p:par>
+                          <p:cTn id="45" fill="hold">
+                            <p:stCondLst>
+                              <p:cond delay="0"/>
+                            </p:stCondLst>
+                            <p:childTnLst>
+                              <p:par>
+                                <p:cTn id="46" presetID="10" presetClass="entr" presetSubtype="0" fill="hold" nodeType="clickEffect">
+                                  <p:stCondLst>
+                                    <p:cond delay="0"/>
+                                  </p:stCondLst>
+                                  <p:childTnLst>
+                                    <p:set>
+                                      <p:cBhvr>
+                                        <p:cTn id="47" dur="1" fill="hold">
                                           <p:stCondLst>
                                             <p:cond delay="0"/>
                                           </p:stCondLst>
@@ -17064,7 +17486,7 @@
                                     </p:set>
                                     <p:animEffect transition="in" filter="fade">
                                       <p:cBhvr>
-                                        <p:cTn id="34" dur="500"/>
+                                        <p:cTn id="48" dur="500"/>
                                         <p:tgtEl>
                                           <p:spTgt spid="5">
                                             <p:txEl>
@@ -17084,26 +17506,26 @@
                     </p:cTn>
                   </p:par>
                   <p:par>
-                    <p:cTn id="35" fill="hold">
+                    <p:cTn id="49" fill="hold">
                       <p:stCondLst>
                         <p:cond delay="indefinite"/>
                       </p:stCondLst>
                       <p:childTnLst>
                         <p:par>
-                          <p:cTn id="36" fill="hold">
+                          <p:cTn id="50" fill="hold">
                             <p:stCondLst>
                               <p:cond delay="0"/>
                             </p:stCondLst>
                             <p:childTnLst>
                               <p:par>
-                                <p:cTn id="37" presetID="10" presetClass="entr" presetSubtype="0" fill="hold" nodeType="clickEffect">
+                                <p:cTn id="51" presetID="10" presetClass="entr" presetSubtype="0" fill="hold" nodeType="clickEffect">
                                   <p:stCondLst>
                                     <p:cond delay="0"/>
                                   </p:stCondLst>
                                   <p:childTnLst>
                                     <p:set>
                                       <p:cBhvr>
-                                        <p:cTn id="38" dur="1" fill="hold">
+                                        <p:cTn id="52" dur="1" fill="hold">
                                           <p:stCondLst>
                                             <p:cond delay="0"/>
                                           </p:stCondLst>
@@ -17125,133 +17547,11 @@
                                     </p:set>
                                     <p:animEffect transition="in" filter="fade">
                                       <p:cBhvr>
-                                        <p:cTn id="39" dur="500"/>
+                                        <p:cTn id="53" dur="500"/>
                                         <p:tgtEl>
                                           <p:spTgt spid="5">
                                             <p:txEl>
                                               <p:pRg st="0" end="0"/>
-                                            </p:txEl>
-                                          </p:spTgt>
-                                        </p:tgtEl>
-                                      </p:cBhvr>
-                                    </p:animEffect>
-                                  </p:childTnLst>
-                                </p:cTn>
-                              </p:par>
-                            </p:childTnLst>
-                          </p:cTn>
-                        </p:par>
-                      </p:childTnLst>
-                    </p:cTn>
-                  </p:par>
-                  <p:par>
-                    <p:cTn id="40" fill="hold">
-                      <p:stCondLst>
-                        <p:cond delay="indefinite"/>
-                      </p:stCondLst>
-                      <p:childTnLst>
-                        <p:par>
-                          <p:cTn id="41" fill="hold">
-                            <p:stCondLst>
-                              <p:cond delay="0"/>
-                            </p:stCondLst>
-                            <p:childTnLst>
-                              <p:par>
-                                <p:cTn id="42" presetID="10" presetClass="entr" presetSubtype="0" fill="hold" nodeType="clickEffect">
-                                  <p:stCondLst>
-                                    <p:cond delay="0"/>
-                                  </p:stCondLst>
-                                  <p:childTnLst>
-                                    <p:set>
-                                      <p:cBhvr>
-                                        <p:cTn id="43" dur="1" fill="hold">
-                                          <p:stCondLst>
-                                            <p:cond delay="0"/>
-                                          </p:stCondLst>
-                                        </p:cTn>
-                                        <p:tgtEl>
-                                          <p:spTgt spid="5">
-                                            <p:txEl>
-                                              <p:pRg st="4" end="4"/>
-                                            </p:txEl>
-                                          </p:spTgt>
-                                        </p:tgtEl>
-                                        <p:attrNameLst>
-                                          <p:attrName>style.visibility</p:attrName>
-                                        </p:attrNameLst>
-                                      </p:cBhvr>
-                                      <p:to>
-                                        <p:strVal val="visible"/>
-                                      </p:to>
-                                    </p:set>
-                                    <p:animEffect transition="in" filter="fade">
-                                      <p:cBhvr>
-                                        <p:cTn id="44" dur="500"/>
-                                        <p:tgtEl>
-                                          <p:spTgt spid="5">
-                                            <p:txEl>
-                                              <p:pRg st="4" end="4"/>
-                                            </p:txEl>
-                                          </p:spTgt>
-                                        </p:tgtEl>
-                                      </p:cBhvr>
-                                    </p:animEffect>
-                                  </p:childTnLst>
-                                </p:cTn>
-                              </p:par>
-                            </p:childTnLst>
-                          </p:cTn>
-                        </p:par>
-                      </p:childTnLst>
-                    </p:cTn>
-                  </p:par>
-                  <p:par>
-                    <p:cTn id="45" fill="hold">
-                      <p:stCondLst>
-                        <p:cond delay="indefinite"/>
-                      </p:stCondLst>
-                      <p:childTnLst>
-                        <p:par>
-                          <p:cTn id="46" fill="hold">
-                            <p:stCondLst>
-                              <p:cond delay="0"/>
-                            </p:stCondLst>
-                            <p:childTnLst>
-                              <p:par>
-                                <p:cTn id="47" presetID="10" presetClass="entr" presetSubtype="0" fill="hold" nodeType="clickEffect">
-                                  <p:stCondLst>
-                                    <p:cond delay="0"/>
-                                  </p:stCondLst>
-                                  <p:childTnLst>
-                                    <p:set>
-                                      <p:cBhvr>
-                                        <p:cTn id="48" dur="1" fill="hold">
-                                          <p:stCondLst>
-                                            <p:cond delay="0"/>
-                                          </p:stCondLst>
-                                        </p:cTn>
-                                        <p:tgtEl>
-                                          <p:spTgt spid="5">
-                                            <p:txEl>
-                                              <p:pRg st="6" end="6"/>
-                                            </p:txEl>
-                                          </p:spTgt>
-                                        </p:tgtEl>
-                                        <p:attrNameLst>
-                                          <p:attrName>style.visibility</p:attrName>
-                                        </p:attrNameLst>
-                                      </p:cBhvr>
-                                      <p:to>
-                                        <p:strVal val="visible"/>
-                                      </p:to>
-                                    </p:set>
-                                    <p:animEffect transition="in" filter="fade">
-                                      <p:cBhvr>
-                                        <p:cTn id="49" dur="500"/>
-                                        <p:tgtEl>
-                                          <p:spTgt spid="5">
-                                            <p:txEl>
-                                              <p:pRg st="6" end="6"/>
                                             </p:txEl>
                                           </p:spTgt>
                                         </p:tgtEl>
@@ -17291,7 +17591,7 @@
 </p:sld>
 </file>
 
-<file path=ppt/slides/slide12.xml><?xml version="1.0" encoding="utf-8"?>
+<file path=ppt/slides/slide13.xml><?xml version="1.0" encoding="utf-8"?>
 <p:sld xmlns:a="http://schemas.openxmlformats.org/drawingml/2006/main" xmlns:r="http://schemas.openxmlformats.org/officeDocument/2006/relationships" xmlns:p="http://schemas.openxmlformats.org/presentationml/2006/main">
   <p:cSld>
     <p:bg>
@@ -17359,17 +17659,7 @@
                 <a:latin typeface="Arial" panose="020B0604020202020204" pitchFamily="34" charset="0"/>
                 <a:cs typeface="Arial" panose="020B0604020202020204" pitchFamily="34" charset="0"/>
               </a:rPr>
-              <a:t>Аргументы </a:t>
-            </a:r>
-            <a:r>
-              <a:rPr lang="ru-RU" sz="8000" dirty="0" smtClean="0">
-                <a:solidFill>
-                  <a:srgbClr val="CD0000"/>
-                </a:solidFill>
-                <a:latin typeface="Arial" panose="020B0604020202020204" pitchFamily="34" charset="0"/>
-                <a:cs typeface="Arial" panose="020B0604020202020204" pitchFamily="34" charset="0"/>
-              </a:rPr>
-              <a:t>декоратора</a:t>
+              <a:t>Аргументы декоратора</a:t>
             </a:r>
             <a:endParaRPr lang="en-US" sz="7800" dirty="0">
               <a:solidFill>
@@ -17944,7 +18234,133 @@
                 <a:latin typeface="Courier New" panose="02070309020205020404" pitchFamily="49" charset="0"/>
                 <a:cs typeface="Courier New" panose="02070309020205020404" pitchFamily="49" charset="0"/>
               </a:rPr>
-              <a:t>repeater(count):</a:t>
+              <a:t>repeater(count</a:t>
+            </a:r>
+            <a:r>
+              <a:rPr lang="ru-RU" altLang="ru-RU" sz="3200" dirty="0" smtClean="0">
+                <a:solidFill>
+                  <a:srgbClr val="000000"/>
+                </a:solidFill>
+                <a:latin typeface="Courier New" panose="02070309020205020404" pitchFamily="49" charset="0"/>
+                <a:cs typeface="Courier New" panose="02070309020205020404" pitchFamily="49" charset="0"/>
+              </a:rPr>
+              <a:t>):</a:t>
+            </a:r>
+          </a:p>
+          <a:p>
+            <a:pPr marL="0" marR="0" lvl="0" indent="0" algn="l" defTabSz="914400" rtl="0" eaLnBrk="0" fontAlgn="base" latinLnBrk="0" hangingPunct="0">
+              <a:lnSpc>
+                <a:spcPct val="100000"/>
+              </a:lnSpc>
+              <a:spcBef>
+                <a:spcPct val="0"/>
+              </a:spcBef>
+              <a:spcAft>
+                <a:spcPct val="0"/>
+              </a:spcAft>
+              <a:buClrTx/>
+              <a:buSzTx/>
+              <a:buFontTx/>
+              <a:buNone/>
+              <a:tabLst/>
+            </a:pPr>
+            <a:r>
+              <a:rPr lang="ru-RU" altLang="ru-RU" sz="3200" dirty="0" smtClean="0">
+                <a:solidFill>
+                  <a:srgbClr val="000000"/>
+                </a:solidFill>
+                <a:latin typeface="Courier New" panose="02070309020205020404" pitchFamily="49" charset="0"/>
+                <a:cs typeface="Courier New" panose="02070309020205020404" pitchFamily="49" charset="0"/>
+              </a:rPr>
+              <a:t>    </a:t>
+            </a:r>
+            <a:r>
+              <a:rPr lang="ru-RU" altLang="ru-RU" sz="3200" b="1" dirty="0">
+                <a:solidFill>
+                  <a:srgbClr val="000080"/>
+                </a:solidFill>
+                <a:latin typeface="Courier New" panose="02070309020205020404" pitchFamily="49" charset="0"/>
+                <a:cs typeface="Courier New" panose="02070309020205020404" pitchFamily="49" charset="0"/>
+              </a:rPr>
+              <a:t>def </a:t>
+            </a:r>
+            <a:r>
+              <a:rPr lang="ru-RU" altLang="ru-RU" sz="3200" dirty="0">
+                <a:solidFill>
+                  <a:srgbClr val="000000"/>
+                </a:solidFill>
+                <a:latin typeface="Courier New" panose="02070309020205020404" pitchFamily="49" charset="0"/>
+                <a:cs typeface="Courier New" panose="02070309020205020404" pitchFamily="49" charset="0"/>
+              </a:rPr>
+              <a:t>decorator(function</a:t>
+            </a:r>
+            <a:r>
+              <a:rPr lang="ru-RU" altLang="ru-RU" sz="3200" dirty="0" smtClean="0">
+                <a:solidFill>
+                  <a:srgbClr val="000000"/>
+                </a:solidFill>
+                <a:latin typeface="Courier New" panose="02070309020205020404" pitchFamily="49" charset="0"/>
+                <a:cs typeface="Courier New" panose="02070309020205020404" pitchFamily="49" charset="0"/>
+              </a:rPr>
+              <a:t>):</a:t>
+            </a:r>
+          </a:p>
+          <a:p>
+            <a:pPr marL="0" marR="0" lvl="0" indent="0" algn="l" defTabSz="914400" rtl="0" eaLnBrk="0" fontAlgn="base" latinLnBrk="0" hangingPunct="0">
+              <a:lnSpc>
+                <a:spcPct val="100000"/>
+              </a:lnSpc>
+              <a:spcBef>
+                <a:spcPct val="0"/>
+              </a:spcBef>
+              <a:spcAft>
+                <a:spcPct val="0"/>
+              </a:spcAft>
+              <a:buClrTx/>
+              <a:buSzTx/>
+              <a:buFontTx/>
+              <a:buNone/>
+              <a:tabLst/>
+            </a:pPr>
+            <a:r>
+              <a:rPr lang="ru-RU" altLang="ru-RU" sz="3200" dirty="0" smtClean="0">
+                <a:solidFill>
+                  <a:srgbClr val="000000"/>
+                </a:solidFill>
+                <a:latin typeface="Courier New" panose="02070309020205020404" pitchFamily="49" charset="0"/>
+                <a:cs typeface="Courier New" panose="02070309020205020404" pitchFamily="49" charset="0"/>
+              </a:rPr>
+              <a:t>        </a:t>
+            </a:r>
+            <a:r>
+              <a:rPr lang="ru-RU" altLang="ru-RU" sz="3200" dirty="0">
+                <a:solidFill>
+                  <a:srgbClr val="000000"/>
+                </a:solidFill>
+                <a:latin typeface="Courier New" panose="02070309020205020404" pitchFamily="49" charset="0"/>
+                <a:cs typeface="Courier New" panose="02070309020205020404" pitchFamily="49" charset="0"/>
+              </a:rPr>
+              <a:t>@</a:t>
+            </a:r>
+            <a:r>
+              <a:rPr lang="ru-RU" altLang="ru-RU" sz="3200" dirty="0">
+                <a:solidFill>
+                  <a:srgbClr val="0000B2"/>
+                </a:solidFill>
+                <a:latin typeface="Courier New" panose="02070309020205020404" pitchFamily="49" charset="0"/>
+                <a:cs typeface="Courier New" panose="02070309020205020404" pitchFamily="49" charset="0"/>
+              </a:rPr>
+              <a:t>functools.wraps</a:t>
+            </a:r>
+            <a:r>
+              <a:rPr lang="ru-RU" altLang="ru-RU" sz="3200" dirty="0">
+                <a:solidFill>
+                  <a:srgbClr val="000000"/>
+                </a:solidFill>
+                <a:latin typeface="Courier New" panose="02070309020205020404" pitchFamily="49" charset="0"/>
+                <a:cs typeface="Courier New" panose="02070309020205020404" pitchFamily="49" charset="0"/>
+              </a:rPr>
+              <a:t>(function)</a:t>
             </a:r>
             <a:br>
               <a:rPr lang="ru-RU" altLang="ru-RU" sz="3200" dirty="0">
@@ -17963,7 +18379,7 @@
                 <a:latin typeface="Courier New" panose="02070309020205020404" pitchFamily="49" charset="0"/>
                 <a:cs typeface="Courier New" panose="02070309020205020404" pitchFamily="49" charset="0"/>
               </a:rPr>
-              <a:t>    </a:t>
+              <a:t>        </a:t>
             </a:r>
             <a:r>
               <a:rPr lang="ru-RU" altLang="ru-RU" sz="3200" b="1" dirty="0">
@@ -17983,27 +18399,7 @@
                 <a:latin typeface="Courier New" panose="02070309020205020404" pitchFamily="49" charset="0"/>
                 <a:cs typeface="Courier New" panose="02070309020205020404" pitchFamily="49" charset="0"/>
               </a:rPr>
-              <a:t>decorator(function</a:t>
-            </a:r>
-            <a:r>
-              <a:rPr lang="ru-RU" altLang="ru-RU" sz="3200" dirty="0" smtClean="0">
-                <a:solidFill>
-                  <a:srgbClr val="000000"/>
-                </a:solidFill>
-                <a:latin typeface="Courier New" panose="02070309020205020404" pitchFamily="49" charset="0"/>
-                <a:cs typeface="Courier New" panose="02070309020205020404" pitchFamily="49" charset="0"/>
-              </a:rPr>
-              <a:t>):</a:t>
-            </a:r>
-            <a:r>
-              <a:rPr lang="ru-RU" altLang="ru-RU" sz="3200" dirty="0">
-                <a:solidFill>
-                  <a:srgbClr val="000000"/>
-                </a:solidFill>
-                <a:latin typeface="Courier New" panose="02070309020205020404" pitchFamily="49" charset="0"/>
-                <a:cs typeface="Courier New" panose="02070309020205020404" pitchFamily="49" charset="0"/>
-              </a:rPr>
-              <a:t/>
+              <a:t>wrapper(*args, **kwargs):</a:t>
             </a:r>
             <a:br>
               <a:rPr lang="ru-RU" altLang="ru-RU" sz="3200" dirty="0">
@@ -18022,27 +18418,57 @@
                 <a:latin typeface="Courier New" panose="02070309020205020404" pitchFamily="49" charset="0"/>
                 <a:cs typeface="Courier New" panose="02070309020205020404" pitchFamily="49" charset="0"/>
               </a:rPr>
-              <a:t>        @</a:t>
+              <a:t>            </a:t>
+            </a:r>
+            <a:r>
+              <a:rPr lang="ru-RU" altLang="ru-RU" sz="3200" b="1" dirty="0">
+                <a:solidFill>
+                  <a:srgbClr val="000080"/>
+                </a:solidFill>
+                <a:latin typeface="Courier New" panose="02070309020205020404" pitchFamily="49" charset="0"/>
+                <a:cs typeface="Courier New" panose="02070309020205020404" pitchFamily="49" charset="0"/>
+              </a:rPr>
+              <a:t>for </a:t>
             </a:r>
             <a:r>
               <a:rPr lang="ru-RU" altLang="ru-RU" sz="3200" dirty="0">
                 <a:solidFill>
-                  <a:srgbClr val="0000B2"/>
-                </a:solidFill>
-                <a:latin typeface="Courier New" panose="02070309020205020404" pitchFamily="49" charset="0"/>
-                <a:cs typeface="Courier New" panose="02070309020205020404" pitchFamily="49" charset="0"/>
-              </a:rPr>
-              <a:t>functools.wraps</a:t>
+                  <a:srgbClr val="000000"/>
+                </a:solidFill>
+                <a:latin typeface="Courier New" panose="02070309020205020404" pitchFamily="49" charset="0"/>
+                <a:cs typeface="Courier New" panose="02070309020205020404" pitchFamily="49" charset="0"/>
+              </a:rPr>
+              <a:t>i </a:t>
+            </a:r>
+            <a:r>
+              <a:rPr lang="ru-RU" altLang="ru-RU" sz="3200" b="1" dirty="0">
+                <a:solidFill>
+                  <a:srgbClr val="000080"/>
+                </a:solidFill>
+                <a:latin typeface="Courier New" panose="02070309020205020404" pitchFamily="49" charset="0"/>
+                <a:cs typeface="Courier New" panose="02070309020205020404" pitchFamily="49" charset="0"/>
+              </a:rPr>
+              <a:t>in </a:t>
             </a:r>
             <a:r>
               <a:rPr lang="ru-RU" altLang="ru-RU" sz="3200" dirty="0">
                 <a:solidFill>
+                  <a:srgbClr val="000080"/>
+                </a:solidFill>
+                <a:latin typeface="Courier New" panose="02070309020205020404" pitchFamily="49" charset="0"/>
+                <a:cs typeface="Courier New" panose="02070309020205020404" pitchFamily="49" charset="0"/>
+              </a:rPr>
+              <a:t>range</a:t>
+            </a:r>
+            <a:r>
+              <a:rPr lang="ru-RU" altLang="ru-RU" sz="3200" dirty="0">
+                <a:solidFill>
                   <a:srgbClr val="000000"/>
                 </a:solidFill>
                 <a:latin typeface="Courier New" panose="02070309020205020404" pitchFamily="49" charset="0"/>
                 <a:cs typeface="Courier New" panose="02070309020205020404" pitchFamily="49" charset="0"/>
               </a:rPr>
-              <a:t>(function)</a:t>
+              <a:t>(count):</a:t>
             </a:r>
             <a:br>
               <a:rPr lang="ru-RU" altLang="ru-RU" sz="3200" dirty="0">
@@ -18061,17 +18487,37 @@
                 <a:latin typeface="Courier New" panose="02070309020205020404" pitchFamily="49" charset="0"/>
                 <a:cs typeface="Courier New" panose="02070309020205020404" pitchFamily="49" charset="0"/>
               </a:rPr>
-              <a:t>        </a:t>
-            </a:r>
-            <a:r>
-              <a:rPr lang="ru-RU" altLang="ru-RU" sz="3200" b="1" dirty="0">
-                <a:solidFill>
-                  <a:srgbClr val="000080"/>
-                </a:solidFill>
-                <a:latin typeface="Courier New" panose="02070309020205020404" pitchFamily="49" charset="0"/>
-                <a:cs typeface="Courier New" panose="02070309020205020404" pitchFamily="49" charset="0"/>
-              </a:rPr>
-              <a:t>def </a:t>
+              <a:t>                function(*args</a:t>
+            </a:r>
+            <a:r>
+              <a:rPr lang="ru-RU" altLang="ru-RU" sz="3200" dirty="0" smtClean="0">
+                <a:solidFill>
+                  <a:srgbClr val="000000"/>
+                </a:solidFill>
+                <a:latin typeface="Courier New" panose="02070309020205020404" pitchFamily="49" charset="0"/>
+                <a:cs typeface="Courier New" panose="02070309020205020404" pitchFamily="49" charset="0"/>
+              </a:rPr>
+              <a:t>,</a:t>
+            </a:r>
+            <a:r>
+              <a:rPr lang="en-US" altLang="ru-RU" sz="3200" dirty="0" smtClean="0">
+                <a:solidFill>
+                  <a:srgbClr val="000000"/>
+                </a:solidFill>
+                <a:latin typeface="Courier New" panose="02070309020205020404" pitchFamily="49" charset="0"/>
+                <a:cs typeface="Courier New" panose="02070309020205020404" pitchFamily="49" charset="0"/>
+              </a:rPr>
+              <a:t> </a:t>
+            </a:r>
+            <a:r>
+              <a:rPr lang="ru-RU" altLang="ru-RU" sz="3200" dirty="0" smtClean="0">
+                <a:solidFill>
+                  <a:srgbClr val="000000"/>
+                </a:solidFill>
+                <a:latin typeface="Courier New" panose="02070309020205020404" pitchFamily="49" charset="0"/>
+                <a:cs typeface="Courier New" panose="02070309020205020404" pitchFamily="49" charset="0"/>
+              </a:rPr>
+              <a:t>**</a:t>
             </a:r>
             <a:r>
               <a:rPr lang="ru-RU" altLang="ru-RU" sz="3200" dirty="0">
@@ -18081,7 +18527,7 @@
                 <a:latin typeface="Courier New" panose="02070309020205020404" pitchFamily="49" charset="0"/>
                 <a:cs typeface="Courier New" panose="02070309020205020404" pitchFamily="49" charset="0"/>
               </a:rPr>
-              <a:t>wrapper(*args, **kwargs):</a:t>
+              <a:t>kwargs)</a:t>
             </a:r>
             <a:br>
               <a:rPr lang="ru-RU" altLang="ru-RU" sz="3200" dirty="0">
@@ -18100,7 +18546,7 @@
                 <a:latin typeface="Courier New" panose="02070309020205020404" pitchFamily="49" charset="0"/>
                 <a:cs typeface="Courier New" panose="02070309020205020404" pitchFamily="49" charset="0"/>
               </a:rPr>
-              <a:t>            </a:t>
+              <a:t>        </a:t>
             </a:r>
             <a:r>
               <a:rPr lang="ru-RU" altLang="ru-RU" sz="3200" b="1" dirty="0">
@@ -18110,167 +18556,48 @@
                 <a:latin typeface="Courier New" panose="02070309020205020404" pitchFamily="49" charset="0"/>
                 <a:cs typeface="Courier New" panose="02070309020205020404" pitchFamily="49" charset="0"/>
               </a:rPr>
-              <a:t>for </a:t>
-            </a:r>
-            <a:r>
-              <a:rPr lang="ru-RU" altLang="ru-RU" sz="3200" dirty="0">
+              <a:t>return </a:t>
+            </a:r>
+            <a:r>
+              <a:rPr lang="ru-RU" altLang="ru-RU" sz="3200" dirty="0" smtClean="0">
                 <a:solidFill>
                   <a:srgbClr val="000000"/>
                 </a:solidFill>
                 <a:latin typeface="Courier New" panose="02070309020205020404" pitchFamily="49" charset="0"/>
                 <a:cs typeface="Courier New" panose="02070309020205020404" pitchFamily="49" charset="0"/>
               </a:rPr>
-              <a:t>i </a:t>
-            </a:r>
-            <a:r>
-              <a:rPr lang="ru-RU" altLang="ru-RU" sz="3200" b="1" dirty="0">
-                <a:solidFill>
-                  <a:srgbClr val="000080"/>
-                </a:solidFill>
-                <a:latin typeface="Courier New" panose="02070309020205020404" pitchFamily="49" charset="0"/>
-                <a:cs typeface="Courier New" panose="02070309020205020404" pitchFamily="49" charset="0"/>
-              </a:rPr>
-              <a:t>in </a:t>
-            </a:r>
-            <a:r>
-              <a:rPr lang="ru-RU" altLang="ru-RU" sz="3200" dirty="0">
-                <a:solidFill>
-                  <a:srgbClr val="000080"/>
-                </a:solidFill>
-                <a:latin typeface="Courier New" panose="02070309020205020404" pitchFamily="49" charset="0"/>
-                <a:cs typeface="Courier New" panose="02070309020205020404" pitchFamily="49" charset="0"/>
-              </a:rPr>
-              <a:t>range</a:t>
-            </a:r>
-            <a:r>
-              <a:rPr lang="ru-RU" altLang="ru-RU" sz="3200" dirty="0">
+              <a:t>wrapper</a:t>
+            </a:r>
+          </a:p>
+          <a:p>
+            <a:pPr marL="0" marR="0" lvl="0" indent="0" algn="l" defTabSz="914400" rtl="0" eaLnBrk="0" fontAlgn="base" latinLnBrk="0" hangingPunct="0">
+              <a:lnSpc>
+                <a:spcPct val="100000"/>
+              </a:lnSpc>
+              <a:spcBef>
+                <a:spcPct val="0"/>
+              </a:spcBef>
+              <a:spcAft>
+                <a:spcPct val="0"/>
+              </a:spcAft>
+              <a:buClrTx/>
+              <a:buSzTx/>
+              <a:buFontTx/>
+              <a:buNone/>
+              <a:tabLst/>
+            </a:pPr>
+            <a:r>
+              <a:rPr lang="ru-RU" altLang="ru-RU" sz="3200" dirty="0" smtClean="0">
                 <a:solidFill>
                   <a:srgbClr val="000000"/>
                 </a:solidFill>
                 <a:latin typeface="Courier New" panose="02070309020205020404" pitchFamily="49" charset="0"/>
                 <a:cs typeface="Courier New" panose="02070309020205020404" pitchFamily="49" charset="0"/>
               </a:rPr>
-              <a:t>(count):</a:t>
-            </a:r>
-            <a:br>
-              <a:rPr lang="ru-RU" altLang="ru-RU" sz="3200" dirty="0">
-                <a:solidFill>
-                  <a:srgbClr val="000000"/>
-                </a:solidFill>
-                <a:latin typeface="Courier New" panose="02070309020205020404" pitchFamily="49" charset="0"/>
-                <a:cs typeface="Courier New" panose="02070309020205020404" pitchFamily="49" charset="0"/>
-              </a:rPr>
-            </a:br>
-            <a:r>
-              <a:rPr lang="ru-RU" altLang="ru-RU" sz="3200" dirty="0">
-                <a:solidFill>
-                  <a:srgbClr val="000000"/>
-                </a:solidFill>
-                <a:latin typeface="Courier New" panose="02070309020205020404" pitchFamily="49" charset="0"/>
-                <a:cs typeface="Courier New" panose="02070309020205020404" pitchFamily="49" charset="0"/>
-              </a:rPr>
-              <a:t>                function(*args</a:t>
-            </a:r>
-            <a:r>
-              <a:rPr lang="ru-RU" altLang="ru-RU" sz="3200" dirty="0" smtClean="0">
-                <a:solidFill>
-                  <a:srgbClr val="000000"/>
-                </a:solidFill>
-                <a:latin typeface="Courier New" panose="02070309020205020404" pitchFamily="49" charset="0"/>
-                <a:cs typeface="Courier New" panose="02070309020205020404" pitchFamily="49" charset="0"/>
-              </a:rPr>
-              <a:t>,</a:t>
-            </a:r>
-            <a:r>
-              <a:rPr lang="en-US" altLang="ru-RU" sz="3200" dirty="0" smtClean="0">
-                <a:solidFill>
-                  <a:srgbClr val="000000"/>
-                </a:solidFill>
-                <a:latin typeface="Courier New" panose="02070309020205020404" pitchFamily="49" charset="0"/>
-                <a:cs typeface="Courier New" panose="02070309020205020404" pitchFamily="49" charset="0"/>
-              </a:rPr>
-              <a:t> </a:t>
-            </a:r>
-            <a:r>
-              <a:rPr lang="ru-RU" altLang="ru-RU" sz="3200" dirty="0" smtClean="0">
-                <a:solidFill>
-                  <a:srgbClr val="000000"/>
-                </a:solidFill>
-                <a:latin typeface="Courier New" panose="02070309020205020404" pitchFamily="49" charset="0"/>
-                <a:cs typeface="Courier New" panose="02070309020205020404" pitchFamily="49" charset="0"/>
-              </a:rPr>
-              <a:t>**</a:t>
-            </a:r>
-            <a:r>
-              <a:rPr lang="ru-RU" altLang="ru-RU" sz="3200" dirty="0">
-                <a:solidFill>
-                  <a:srgbClr val="000000"/>
-                </a:solidFill>
-                <a:latin typeface="Courier New" panose="02070309020205020404" pitchFamily="49" charset="0"/>
-                <a:cs typeface="Courier New" panose="02070309020205020404" pitchFamily="49" charset="0"/>
-              </a:rPr>
-              <a:t>kwargs)</a:t>
-            </a:r>
-            <a:br>
-              <a:rPr lang="ru-RU" altLang="ru-RU" sz="3200" dirty="0">
-                <a:solidFill>
-                  <a:srgbClr val="000000"/>
-                </a:solidFill>
-                <a:latin typeface="Courier New" panose="02070309020205020404" pitchFamily="49" charset="0"/>
-                <a:cs typeface="Courier New" panose="02070309020205020404" pitchFamily="49" charset="0"/>
-              </a:rPr>
-            </a:br>
-            <a:r>
-              <a:rPr lang="ru-RU" altLang="ru-RU" sz="3200" dirty="0">
-                <a:solidFill>
-                  <a:srgbClr val="000000"/>
-                </a:solidFill>
-                <a:latin typeface="Courier New" panose="02070309020205020404" pitchFamily="49" charset="0"/>
-                <a:cs typeface="Courier New" panose="02070309020205020404" pitchFamily="49" charset="0"/>
-              </a:rPr>
-              <a:t>        </a:t>
-            </a:r>
-            <a:r>
-              <a:rPr lang="ru-RU" altLang="ru-RU" sz="3200" b="1" dirty="0">
-                <a:solidFill>
-                  <a:srgbClr val="000080"/>
-                </a:solidFill>
-                <a:latin typeface="Courier New" panose="02070309020205020404" pitchFamily="49" charset="0"/>
-                <a:cs typeface="Courier New" panose="02070309020205020404" pitchFamily="49" charset="0"/>
-              </a:rPr>
-              <a:t>return </a:t>
-            </a:r>
-            <a:r>
-              <a:rPr lang="ru-RU" altLang="ru-RU" sz="3200" dirty="0">
-                <a:solidFill>
-                  <a:srgbClr val="000000"/>
-                </a:solidFill>
-                <a:latin typeface="Courier New" panose="02070309020205020404" pitchFamily="49" charset="0"/>
-                <a:cs typeface="Courier New" panose="02070309020205020404" pitchFamily="49" charset="0"/>
-              </a:rPr>
-              <a:t>wrapper</a:t>
-            </a:r>
-            <a:br>
-              <a:rPr lang="ru-RU" altLang="ru-RU" sz="3200" dirty="0">
-                <a:solidFill>
-                  <a:srgbClr val="000000"/>
-                </a:solidFill>
-                <a:latin typeface="Courier New" panose="02070309020205020404" pitchFamily="49" charset="0"/>
-                <a:cs typeface="Courier New" panose="02070309020205020404" pitchFamily="49" charset="0"/>
-              </a:rPr>
-            </a:br>
-            <a:r>
-              <a:rPr lang="ru-RU" altLang="ru-RU" sz="3200" dirty="0">
-                <a:solidFill>
-                  <a:srgbClr val="000000"/>
-                </a:solidFill>
-                <a:latin typeface="Courier New" panose="02070309020205020404" pitchFamily="49" charset="0"/>
-                <a:cs typeface="Courier New" panose="02070309020205020404" pitchFamily="49" charset="0"/>
-              </a:rPr>
               <a:t>    </a:t>
             </a:r>
             <a:r>
-              <a:rPr lang="ru-RU" altLang="ru-RU" sz="3200" b="1" dirty="0">
+              <a:rPr lang="ru-RU" altLang="ru-RU" sz="3200" b="1" dirty="0" smtClean="0">
                 <a:solidFill>
                   <a:srgbClr val="000080"/>
                 </a:solidFill>
@@ -18750,6 +19077,171 @@
                       </p:childTnLst>
                     </p:cTn>
                   </p:par>
+                  <p:par>
+                    <p:cTn id="37" fill="hold">
+                      <p:stCondLst>
+                        <p:cond delay="indefinite"/>
+                      </p:stCondLst>
+                      <p:childTnLst>
+                        <p:par>
+                          <p:cTn id="38" fill="hold">
+                            <p:stCondLst>
+                              <p:cond delay="0"/>
+                            </p:stCondLst>
+                            <p:childTnLst>
+                              <p:par>
+                                <p:cTn id="39" presetID="10" presetClass="entr" presetSubtype="0" fill="hold" nodeType="clickEffect">
+                                  <p:stCondLst>
+                                    <p:cond delay="0"/>
+                                  </p:stCondLst>
+                                  <p:childTnLst>
+                                    <p:set>
+                                      <p:cBhvr>
+                                        <p:cTn id="40" dur="1" fill="hold">
+                                          <p:stCondLst>
+                                            <p:cond delay="0"/>
+                                          </p:stCondLst>
+                                        </p:cTn>
+                                        <p:tgtEl>
+                                          <p:spTgt spid="5">
+                                            <p:txEl>
+                                              <p:pRg st="3" end="3"/>
+                                            </p:txEl>
+                                          </p:spTgt>
+                                        </p:tgtEl>
+                                        <p:attrNameLst>
+                                          <p:attrName>style.visibility</p:attrName>
+                                        </p:attrNameLst>
+                                      </p:cBhvr>
+                                      <p:to>
+                                        <p:strVal val="visible"/>
+                                      </p:to>
+                                    </p:set>
+                                    <p:animEffect transition="in" filter="fade">
+                                      <p:cBhvr>
+                                        <p:cTn id="41" dur="500"/>
+                                        <p:tgtEl>
+                                          <p:spTgt spid="5">
+                                            <p:txEl>
+                                              <p:pRg st="3" end="3"/>
+                                            </p:txEl>
+                                          </p:spTgt>
+                                        </p:tgtEl>
+                                      </p:cBhvr>
+                                    </p:animEffect>
+                                  </p:childTnLst>
+                                </p:cTn>
+                              </p:par>
+                              <p:par>
+                                <p:cTn id="42" presetID="10" presetClass="entr" presetSubtype="0" fill="hold" nodeType="withEffect">
+                                  <p:stCondLst>
+                                    <p:cond delay="0"/>
+                                  </p:stCondLst>
+                                  <p:childTnLst>
+                                    <p:set>
+                                      <p:cBhvr>
+                                        <p:cTn id="43" dur="1" fill="hold">
+                                          <p:stCondLst>
+                                            <p:cond delay="0"/>
+                                          </p:stCondLst>
+                                        </p:cTn>
+                                        <p:tgtEl>
+                                          <p:spTgt spid="5">
+                                            <p:txEl>
+                                              <p:pRg st="5" end="5"/>
+                                            </p:txEl>
+                                          </p:spTgt>
+                                        </p:tgtEl>
+                                        <p:attrNameLst>
+                                          <p:attrName>style.visibility</p:attrName>
+                                        </p:attrNameLst>
+                                      </p:cBhvr>
+                                      <p:to>
+                                        <p:strVal val="visible"/>
+                                      </p:to>
+                                    </p:set>
+                                    <p:animEffect transition="in" filter="fade">
+                                      <p:cBhvr>
+                                        <p:cTn id="44" dur="500"/>
+                                        <p:tgtEl>
+                                          <p:spTgt spid="5">
+                                            <p:txEl>
+                                              <p:pRg st="5" end="5"/>
+                                            </p:txEl>
+                                          </p:spTgt>
+                                        </p:tgtEl>
+                                      </p:cBhvr>
+                                    </p:animEffect>
+                                  </p:childTnLst>
+                                </p:cTn>
+                              </p:par>
+                            </p:childTnLst>
+                          </p:cTn>
+                        </p:par>
+                      </p:childTnLst>
+                    </p:cTn>
+                  </p:par>
+                  <p:par>
+                    <p:cTn id="45" fill="hold">
+                      <p:stCondLst>
+                        <p:cond delay="indefinite"/>
+                      </p:stCondLst>
+                      <p:childTnLst>
+                        <p:par>
+                          <p:cTn id="46" fill="hold">
+                            <p:stCondLst>
+                              <p:cond delay="0"/>
+                            </p:stCondLst>
+                            <p:childTnLst>
+                              <p:par>
+                                <p:cTn id="47" presetID="10" presetClass="entr" presetSubtype="0" fill="hold" nodeType="clickEffect">
+                                  <p:stCondLst>
+                                    <p:cond delay="0"/>
+                                  </p:stCondLst>
+                                  <p:childTnLst>
+                                    <p:set>
+                                      <p:cBhvr>
+                                        <p:cTn id="48" dur="1" fill="hold">
+                                          <p:stCondLst>
+                                            <p:cond delay="0"/>
+                                          </p:stCondLst>
+                                        </p:cTn>
+                                        <p:tgtEl>
+                                          <p:spTgt spid="5">
+                                            <p:txEl>
+                                              <p:pRg st="4" end="4"/>
+                                            </p:txEl>
+                                          </p:spTgt>
+                                        </p:tgtEl>
+                                        <p:attrNameLst>
+                                          <p:attrName>style.visibility</p:attrName>
+                                        </p:attrNameLst>
+                                      </p:cBhvr>
+                                      <p:to>
+                                        <p:strVal val="visible"/>
+                                      </p:to>
+                                    </p:set>
+                                    <p:animEffect transition="in" filter="fade">
+                                      <p:cBhvr>
+                                        <p:cTn id="49" dur="500"/>
+                                        <p:tgtEl>
+                                          <p:spTgt spid="5">
+                                            <p:txEl>
+                                              <p:pRg st="4" end="4"/>
+                                            </p:txEl>
+                                          </p:spTgt>
+                                        </p:tgtEl>
+                                      </p:cBhvr>
+                                    </p:animEffect>
+                                  </p:childTnLst>
+                                </p:cTn>
+                              </p:par>
+                            </p:childTnLst>
+                          </p:cTn>
+                        </p:par>
+                      </p:childTnLst>
+                    </p:cTn>
+                  </p:par>
                 </p:childTnLst>
               </p:cTn>
               <p:prevCondLst>
@@ -18775,7 +19267,7 @@
 </p:sld>
 </file>
 
-<file path=ppt/slides/slide13.xml><?xml version="1.0" encoding="utf-8"?>
+<file path=ppt/slides/slide14.xml><?xml version="1.0" encoding="utf-8"?>
 <p:sld xmlns:a="http://schemas.openxmlformats.org/drawingml/2006/main" xmlns:r="http://schemas.openxmlformats.org/officeDocument/2006/relationships" xmlns:p="http://schemas.openxmlformats.org/presentationml/2006/main">
   <p:cSld>
     <p:bg>
@@ -18843,17 +19335,7 @@
                 <a:latin typeface="Arial" panose="020B0604020202020204" pitchFamily="34" charset="0"/>
                 <a:cs typeface="Arial" panose="020B0604020202020204" pitchFamily="34" charset="0"/>
               </a:rPr>
-              <a:t>Д</a:t>
-            </a:r>
-            <a:r>
-              <a:rPr lang="ru-RU" sz="8000" dirty="0" smtClean="0">
-                <a:solidFill>
-                  <a:srgbClr val="CD0000"/>
-                </a:solidFill>
-                <a:latin typeface="Arial" panose="020B0604020202020204" pitchFamily="34" charset="0"/>
-                <a:cs typeface="Arial" panose="020B0604020202020204" pitchFamily="34" charset="0"/>
-              </a:rPr>
-              <a:t>екораторы классов</a:t>
+              <a:t>Декораторы классов</a:t>
             </a:r>
             <a:endParaRPr lang="en-US" sz="7800" dirty="0">
               <a:solidFill>
@@ -19250,7 +19732,7 @@
 </p:sld>
 </file>
 
-<file path=ppt/slides/slide14.xml><?xml version="1.0" encoding="utf-8"?>
+<file path=ppt/slides/slide15.xml><?xml version="1.0" encoding="utf-8"?>
 <p:sld xmlns:a="http://schemas.openxmlformats.org/drawingml/2006/main" xmlns:r="http://schemas.openxmlformats.org/officeDocument/2006/relationships" xmlns:p="http://schemas.openxmlformats.org/presentationml/2006/main">
   <p:cSld>
     <p:bg>
@@ -19318,17 +19800,7 @@
                 <a:latin typeface="Arial" panose="020B0604020202020204" pitchFamily="34" charset="0"/>
                 <a:cs typeface="Arial" panose="020B0604020202020204" pitchFamily="34" charset="0"/>
               </a:rPr>
-              <a:t>Д</a:t>
-            </a:r>
-            <a:r>
-              <a:rPr lang="ru-RU" sz="8000" dirty="0" smtClean="0">
-                <a:solidFill>
-                  <a:srgbClr val="CD0000"/>
-                </a:solidFill>
-                <a:latin typeface="Arial" panose="020B0604020202020204" pitchFamily="34" charset="0"/>
-                <a:cs typeface="Arial" panose="020B0604020202020204" pitchFamily="34" charset="0"/>
-              </a:rPr>
-              <a:t>екораторы классов</a:t>
+              <a:t>Декораторы классов</a:t>
             </a:r>
             <a:endParaRPr lang="en-US" sz="7800" dirty="0">
               <a:solidFill>
@@ -19350,7 +19822,7 @@
         </p:nvSpPr>
         <p:spPr>
           <a:xfrm>
-            <a:off x="7663160" y="2179215"/>
+            <a:off x="7218316" y="2286000"/>
             <a:ext cx="10001511" cy="5632311"/>
           </a:xfrm>
           <a:prstGeom prst="rect">
@@ -19869,7 +20341,7 @@
         </p:nvSpPr>
         <p:spPr>
           <a:xfrm>
-            <a:off x="384256" y="2179215"/>
+            <a:off x="334829" y="2286000"/>
             <a:ext cx="8128000" cy="4524315"/>
           </a:xfrm>
           <a:prstGeom prst="rect">
@@ -19957,6 +20429,26 @@
               <a:t>... </a:t>
             </a:r>
             <a:r>
+              <a:rPr lang="ru-RU" sz="3600" b="1" dirty="0" smtClean="0">
+                <a:solidFill>
+                  <a:srgbClr val="000080"/>
+                </a:solidFill>
+                <a:latin typeface="Courier New" panose="02070309020205020404" pitchFamily="49" charset="0"/>
+                <a:cs typeface="Courier New" panose="02070309020205020404" pitchFamily="49" charset="0"/>
+              </a:rPr>
+              <a:t>	</a:t>
+            </a:r>
+            <a:r>
+              <a:rPr lang="en-US" sz="3600" dirty="0" smtClean="0">
+                <a:solidFill>
+                  <a:srgbClr val="BB2121"/>
+                </a:solidFill>
+                <a:latin typeface="Courier New" panose="02070309020205020404" pitchFamily="49" charset="0"/>
+                <a:cs typeface="Courier New" panose="02070309020205020404" pitchFamily="49" charset="0"/>
+              </a:rPr>
+              <a:t>"</a:t>
+            </a:r>
+            <a:r>
               <a:rPr lang="en-US" sz="3600" dirty="0">
                 <a:solidFill>
                   <a:srgbClr val="BB2121"/>
@@ -19964,7 +20456,7 @@
                 <a:latin typeface="Courier New" panose="02070309020205020404" pitchFamily="49" charset="0"/>
                 <a:cs typeface="Courier New" panose="02070309020205020404" pitchFamily="49" charset="0"/>
               </a:rPr>
-              <a:t>"I do </a:t>
+              <a:t>I do </a:t>
             </a:r>
             <a:r>
               <a:rPr lang="en-US" sz="3600" dirty="0" smtClean="0">
@@ -19987,15 +20479,32 @@
           <a:p>
             <a:pPr lvl="0"/>
             <a:r>
-              <a:rPr lang="ru-RU" sz="3600" b="1" dirty="0">
+              <a:rPr lang="ru-RU" sz="3600" b="1" dirty="0" smtClean="0">
                 <a:solidFill>
                   <a:srgbClr val="000080"/>
                 </a:solidFill>
                 <a:latin typeface="Courier New" panose="02070309020205020404" pitchFamily="49" charset="0"/>
                 <a:cs typeface="Courier New" panose="02070309020205020404" pitchFamily="49" charset="0"/>
               </a:rPr>
-              <a:t>...</a:t>
-            </a:r>
+              <a:t>...		</a:t>
+            </a:r>
+            <a:r>
+              <a:rPr lang="en-US" sz="3600" b="1" dirty="0" smtClean="0">
+                <a:solidFill>
+                  <a:srgbClr val="000080"/>
+                </a:solidFill>
+                <a:latin typeface="Courier New" panose="02070309020205020404" pitchFamily="49" charset="0"/>
+                <a:cs typeface="Courier New" panose="02070309020205020404" pitchFamily="49" charset="0"/>
+              </a:rPr>
+              <a:t>pass</a:t>
+            </a:r>
+            <a:endParaRPr lang="ru-RU" sz="3600" b="1" dirty="0">
+              <a:solidFill>
+                <a:srgbClr val="000080"/>
+              </a:solidFill>
+              <a:latin typeface="Courier New" panose="02070309020205020404" pitchFamily="49" charset="0"/>
+              <a:cs typeface="Courier New" panose="02070309020205020404" pitchFamily="49" charset="0"/>
+            </a:endParaRPr>
           </a:p>
           <a:p>
             <a:pPr lvl="0"/>
@@ -20231,6 +20740,146 @@
               <a:buFont typeface="+mj-lt"/>
               <a:buAutoNum type="arabicPeriod"/>
             </a:pPr>
+            <a:r>
+              <a:rPr lang="ru-RU" sz="2800" dirty="0" smtClean="0"/>
+              <a:t>В чем отличие статического метода от обычного метода?</a:t>
+            </a:r>
+          </a:p>
+          <a:p>
+            <a:pPr marL="1083056" indent="-514350">
+              <a:lnSpc>
+                <a:spcPct val="150000"/>
+              </a:lnSpc>
+              <a:spcBef>
+                <a:spcPts val="0"/>
+              </a:spcBef>
+              <a:buClrTx/>
+              <a:buFont typeface="+mj-lt"/>
+              <a:buAutoNum type="arabicPeriod"/>
+            </a:pPr>
+            <a:r>
+              <a:rPr lang="ru-RU" sz="2800" dirty="0" smtClean="0"/>
+              <a:t>В чем особенность метода класса?</a:t>
+            </a:r>
+          </a:p>
+          <a:p>
+            <a:pPr marL="1083056" indent="-514350">
+              <a:lnSpc>
+                <a:spcPct val="150000"/>
+              </a:lnSpc>
+              <a:spcBef>
+                <a:spcPts val="0"/>
+              </a:spcBef>
+              <a:buClrTx/>
+              <a:buFont typeface="+mj-lt"/>
+              <a:buAutoNum type="arabicPeriod"/>
+            </a:pPr>
+            <a:r>
+              <a:rPr lang="ru-RU" sz="2800" dirty="0" smtClean="0"/>
+              <a:t>Что такое итератор?</a:t>
+            </a:r>
+          </a:p>
+          <a:p>
+            <a:pPr marL="1083056" indent="-514350">
+              <a:lnSpc>
+                <a:spcPct val="150000"/>
+              </a:lnSpc>
+              <a:spcBef>
+                <a:spcPts val="0"/>
+              </a:spcBef>
+              <a:buClrTx/>
+              <a:buFont typeface="+mj-lt"/>
+              <a:buAutoNum type="arabicPeriod"/>
+            </a:pPr>
+            <a:r>
+              <a:rPr lang="ru-RU" sz="2800" dirty="0" smtClean="0"/>
+              <a:t>Как создать итератор?</a:t>
+            </a:r>
+          </a:p>
+          <a:p>
+            <a:pPr marL="1083056" indent="-514350">
+              <a:lnSpc>
+                <a:spcPct val="150000"/>
+              </a:lnSpc>
+              <a:spcBef>
+                <a:spcPts val="0"/>
+              </a:spcBef>
+              <a:buClrTx/>
+              <a:buFont typeface="+mj-lt"/>
+              <a:buAutoNum type="arabicPeriod"/>
+            </a:pPr>
+            <a:r>
+              <a:rPr lang="ru-RU" sz="2800" dirty="0" smtClean="0"/>
+              <a:t>Какое исключение должно генерироваться итератором при исчерпании данных.</a:t>
+            </a:r>
+          </a:p>
+          <a:p>
+            <a:pPr marL="1083056" indent="-514350">
+              <a:lnSpc>
+                <a:spcPct val="150000"/>
+              </a:lnSpc>
+              <a:spcBef>
+                <a:spcPts val="0"/>
+              </a:spcBef>
+              <a:buClrTx/>
+              <a:buFont typeface="+mj-lt"/>
+              <a:buAutoNum type="arabicPeriod"/>
+            </a:pPr>
+            <a:r>
+              <a:rPr lang="ru-RU" sz="2800" dirty="0" smtClean="0"/>
+              <a:t>Как реализовать итератор без перегрузки методов </a:t>
+            </a:r>
+            <a:r>
+              <a:rPr lang="en-US" sz="2800" dirty="0" smtClean="0"/>
+              <a:t>__next__ </a:t>
+            </a:r>
+            <a:r>
+              <a:rPr lang="ru-RU" sz="2800" dirty="0" smtClean="0"/>
+              <a:t>и </a:t>
+            </a:r>
+            <a:r>
+              <a:rPr lang="en-US" sz="2800" dirty="0" smtClean="0"/>
+              <a:t>__</a:t>
+            </a:r>
+            <a:r>
+              <a:rPr lang="en-US" sz="2800" dirty="0" err="1" smtClean="0"/>
+              <a:t>init</a:t>
+            </a:r>
+            <a:r>
+              <a:rPr lang="en-US" sz="2800" dirty="0" smtClean="0"/>
+              <a:t>__?</a:t>
+            </a:r>
+          </a:p>
+          <a:p>
+            <a:pPr marL="1083056" indent="-514350">
+              <a:lnSpc>
+                <a:spcPct val="150000"/>
+              </a:lnSpc>
+              <a:spcBef>
+                <a:spcPts val="0"/>
+              </a:spcBef>
+              <a:buClrTx/>
+              <a:buFont typeface="+mj-lt"/>
+              <a:buAutoNum type="arabicPeriod"/>
+            </a:pPr>
+            <a:r>
+              <a:rPr lang="ru-RU" sz="2800" dirty="0" smtClean="0"/>
+              <a:t>Какое исключение должно генерироваться при исчерпании данных в этом случае</a:t>
+            </a:r>
+            <a:endParaRPr lang="ru-RU" sz="2800" dirty="0"/>
+          </a:p>
+          <a:p>
+            <a:pPr marL="1083056" indent="-514350">
+              <a:lnSpc>
+                <a:spcPct val="150000"/>
+              </a:lnSpc>
+              <a:spcBef>
+                <a:spcPts val="0"/>
+              </a:spcBef>
+              <a:buClrTx/>
+              <a:buFont typeface="+mj-lt"/>
+              <a:buAutoNum type="arabicPeriod"/>
+            </a:pPr>
             <a:endParaRPr lang="en-US" sz="2800" dirty="0" smtClean="0"/>
           </a:p>
         </p:txBody>
@@ -20274,15 +20923,10 @@
                             </p:stCondLst>
                             <p:childTnLst>
                               <p:par>
-                                <p:cTn id="5" presetID="1" presetClass="entr" presetSubtype="0" fill="hold" nodeType="clickEffect" nodePh="1">
+                                <p:cTn id="5" presetID="1" presetClass="entr" presetSubtype="0" fill="hold" nodeType="clickEffect">
                                   <p:stCondLst>
                                     <p:cond delay="0"/>
                                   </p:stCondLst>
-                                  <p:endCondLst>
-                                    <p:cond evt="begin" delay="0">
-                                      <p:tn val="5"/>
-                                    </p:cond>
-                                  </p:endCondLst>
                                   <p:childTnLst>
                                     <p:set>
                                       <p:cBhvr>
@@ -20295,6 +20939,300 @@
                                           <p:spTgt spid="5">
                                             <p:txEl>
                                               <p:pRg st="0" end="0"/>
+                                            </p:txEl>
+                                          </p:spTgt>
+                                        </p:tgtEl>
+                                        <p:attrNameLst>
+                                          <p:attrName>style.visibility</p:attrName>
+                                        </p:attrNameLst>
+                                      </p:cBhvr>
+                                      <p:to>
+                                        <p:strVal val="visible"/>
+                                      </p:to>
+                                    </p:set>
+                                  </p:childTnLst>
+                                </p:cTn>
+                              </p:par>
+                            </p:childTnLst>
+                          </p:cTn>
+                        </p:par>
+                      </p:childTnLst>
+                    </p:cTn>
+                  </p:par>
+                  <p:par>
+                    <p:cTn id="7" fill="hold">
+                      <p:stCondLst>
+                        <p:cond delay="indefinite"/>
+                      </p:stCondLst>
+                      <p:childTnLst>
+                        <p:par>
+                          <p:cTn id="8" fill="hold">
+                            <p:stCondLst>
+                              <p:cond delay="0"/>
+                            </p:stCondLst>
+                            <p:childTnLst>
+                              <p:par>
+                                <p:cTn id="9" presetID="1" presetClass="entr" presetSubtype="0" fill="hold" nodeType="clickEffect">
+                                  <p:stCondLst>
+                                    <p:cond delay="0"/>
+                                  </p:stCondLst>
+                                  <p:childTnLst>
+                                    <p:set>
+                                      <p:cBhvr>
+                                        <p:cTn id="10" dur="1" fill="hold">
+                                          <p:stCondLst>
+                                            <p:cond delay="0"/>
+                                          </p:stCondLst>
+                                        </p:cTn>
+                                        <p:tgtEl>
+                                          <p:spTgt spid="5">
+                                            <p:txEl>
+                                              <p:pRg st="1" end="1"/>
+                                            </p:txEl>
+                                          </p:spTgt>
+                                        </p:tgtEl>
+                                        <p:attrNameLst>
+                                          <p:attrName>style.visibility</p:attrName>
+                                        </p:attrNameLst>
+                                      </p:cBhvr>
+                                      <p:to>
+                                        <p:strVal val="visible"/>
+                                      </p:to>
+                                    </p:set>
+                                  </p:childTnLst>
+                                </p:cTn>
+                              </p:par>
+                            </p:childTnLst>
+                          </p:cTn>
+                        </p:par>
+                      </p:childTnLst>
+                    </p:cTn>
+                  </p:par>
+                  <p:par>
+                    <p:cTn id="11" fill="hold">
+                      <p:stCondLst>
+                        <p:cond delay="indefinite"/>
+                      </p:stCondLst>
+                      <p:childTnLst>
+                        <p:par>
+                          <p:cTn id="12" fill="hold">
+                            <p:stCondLst>
+                              <p:cond delay="0"/>
+                            </p:stCondLst>
+                            <p:childTnLst>
+                              <p:par>
+                                <p:cTn id="13" presetID="1" presetClass="entr" presetSubtype="0" fill="hold" nodeType="clickEffect">
+                                  <p:stCondLst>
+                                    <p:cond delay="0"/>
+                                  </p:stCondLst>
+                                  <p:childTnLst>
+                                    <p:set>
+                                      <p:cBhvr>
+                                        <p:cTn id="14" dur="1" fill="hold">
+                                          <p:stCondLst>
+                                            <p:cond delay="0"/>
+                                          </p:stCondLst>
+                                        </p:cTn>
+                                        <p:tgtEl>
+                                          <p:spTgt spid="5">
+                                            <p:txEl>
+                                              <p:pRg st="2" end="2"/>
+                                            </p:txEl>
+                                          </p:spTgt>
+                                        </p:tgtEl>
+                                        <p:attrNameLst>
+                                          <p:attrName>style.visibility</p:attrName>
+                                        </p:attrNameLst>
+                                      </p:cBhvr>
+                                      <p:to>
+                                        <p:strVal val="visible"/>
+                                      </p:to>
+                                    </p:set>
+                                  </p:childTnLst>
+                                </p:cTn>
+                              </p:par>
+                            </p:childTnLst>
+                          </p:cTn>
+                        </p:par>
+                      </p:childTnLst>
+                    </p:cTn>
+                  </p:par>
+                  <p:par>
+                    <p:cTn id="15" fill="hold">
+                      <p:stCondLst>
+                        <p:cond delay="indefinite"/>
+                      </p:stCondLst>
+                      <p:childTnLst>
+                        <p:par>
+                          <p:cTn id="16" fill="hold">
+                            <p:stCondLst>
+                              <p:cond delay="0"/>
+                            </p:stCondLst>
+                            <p:childTnLst>
+                              <p:par>
+                                <p:cTn id="17" presetID="1" presetClass="entr" presetSubtype="0" fill="hold" nodeType="clickEffect">
+                                  <p:stCondLst>
+                                    <p:cond delay="0"/>
+                                  </p:stCondLst>
+                                  <p:childTnLst>
+                                    <p:set>
+                                      <p:cBhvr>
+                                        <p:cTn id="18" dur="1" fill="hold">
+                                          <p:stCondLst>
+                                            <p:cond delay="0"/>
+                                          </p:stCondLst>
+                                        </p:cTn>
+                                        <p:tgtEl>
+                                          <p:spTgt spid="5">
+                                            <p:txEl>
+                                              <p:pRg st="3" end="3"/>
+                                            </p:txEl>
+                                          </p:spTgt>
+                                        </p:tgtEl>
+                                        <p:attrNameLst>
+                                          <p:attrName>style.visibility</p:attrName>
+                                        </p:attrNameLst>
+                                      </p:cBhvr>
+                                      <p:to>
+                                        <p:strVal val="visible"/>
+                                      </p:to>
+                                    </p:set>
+                                  </p:childTnLst>
+                                </p:cTn>
+                              </p:par>
+                            </p:childTnLst>
+                          </p:cTn>
+                        </p:par>
+                      </p:childTnLst>
+                    </p:cTn>
+                  </p:par>
+                  <p:par>
+                    <p:cTn id="19" fill="hold">
+                      <p:stCondLst>
+                        <p:cond delay="indefinite"/>
+                      </p:stCondLst>
+                      <p:childTnLst>
+                        <p:par>
+                          <p:cTn id="20" fill="hold">
+                            <p:stCondLst>
+                              <p:cond delay="0"/>
+                            </p:stCondLst>
+                            <p:childTnLst>
+                              <p:par>
+                                <p:cTn id="21" presetID="1" presetClass="entr" presetSubtype="0" fill="hold" nodeType="clickEffect">
+                                  <p:stCondLst>
+                                    <p:cond delay="0"/>
+                                  </p:stCondLst>
+                                  <p:childTnLst>
+                                    <p:set>
+                                      <p:cBhvr>
+                                        <p:cTn id="22" dur="1" fill="hold">
+                                          <p:stCondLst>
+                                            <p:cond delay="0"/>
+                                          </p:stCondLst>
+                                        </p:cTn>
+                                        <p:tgtEl>
+                                          <p:spTgt spid="5">
+                                            <p:txEl>
+                                              <p:pRg st="4" end="4"/>
+                                            </p:txEl>
+                                          </p:spTgt>
+                                        </p:tgtEl>
+                                        <p:attrNameLst>
+                                          <p:attrName>style.visibility</p:attrName>
+                                        </p:attrNameLst>
+                                      </p:cBhvr>
+                                      <p:to>
+                                        <p:strVal val="visible"/>
+                                      </p:to>
+                                    </p:set>
+                                  </p:childTnLst>
+                                </p:cTn>
+                              </p:par>
+                            </p:childTnLst>
+                          </p:cTn>
+                        </p:par>
+                      </p:childTnLst>
+                    </p:cTn>
+                  </p:par>
+                  <p:par>
+                    <p:cTn id="23" fill="hold">
+                      <p:stCondLst>
+                        <p:cond delay="indefinite"/>
+                      </p:stCondLst>
+                      <p:childTnLst>
+                        <p:par>
+                          <p:cTn id="24" fill="hold">
+                            <p:stCondLst>
+                              <p:cond delay="0"/>
+                            </p:stCondLst>
+                            <p:childTnLst>
+                              <p:par>
+                                <p:cTn id="25" presetID="1" presetClass="entr" presetSubtype="0" fill="hold" nodeType="clickEffect">
+                                  <p:stCondLst>
+                                    <p:cond delay="0"/>
+                                  </p:stCondLst>
+                                  <p:childTnLst>
+                                    <p:set>
+                                      <p:cBhvr>
+                                        <p:cTn id="26" dur="1" fill="hold">
+                                          <p:stCondLst>
+                                            <p:cond delay="0"/>
+                                          </p:stCondLst>
+                                        </p:cTn>
+                                        <p:tgtEl>
+                                          <p:spTgt spid="5">
+                                            <p:txEl>
+                                              <p:pRg st="5" end="5"/>
+                                            </p:txEl>
+                                          </p:spTgt>
+                                        </p:tgtEl>
+                                        <p:attrNameLst>
+                                          <p:attrName>style.visibility</p:attrName>
+                                        </p:attrNameLst>
+                                      </p:cBhvr>
+                                      <p:to>
+                                        <p:strVal val="visible"/>
+                                      </p:to>
+                                    </p:set>
+                                  </p:childTnLst>
+                                </p:cTn>
+                              </p:par>
+                            </p:childTnLst>
+                          </p:cTn>
+                        </p:par>
+                      </p:childTnLst>
+                    </p:cTn>
+                  </p:par>
+                  <p:par>
+                    <p:cTn id="27" fill="hold">
+                      <p:stCondLst>
+                        <p:cond delay="indefinite"/>
+                      </p:stCondLst>
+                      <p:childTnLst>
+                        <p:par>
+                          <p:cTn id="28" fill="hold">
+                            <p:stCondLst>
+                              <p:cond delay="0"/>
+                            </p:stCondLst>
+                            <p:childTnLst>
+                              <p:par>
+                                <p:cTn id="29" presetID="1" presetClass="entr" presetSubtype="0" fill="hold" nodeType="clickEffect">
+                                  <p:stCondLst>
+                                    <p:cond delay="0"/>
+                                  </p:stCondLst>
+                                  <p:childTnLst>
+                                    <p:set>
+                                      <p:cBhvr>
+                                        <p:cTn id="30" dur="1" fill="hold">
+                                          <p:stCondLst>
+                                            <p:cond delay="0"/>
+                                          </p:stCondLst>
+                                        </p:cTn>
+                                        <p:tgtEl>
+                                          <p:spTgt spid="5">
+                                            <p:txEl>
+                                              <p:pRg st="6" end="6"/>
                                             </p:txEl>
                                           </p:spTgt>
                                         </p:tgtEl>
@@ -25750,7 +26688,7 @@
         <p:spPr>
           <a:xfrm>
             <a:off x="1727200" y="3412292"/>
-            <a:ext cx="12433300" cy="3970318"/>
+            <a:ext cx="12433300" cy="3416320"/>
           </a:xfrm>
           <a:prstGeom prst="rect">
             <a:avLst/>
@@ -25781,15 +26719,31 @@
               <a:rPr lang="ru-RU" sz="3600" dirty="0">
                 <a:latin typeface="+mn-lt"/>
               </a:rPr>
-              <a:t>позволяет делегировать выполнение</a:t>
-            </a:r>
-          </a:p>
-          <a:p>
+              <a:t>позволяет делегировать </a:t>
+            </a:r>
+            <a:r>
+              <a:rPr lang="ru-RU" sz="3600" dirty="0" smtClean="0">
+                <a:latin typeface="+mn-lt"/>
+              </a:rPr>
+              <a:t>выполнение</a:t>
+            </a:r>
+            <a:r>
+              <a:rPr lang="en-US" sz="3600" dirty="0" smtClean="0">
+                <a:latin typeface="+mn-lt"/>
+              </a:rPr>
+              <a:t> </a:t>
+            </a:r>
+            <a:r>
+              <a:rPr lang="ru-RU" sz="3600" dirty="0" smtClean="0">
+                <a:latin typeface="+mn-lt"/>
+              </a:rPr>
+              <a:t>другому </a:t>
+            </a:r>
             <a:r>
               <a:rPr lang="ru-RU" sz="3600" dirty="0">
                 <a:latin typeface="+mn-lt"/>
               </a:rPr>
-              <a:t>другому генератору</a:t>
+              <a:t>генератору</a:t>
             </a:r>
             <a:r>
               <a:rPr lang="ru-RU" sz="3600" dirty="0" smtClean="0">
@@ -26025,15 +26979,33 @@
                                   </p:childTnLst>
                                 </p:cTn>
                               </p:par>
+                            </p:childTnLst>
+                          </p:cTn>
+                        </p:par>
+                      </p:childTnLst>
+                    </p:cTn>
+                  </p:par>
+                  <p:par>
+                    <p:cTn id="8" fill="hold">
+                      <p:stCondLst>
+                        <p:cond delay="indefinite"/>
+                      </p:stCondLst>
+                      <p:childTnLst>
+                        <p:par>
+                          <p:cTn id="9" fill="hold">
+                            <p:stCondLst>
+                              <p:cond delay="0"/>
+                            </p:stCondLst>
+                            <p:childTnLst>
                               <p:par>
-                                <p:cTn id="8" presetID="10" presetClass="entr" presetSubtype="0" fill="hold" nodeType="withEffect">
+                                <p:cTn id="10" presetID="10" presetClass="entr" presetSubtype="0" fill="hold" nodeType="clickEffect">
                                   <p:stCondLst>
                                     <p:cond delay="0"/>
                                   </p:stCondLst>
                                   <p:childTnLst>
                                     <p:set>
                                       <p:cBhvr>
-                                        <p:cTn id="9" dur="1" fill="hold">
+                                        <p:cTn id="11" dur="1" fill="hold">
                                           <p:stCondLst>
                                             <p:cond delay="0"/>
                                           </p:stCondLst>
@@ -26041,7 +27013,7 @@
                                         <p:tgtEl>
                                           <p:spTgt spid="3">
                                             <p:txEl>
-                                              <p:pRg st="1" end="1"/>
+                                              <p:pRg st="2" end="2"/>
                                             </p:txEl>
                                           </p:spTgt>
                                         </p:tgtEl>
@@ -26055,11 +27027,11 @@
                                     </p:set>
                                     <p:animEffect transition="in" filter="fade">
                                       <p:cBhvr>
-                                        <p:cTn id="10" dur="500"/>
+                                        <p:cTn id="12" dur="500"/>
                                         <p:tgtEl>
                                           <p:spTgt spid="3">
                                             <p:txEl>
-                                              <p:pRg st="1" end="1"/>
+                                              <p:pRg st="2" end="2"/>
                                             </p:txEl>
                                           </p:spTgt>
                                         </p:tgtEl>
@@ -26068,26 +27040,8 @@
                                   </p:childTnLst>
                                 </p:cTn>
                               </p:par>
-                            </p:childTnLst>
-                          </p:cTn>
-                        </p:par>
-                      </p:childTnLst>
-                    </p:cTn>
-                  </p:par>
-                  <p:par>
-                    <p:cTn id="11" fill="hold">
-                      <p:stCondLst>
-                        <p:cond delay="indefinite"/>
-                      </p:stCondLst>
-                      <p:childTnLst>
-                        <p:par>
-                          <p:cTn id="12" fill="hold">
-                            <p:stCondLst>
-                              <p:cond delay="0"/>
-                            </p:stCondLst>
-                            <p:childTnLst>
                               <p:par>
-                                <p:cTn id="13" presetID="10" presetClass="entr" presetSubtype="0" fill="hold" nodeType="clickEffect">
+                                <p:cTn id="13" presetID="10" presetClass="entr" presetSubtype="0" fill="hold" nodeType="withEffect">
                                   <p:stCondLst>
                                     <p:cond delay="0"/>
                                   </p:stCondLst>
@@ -26164,49 +27118,6 @@
                                           <p:spTgt spid="3">
                                             <p:txEl>
                                               <p:pRg st="4" end="4"/>
-                                            </p:txEl>
-                                          </p:spTgt>
-                                        </p:tgtEl>
-                                      </p:cBhvr>
-                                    </p:animEffect>
-                                  </p:childTnLst>
-                                </p:cTn>
-                              </p:par>
-                              <p:par>
-                                <p:cTn id="19" presetID="10" presetClass="entr" presetSubtype="0" fill="hold" nodeType="withEffect">
-                                  <p:stCondLst>
-                                    <p:cond delay="0"/>
-                                  </p:stCondLst>
-                                  <p:childTnLst>
-                                    <p:set>
-                                      <p:cBhvr>
-                                        <p:cTn id="20" dur="1" fill="hold">
-                                          <p:stCondLst>
-                                            <p:cond delay="0"/>
-                                          </p:stCondLst>
-                                        </p:cTn>
-                                        <p:tgtEl>
-                                          <p:spTgt spid="3">
-                                            <p:txEl>
-                                              <p:pRg st="5" end="5"/>
-                                            </p:txEl>
-                                          </p:spTgt>
-                                        </p:tgtEl>
-                                        <p:attrNameLst>
-                                          <p:attrName>style.visibility</p:attrName>
-                                        </p:attrNameLst>
-                                      </p:cBhvr>
-                                      <p:to>
-                                        <p:strVal val="visible"/>
-                                      </p:to>
-                                    </p:set>
-                                    <p:animEffect transition="in" filter="fade">
-                                      <p:cBhvr>
-                                        <p:cTn id="21" dur="500"/>
-                                        <p:tgtEl>
-                                          <p:spTgt spid="3">
-                                            <p:txEl>
-                                              <p:pRg st="5" end="5"/>
                                             </p:txEl>
                                           </p:spTgt>
                                         </p:tgtEl>
@@ -26429,25 +27340,35 @@
               </a:rPr>
               <a:t>, start = 0):</a:t>
             </a:r>
-            <a:endParaRPr lang="en-US" sz="3200" dirty="0">
+          </a:p>
+          <a:p>
+            <a:r>
+              <a:rPr lang="en-US" sz="3200" b="1" dirty="0" smtClean="0">
+                <a:solidFill>
+                  <a:srgbClr val="000080"/>
+                </a:solidFill>
+                <a:latin typeface="Arial" panose="020B0604020202020204" pitchFamily="34" charset="0"/>
+                <a:cs typeface="Arial" panose="020B0604020202020204" pitchFamily="34" charset="0"/>
+              </a:rPr>
+              <a:t>…	</a:t>
+            </a:r>
+            <a:r>
+              <a:rPr lang="en-US" sz="3200" b="1" dirty="0" smtClean="0">
+                <a:solidFill>
+                  <a:srgbClr val="000080"/>
+                </a:solidFill>
+                <a:latin typeface="Arial" panose="020B0604020202020204" pitchFamily="34" charset="0"/>
+                <a:cs typeface="Arial" panose="020B0604020202020204" pitchFamily="34" charset="0"/>
+              </a:rPr>
+              <a:t>???</a:t>
+            </a:r>
+            <a:endParaRPr lang="en-US" sz="3200" b="1" dirty="0" smtClean="0">
               <a:solidFill>
-                <a:schemeClr val="bg2"/>
+                <a:srgbClr val="000080"/>
               </a:solidFill>
               <a:latin typeface="Arial" panose="020B0604020202020204" pitchFamily="34" charset="0"/>
               <a:cs typeface="Arial" panose="020B0604020202020204" pitchFamily="34" charset="0"/>
             </a:endParaRPr>
-          </a:p>
-          <a:p>
-            <a:r>
-              <a:rPr lang="en-US" sz="3200" b="1" dirty="0" smtClean="0">
-                <a:solidFill>
-                  <a:srgbClr val="000080"/>
-                </a:solidFill>
-                <a:latin typeface="Arial" panose="020B0604020202020204" pitchFamily="34" charset="0"/>
-                <a:cs typeface="Arial" panose="020B0604020202020204" pitchFamily="34" charset="0"/>
-              </a:rPr>
-              <a:t>…	???</a:t>
-            </a:r>
           </a:p>
           <a:p>
             <a:r>
@@ -26792,7 +27713,27 @@
                 <a:latin typeface="Courier New" panose="02070309020205020404" pitchFamily="49" charset="0"/>
                 <a:cs typeface="Courier New" panose="02070309020205020404" pitchFamily="49" charset="0"/>
               </a:rPr>
-              <a:t>обязательный аргумент – перечисление и опциональный (начальный индекс) и генерирует для каждого элемента входящей последовательности кортеж из двух элементов. </a:t>
+              <a:t>обязательный аргумент – перечисление и опциональный (начальный </a:t>
+            </a:r>
+            <a:r>
+              <a:rPr lang="ru-RU" altLang="ru-RU" sz="3200" b="1" dirty="0" smtClean="0">
+                <a:solidFill>
+                  <a:schemeClr val="bg2"/>
+                </a:solidFill>
+                <a:latin typeface="Courier New" panose="02070309020205020404" pitchFamily="49" charset="0"/>
+                <a:cs typeface="Courier New" panose="02070309020205020404" pitchFamily="49" charset="0"/>
+              </a:rPr>
+              <a:t>индекс)</a:t>
+            </a:r>
+            <a:r>
+              <a:rPr lang="en-US" altLang="ru-RU" sz="3200" b="1" dirty="0" smtClean="0">
+                <a:solidFill>
+                  <a:schemeClr val="bg2"/>
+                </a:solidFill>
+                <a:latin typeface="Courier New" panose="02070309020205020404" pitchFamily="49" charset="0"/>
+                <a:cs typeface="Courier New" panose="02070309020205020404" pitchFamily="49" charset="0"/>
+              </a:rPr>
+              <a:t>.</a:t>
             </a:r>
           </a:p>
           <a:p>
@@ -26813,6 +27754,16 @@
               <a:tabLst/>
             </a:pPr>
             <a:r>
+              <a:rPr lang="ru-RU" altLang="ru-RU" sz="3200" b="1" dirty="0">
+                <a:solidFill>
+                  <a:schemeClr val="bg2"/>
+                </a:solidFill>
+                <a:latin typeface="Courier New" panose="02070309020205020404" pitchFamily="49" charset="0"/>
+                <a:cs typeface="Courier New" panose="02070309020205020404" pitchFamily="49" charset="0"/>
+              </a:rPr>
+              <a:t>Г</a:t>
+            </a:r>
+            <a:r>
               <a:rPr lang="ru-RU" altLang="ru-RU" sz="3200" b="1" dirty="0" smtClean="0">
                 <a:solidFill>
                   <a:schemeClr val="bg2"/>
@@ -26820,7 +27771,82 @@
                 <a:latin typeface="Courier New" panose="02070309020205020404" pitchFamily="49" charset="0"/>
                 <a:cs typeface="Courier New" panose="02070309020205020404" pitchFamily="49" charset="0"/>
               </a:rPr>
-              <a:t>Первым элементом кортежа является индекс элемента (по умолчани</a:t>
+              <a:t>енерирует </a:t>
+            </a:r>
+            <a:r>
+              <a:rPr lang="ru-RU" altLang="ru-RU" sz="3200" b="1" dirty="0" smtClean="0">
+                <a:solidFill>
+                  <a:schemeClr val="bg2"/>
+                </a:solidFill>
+                <a:latin typeface="Courier New" panose="02070309020205020404" pitchFamily="49" charset="0"/>
+                <a:cs typeface="Courier New" panose="02070309020205020404" pitchFamily="49" charset="0"/>
+              </a:rPr>
+              <a:t>для каждого элемента входящей последовательности кортеж из двух </a:t>
+            </a:r>
+            <a:r>
+              <a:rPr lang="ru-RU" altLang="ru-RU" sz="3200" b="1" dirty="0" smtClean="0">
+                <a:solidFill>
+                  <a:schemeClr val="bg2"/>
+                </a:solidFill>
+                <a:latin typeface="Courier New" panose="02070309020205020404" pitchFamily="49" charset="0"/>
+                <a:cs typeface="Courier New" panose="02070309020205020404" pitchFamily="49" charset="0"/>
+              </a:rPr>
+              <a:t>элементов: </a:t>
+            </a:r>
+            <a:endParaRPr lang="ru-RU" altLang="ru-RU" sz="3200" b="1" dirty="0" smtClean="0">
+              <a:solidFill>
+                <a:schemeClr val="bg2"/>
+              </a:solidFill>
+              <a:latin typeface="Courier New" panose="02070309020205020404" pitchFamily="49" charset="0"/>
+              <a:cs typeface="Courier New" panose="02070309020205020404" pitchFamily="49" charset="0"/>
+            </a:endParaRPr>
+          </a:p>
+          <a:p>
+            <a:pPr marL="0" marR="0" lvl="0" indent="0" algn="l" defTabSz="914400" rtl="0" eaLnBrk="0" fontAlgn="base" latinLnBrk="0" hangingPunct="0">
+              <a:lnSpc>
+                <a:spcPct val="100000"/>
+              </a:lnSpc>
+              <a:spcBef>
+                <a:spcPct val="0"/>
+              </a:spcBef>
+              <a:spcAft>
+                <a:spcPct val="0"/>
+              </a:spcAft>
+              <a:buClrTx/>
+              <a:buSzTx/>
+              <a:buFontTx/>
+              <a:buNone/>
+              <a:tabLst/>
+            </a:pPr>
+            <a:r>
+              <a:rPr lang="ru-RU" altLang="ru-RU" sz="3200" b="1" dirty="0" smtClean="0">
+                <a:solidFill>
+                  <a:schemeClr val="bg2"/>
+                </a:solidFill>
+                <a:latin typeface="Courier New" panose="02070309020205020404" pitchFamily="49" charset="0"/>
+                <a:cs typeface="Courier New" panose="02070309020205020404" pitchFamily="49" charset="0"/>
+              </a:rPr>
+              <a:t>	п</a:t>
+            </a:r>
+            <a:r>
+              <a:rPr lang="ru-RU" altLang="ru-RU" sz="3200" b="1" dirty="0" smtClean="0">
+                <a:solidFill>
+                  <a:schemeClr val="bg2"/>
+                </a:solidFill>
+                <a:latin typeface="Courier New" panose="02070309020205020404" pitchFamily="49" charset="0"/>
+                <a:cs typeface="Courier New" panose="02070309020205020404" pitchFamily="49" charset="0"/>
+              </a:rPr>
+              <a:t>ервым </a:t>
+            </a:r>
+            <a:r>
+              <a:rPr lang="ru-RU" altLang="ru-RU" sz="3200" b="1" dirty="0" smtClean="0">
+                <a:solidFill>
+                  <a:schemeClr val="bg2"/>
+                </a:solidFill>
+                <a:latin typeface="Courier New" panose="02070309020205020404" pitchFamily="49" charset="0"/>
+                <a:cs typeface="Courier New" panose="02070309020205020404" pitchFamily="49" charset="0"/>
+              </a:rPr>
+              <a:t>элементом кортежа является индекс элемента (по умолчани</a:t>
             </a:r>
             <a:r>
               <a:rPr lang="ru-RU" altLang="ru-RU" sz="3200" b="1" dirty="0">
@@ -26840,7 +27866,27 @@
                 <a:latin typeface="Courier New" panose="02070309020205020404" pitchFamily="49" charset="0"/>
                 <a:cs typeface="Courier New" panose="02070309020205020404" pitchFamily="49" charset="0"/>
               </a:rPr>
-              <a:t> первый индекс – 0), второй элемент – значение элемента последовательности.</a:t>
+              <a:t> первый индекс – 0), </a:t>
+            </a:r>
+            <a:r>
+              <a:rPr lang="ru-RU" altLang="ru-RU" sz="3200" b="1" dirty="0" smtClean="0">
+                <a:solidFill>
+                  <a:schemeClr val="bg2"/>
+                </a:solidFill>
+                <a:latin typeface="Courier New" panose="02070309020205020404" pitchFamily="49" charset="0"/>
+                <a:cs typeface="Courier New" panose="02070309020205020404" pitchFamily="49" charset="0"/>
+              </a:rPr>
+              <a:t>	второй </a:t>
+            </a:r>
+            <a:r>
+              <a:rPr lang="ru-RU" altLang="ru-RU" sz="3200" b="1" dirty="0" smtClean="0">
+                <a:solidFill>
+                  <a:schemeClr val="bg2"/>
+                </a:solidFill>
+                <a:latin typeface="Courier New" panose="02070309020205020404" pitchFamily="49" charset="0"/>
+                <a:cs typeface="Courier New" panose="02070309020205020404" pitchFamily="49" charset="0"/>
+              </a:rPr>
+              <a:t>элемент – значение элемента последовательности.</a:t>
             </a:r>
             <a:endParaRPr kumimoji="0" lang="ru-RU" altLang="ru-RU" sz="6000" b="0" i="0" u="none" strike="noStrike" cap="none" normalizeH="0" baseline="0" dirty="0" smtClean="0">
               <a:ln>
@@ -27109,6 +28155,312 @@
           </a:p>
         </p:txBody>
       </p:sp>
+      <p:sp>
+        <p:nvSpPr>
+          <p:cNvPr id="2" name="Rectangle 1"/>
+          <p:cNvSpPr/>
+          <p:nvPr/>
+        </p:nvSpPr>
+        <p:spPr>
+          <a:xfrm>
+            <a:off x="9518573" y="4330700"/>
+            <a:ext cx="319490" cy="431800"/>
+          </a:xfrm>
+          <a:prstGeom prst="rect">
+            <a:avLst/>
+          </a:prstGeom>
+          <a:noFill/>
+          <a:ln w="38100" cap="flat" cmpd="sng" algn="ctr">
+            <a:solidFill>
+              <a:srgbClr val="00B050"/>
+            </a:solidFill>
+            <a:prstDash val="solid"/>
+            <a:round/>
+            <a:headEnd type="none" w="med" len="med"/>
+            <a:tailEnd type="none" w="med" len="med"/>
+          </a:ln>
+        </p:spPr>
+        <p:style>
+          <a:lnRef idx="0">
+            <a:scrgbClr r="0" g="0" b="0"/>
+          </a:lnRef>
+          <a:fillRef idx="0">
+            <a:scrgbClr r="0" g="0" b="0"/>
+          </a:fillRef>
+          <a:effectRef idx="0">
+            <a:scrgbClr r="0" g="0" b="0"/>
+          </a:effectRef>
+          <a:fontRef idx="minor">
+            <a:schemeClr val="accent2"/>
+          </a:fontRef>
+        </p:style>
+        <p:txBody>
+          <a:bodyPr rtlCol="0" anchor="ctr"/>
+          <a:lstStyle/>
+          <a:p>
+            <a:pPr algn="ctr"/>
+            <a:endParaRPr lang="ru-RU"/>
+          </a:p>
+        </p:txBody>
+      </p:sp>
+      <p:sp>
+        <p:nvSpPr>
+          <p:cNvPr id="12" name="Rectangle 11"/>
+          <p:cNvSpPr/>
+          <p:nvPr/>
+        </p:nvSpPr>
+        <p:spPr>
+          <a:xfrm>
+            <a:off x="9517808" y="5329207"/>
+            <a:ext cx="319490" cy="431800"/>
+          </a:xfrm>
+          <a:prstGeom prst="rect">
+            <a:avLst/>
+          </a:prstGeom>
+          <a:noFill/>
+          <a:ln w="38100" cap="flat" cmpd="sng" algn="ctr">
+            <a:solidFill>
+              <a:srgbClr val="00B050"/>
+            </a:solidFill>
+            <a:prstDash val="solid"/>
+            <a:round/>
+            <a:headEnd type="none" w="med" len="med"/>
+            <a:tailEnd type="none" w="med" len="med"/>
+          </a:ln>
+        </p:spPr>
+        <p:style>
+          <a:lnRef idx="0">
+            <a:scrgbClr r="0" g="0" b="0"/>
+          </a:lnRef>
+          <a:fillRef idx="0">
+            <a:scrgbClr r="0" g="0" b="0"/>
+          </a:fillRef>
+          <a:effectRef idx="0">
+            <a:scrgbClr r="0" g="0" b="0"/>
+          </a:effectRef>
+          <a:fontRef idx="minor">
+            <a:schemeClr val="accent2"/>
+          </a:fontRef>
+        </p:style>
+        <p:txBody>
+          <a:bodyPr rtlCol="0" anchor="ctr"/>
+          <a:lstStyle/>
+          <a:p>
+            <a:pPr algn="ctr"/>
+            <a:endParaRPr lang="ru-RU"/>
+          </a:p>
+        </p:txBody>
+      </p:sp>
+      <p:sp>
+        <p:nvSpPr>
+          <p:cNvPr id="16" name="Rectangle 15"/>
+          <p:cNvSpPr/>
+          <p:nvPr/>
+        </p:nvSpPr>
+        <p:spPr>
+          <a:xfrm>
+            <a:off x="9512606" y="6242281"/>
+            <a:ext cx="319490" cy="431800"/>
+          </a:xfrm>
+          <a:prstGeom prst="rect">
+            <a:avLst/>
+          </a:prstGeom>
+          <a:noFill/>
+          <a:ln w="38100" cap="flat" cmpd="sng" algn="ctr">
+            <a:solidFill>
+              <a:srgbClr val="00B050"/>
+            </a:solidFill>
+            <a:prstDash val="solid"/>
+            <a:round/>
+            <a:headEnd type="none" w="med" len="med"/>
+            <a:tailEnd type="none" w="med" len="med"/>
+          </a:ln>
+        </p:spPr>
+        <p:style>
+          <a:lnRef idx="0">
+            <a:scrgbClr r="0" g="0" b="0"/>
+          </a:lnRef>
+          <a:fillRef idx="0">
+            <a:scrgbClr r="0" g="0" b="0"/>
+          </a:fillRef>
+          <a:effectRef idx="0">
+            <a:scrgbClr r="0" g="0" b="0"/>
+          </a:effectRef>
+          <a:fontRef idx="minor">
+            <a:schemeClr val="accent2"/>
+          </a:fontRef>
+        </p:style>
+        <p:txBody>
+          <a:bodyPr rtlCol="0" anchor="ctr"/>
+          <a:lstStyle/>
+          <a:p>
+            <a:pPr algn="ctr"/>
+            <a:endParaRPr lang="ru-RU"/>
+          </a:p>
+        </p:txBody>
+      </p:sp>
+      <p:sp>
+        <p:nvSpPr>
+          <p:cNvPr id="17" name="Rectangle 16"/>
+          <p:cNvSpPr/>
+          <p:nvPr/>
+        </p:nvSpPr>
+        <p:spPr>
+          <a:xfrm>
+            <a:off x="15064908" y="2349600"/>
+            <a:ext cx="319490" cy="431800"/>
+          </a:xfrm>
+          <a:prstGeom prst="rect">
+            <a:avLst/>
+          </a:prstGeom>
+          <a:noFill/>
+          <a:ln w="38100" cap="flat" cmpd="sng" algn="ctr">
+            <a:solidFill>
+              <a:srgbClr val="00B050"/>
+            </a:solidFill>
+            <a:prstDash val="solid"/>
+            <a:round/>
+            <a:headEnd type="none" w="med" len="med"/>
+            <a:tailEnd type="none" w="med" len="med"/>
+          </a:ln>
+        </p:spPr>
+        <p:style>
+          <a:lnRef idx="0">
+            <a:scrgbClr r="0" g="0" b="0"/>
+          </a:lnRef>
+          <a:fillRef idx="0">
+            <a:scrgbClr r="0" g="0" b="0"/>
+          </a:fillRef>
+          <a:effectRef idx="0">
+            <a:scrgbClr r="0" g="0" b="0"/>
+          </a:effectRef>
+          <a:fontRef idx="minor">
+            <a:schemeClr val="accent2"/>
+          </a:fontRef>
+        </p:style>
+        <p:txBody>
+          <a:bodyPr rtlCol="0" anchor="ctr"/>
+          <a:lstStyle/>
+          <a:p>
+            <a:pPr algn="ctr"/>
+            <a:endParaRPr lang="ru-RU"/>
+          </a:p>
+        </p:txBody>
+      </p:sp>
+      <p:cxnSp>
+        <p:nvCxnSpPr>
+          <p:cNvPr id="18" name="Straight Arrow Connector 17"/>
+          <p:cNvCxnSpPr>
+            <a:stCxn id="17" idx="1"/>
+          </p:cNvCxnSpPr>
+          <p:nvPr/>
+        </p:nvCxnSpPr>
+        <p:spPr>
+          <a:xfrm flipH="1">
+            <a:off x="9672352" y="2565500"/>
+            <a:ext cx="5392556" cy="1765200"/>
+          </a:xfrm>
+          <a:prstGeom prst="straightConnector1">
+            <a:avLst/>
+          </a:prstGeom>
+          <a:ln w="41275">
+            <a:solidFill>
+              <a:srgbClr val="00B050"/>
+            </a:solidFill>
+            <a:tailEnd type="stealth" w="lg" len="lg"/>
+          </a:ln>
+        </p:spPr>
+        <p:style>
+          <a:lnRef idx="1">
+            <a:schemeClr val="accent2"/>
+          </a:lnRef>
+          <a:fillRef idx="0">
+            <a:schemeClr val="accent2"/>
+          </a:fillRef>
+          <a:effectRef idx="0">
+            <a:schemeClr val="accent2"/>
+          </a:effectRef>
+          <a:fontRef idx="minor">
+            <a:schemeClr val="tx1"/>
+          </a:fontRef>
+        </p:style>
+      </p:cxnSp>
+      <p:cxnSp>
+        <p:nvCxnSpPr>
+          <p:cNvPr id="19" name="Straight Arrow Connector 18"/>
+          <p:cNvCxnSpPr>
+            <a:endCxn id="12" idx="0"/>
+          </p:cNvCxnSpPr>
+          <p:nvPr/>
+        </p:nvCxnSpPr>
+        <p:spPr>
+          <a:xfrm>
+            <a:off x="9672352" y="4781600"/>
+            <a:ext cx="5201" cy="547607"/>
+          </a:xfrm>
+          <a:prstGeom prst="straightConnector1">
+            <a:avLst/>
+          </a:prstGeom>
+          <a:ln w="41275">
+            <a:solidFill>
+              <a:srgbClr val="00B050"/>
+            </a:solidFill>
+            <a:tailEnd type="stealth" w="lg" len="lg"/>
+          </a:ln>
+        </p:spPr>
+        <p:style>
+          <a:lnRef idx="1">
+            <a:schemeClr val="accent2"/>
+          </a:lnRef>
+          <a:fillRef idx="0">
+            <a:schemeClr val="accent2"/>
+          </a:fillRef>
+          <a:effectRef idx="0">
+            <a:schemeClr val="accent2"/>
+          </a:effectRef>
+          <a:fontRef idx="minor">
+            <a:schemeClr val="tx1"/>
+          </a:fontRef>
+        </p:style>
+      </p:cxnSp>
+      <p:cxnSp>
+        <p:nvCxnSpPr>
+          <p:cNvPr id="21" name="Straight Arrow Connector 20"/>
+          <p:cNvCxnSpPr>
+            <a:endCxn id="16" idx="0"/>
+          </p:cNvCxnSpPr>
+          <p:nvPr/>
+        </p:nvCxnSpPr>
+        <p:spPr>
+          <a:xfrm>
+            <a:off x="9672351" y="5761007"/>
+            <a:ext cx="0" cy="481274"/>
+          </a:xfrm>
+          <a:prstGeom prst="straightConnector1">
+            <a:avLst/>
+          </a:prstGeom>
+          <a:ln w="41275">
+            <a:solidFill>
+              <a:srgbClr val="00B050"/>
+            </a:solidFill>
+            <a:tailEnd type="stealth" w="lg" len="lg"/>
+          </a:ln>
+        </p:spPr>
+        <p:style>
+          <a:lnRef idx="1">
+            <a:schemeClr val="accent2"/>
+          </a:lnRef>
+          <a:fillRef idx="0">
+            <a:schemeClr val="accent2"/>
+          </a:fillRef>
+          <a:effectRef idx="0">
+            <a:schemeClr val="accent2"/>
+          </a:effectRef>
+          <a:fontRef idx="minor">
+            <a:schemeClr val="tx1"/>
+          </a:fontRef>
+        </p:style>
+      </p:cxnSp>
     </p:spTree>
     <p:extLst>
       <p:ext uri="{BB962C8B-B14F-4D97-AF65-F5344CB8AC3E}">
@@ -27473,7 +28825,7 @@
                             </p:stCondLst>
                             <p:childTnLst>
                               <p:par>
-                                <p:cTn id="32" presetID="1" presetClass="entr" presetSubtype="0" fill="hold" nodeType="clickEffect">
+                                <p:cTn id="32" presetID="10" presetClass="entr" presetSubtype="0" fill="hold" grpId="0" nodeType="clickEffect">
                                   <p:stCondLst>
                                     <p:cond delay="0"/>
                                   </p:stCondLst>
@@ -27481,6 +28833,129 @@
                                     <p:set>
                                       <p:cBhvr>
                                         <p:cTn id="33" dur="1" fill="hold">
+                                          <p:stCondLst>
+                                            <p:cond delay="0"/>
+                                          </p:stCondLst>
+                                        </p:cTn>
+                                        <p:tgtEl>
+                                          <p:spTgt spid="17"/>
+                                        </p:tgtEl>
+                                        <p:attrNameLst>
+                                          <p:attrName>style.visibility</p:attrName>
+                                        </p:attrNameLst>
+                                      </p:cBhvr>
+                                      <p:to>
+                                        <p:strVal val="visible"/>
+                                      </p:to>
+                                    </p:set>
+                                    <p:animEffect transition="in" filter="fade">
+                                      <p:cBhvr>
+                                        <p:cTn id="34" dur="500"/>
+                                        <p:tgtEl>
+                                          <p:spTgt spid="17"/>
+                                        </p:tgtEl>
+                                      </p:cBhvr>
+                                    </p:animEffect>
+                                  </p:childTnLst>
+                                </p:cTn>
+                              </p:par>
+                              <p:par>
+                                <p:cTn id="35" presetID="10" presetClass="entr" presetSubtype="0" fill="hold" nodeType="withEffect">
+                                  <p:stCondLst>
+                                    <p:cond delay="0"/>
+                                  </p:stCondLst>
+                                  <p:childTnLst>
+                                    <p:set>
+                                      <p:cBhvr>
+                                        <p:cTn id="36" dur="1" fill="hold">
+                                          <p:stCondLst>
+                                            <p:cond delay="0"/>
+                                          </p:stCondLst>
+                                        </p:cTn>
+                                        <p:tgtEl>
+                                          <p:spTgt spid="18"/>
+                                        </p:tgtEl>
+                                        <p:attrNameLst>
+                                          <p:attrName>style.visibility</p:attrName>
+                                        </p:attrNameLst>
+                                      </p:cBhvr>
+                                      <p:to>
+                                        <p:strVal val="visible"/>
+                                      </p:to>
+                                    </p:set>
+                                    <p:animEffect transition="in" filter="fade">
+                                      <p:cBhvr>
+                                        <p:cTn id="37" dur="500"/>
+                                        <p:tgtEl>
+                                          <p:spTgt spid="18"/>
+                                        </p:tgtEl>
+                                      </p:cBhvr>
+                                    </p:animEffect>
+                                  </p:childTnLst>
+                                </p:cTn>
+                              </p:par>
+                              <p:par>
+                                <p:cTn id="38" presetID="10" presetClass="entr" presetSubtype="0" fill="hold" grpId="0" nodeType="withEffect">
+                                  <p:stCondLst>
+                                    <p:cond delay="0"/>
+                                  </p:stCondLst>
+                                  <p:childTnLst>
+                                    <p:set>
+                                      <p:cBhvr>
+                                        <p:cTn id="39" dur="1" fill="hold">
+                                          <p:stCondLst>
+                                            <p:cond delay="0"/>
+                                          </p:stCondLst>
+                                        </p:cTn>
+                                        <p:tgtEl>
+                                          <p:spTgt spid="2"/>
+                                        </p:tgtEl>
+                                        <p:attrNameLst>
+                                          <p:attrName>style.visibility</p:attrName>
+                                        </p:attrNameLst>
+                                      </p:cBhvr>
+                                      <p:to>
+                                        <p:strVal val="visible"/>
+                                      </p:to>
+                                    </p:set>
+                                    <p:animEffect transition="in" filter="fade">
+                                      <p:cBhvr>
+                                        <p:cTn id="40" dur="500"/>
+                                        <p:tgtEl>
+                                          <p:spTgt spid="2"/>
+                                        </p:tgtEl>
+                                      </p:cBhvr>
+                                    </p:animEffect>
+                                  </p:childTnLst>
+                                </p:cTn>
+                              </p:par>
+                            </p:childTnLst>
+                          </p:cTn>
+                        </p:par>
+                      </p:childTnLst>
+                    </p:cTn>
+                  </p:par>
+                  <p:par>
+                    <p:cTn id="41" fill="hold">
+                      <p:stCondLst>
+                        <p:cond delay="indefinite"/>
+                      </p:stCondLst>
+                      <p:childTnLst>
+                        <p:par>
+                          <p:cTn id="42" fill="hold">
+                            <p:stCondLst>
+                              <p:cond delay="0"/>
+                            </p:stCondLst>
+                            <p:childTnLst>
+                              <p:par>
+                                <p:cTn id="43" presetID="1" presetClass="entr" presetSubtype="0" fill="hold" nodeType="clickEffect">
+                                  <p:stCondLst>
+                                    <p:cond delay="0"/>
+                                  </p:stCondLst>
+                                  <p:childTnLst>
+                                    <p:set>
+                                      <p:cBhvr>
+                                        <p:cTn id="44" dur="1" fill="hold">
                                           <p:stCondLst>
                                             <p:cond delay="0"/>
                                           </p:stCondLst>
@@ -27504,14 +28979,14 @@
                                 </p:cTn>
                               </p:par>
                               <p:par>
-                                <p:cTn id="34" presetID="1" presetClass="entr" presetSubtype="0" fill="hold" nodeType="withEffect">
+                                <p:cTn id="45" presetID="1" presetClass="entr" presetSubtype="0" fill="hold" nodeType="withEffect">
                                   <p:stCondLst>
                                     <p:cond delay="0"/>
                                   </p:stCondLst>
                                   <p:childTnLst>
                                     <p:set>
                                       <p:cBhvr>
-                                        <p:cTn id="35" dur="1" fill="hold">
+                                        <p:cTn id="46" dur="1" fill="hold">
                                           <p:stCondLst>
                                             <p:cond delay="0"/>
                                           </p:stCondLst>
@@ -27541,26 +29016,26 @@
                     </p:cTn>
                   </p:par>
                   <p:par>
-                    <p:cTn id="36" fill="hold">
+                    <p:cTn id="47" fill="hold">
                       <p:stCondLst>
                         <p:cond delay="indefinite"/>
                       </p:stCondLst>
                       <p:childTnLst>
                         <p:par>
-                          <p:cTn id="37" fill="hold">
+                          <p:cTn id="48" fill="hold">
                             <p:stCondLst>
                               <p:cond delay="0"/>
                             </p:stCondLst>
                             <p:childTnLst>
                               <p:par>
-                                <p:cTn id="38" presetID="10" presetClass="entr" presetSubtype="0" fill="hold" nodeType="clickEffect">
+                                <p:cTn id="49" presetID="10" presetClass="entr" presetSubtype="0" fill="hold" nodeType="clickEffect">
                                   <p:stCondLst>
                                     <p:cond delay="0"/>
                                   </p:stCondLst>
                                   <p:childTnLst>
                                     <p:set>
                                       <p:cBhvr>
-                                        <p:cTn id="39" dur="1" fill="hold">
+                                        <p:cTn id="50" dur="1" fill="hold">
                                           <p:stCondLst>
                                             <p:cond delay="0"/>
                                           </p:stCondLst>
@@ -27578,7 +29053,7 @@
                                     </p:set>
                                     <p:animEffect transition="in" filter="fade">
                                       <p:cBhvr>
-                                        <p:cTn id="40" dur="500"/>
+                                        <p:cTn id="51" dur="500"/>
                                         <p:tgtEl>
                                           <p:spTgt spid="9"/>
                                         </p:tgtEl>
@@ -27588,14 +29063,14 @@
                                 </p:cTn>
                               </p:par>
                               <p:par>
-                                <p:cTn id="41" presetID="10" presetClass="entr" presetSubtype="0" fill="hold" grpId="0" nodeType="withEffect">
+                                <p:cTn id="52" presetID="10" presetClass="entr" presetSubtype="0" fill="hold" grpId="0" nodeType="withEffect">
                                   <p:stCondLst>
                                     <p:cond delay="0"/>
                                   </p:stCondLst>
                                   <p:childTnLst>
                                     <p:set>
                                       <p:cBhvr>
-                                        <p:cTn id="42" dur="1" fill="hold">
+                                        <p:cTn id="53" dur="1" fill="hold">
                                           <p:stCondLst>
                                             <p:cond delay="0"/>
                                           </p:stCondLst>
@@ -27613,7 +29088,7 @@
                                     </p:set>
                                     <p:animEffect transition="in" filter="fade">
                                       <p:cBhvr>
-                                        <p:cTn id="43" dur="500"/>
+                                        <p:cTn id="54" dur="500"/>
                                         <p:tgtEl>
                                           <p:spTgt spid="13"/>
                                         </p:tgtEl>
@@ -27629,26 +29104,114 @@
                     </p:cTn>
                   </p:par>
                   <p:par>
-                    <p:cTn id="44" fill="hold">
+                    <p:cTn id="55" fill="hold">
                       <p:stCondLst>
                         <p:cond delay="indefinite"/>
                       </p:stCondLst>
                       <p:childTnLst>
                         <p:par>
-                          <p:cTn id="45" fill="hold">
+                          <p:cTn id="56" fill="hold">
                             <p:stCondLst>
                               <p:cond delay="0"/>
                             </p:stCondLst>
                             <p:childTnLst>
                               <p:par>
-                                <p:cTn id="46" presetID="1" presetClass="entr" presetSubtype="0" fill="hold" nodeType="clickEffect">
+                                <p:cTn id="57" presetID="10" presetClass="entr" presetSubtype="0" fill="hold" grpId="0" nodeType="clickEffect">
                                   <p:stCondLst>
                                     <p:cond delay="0"/>
                                   </p:stCondLst>
                                   <p:childTnLst>
                                     <p:set>
                                       <p:cBhvr>
-                                        <p:cTn id="47" dur="1" fill="hold">
+                                        <p:cTn id="58" dur="1" fill="hold">
+                                          <p:stCondLst>
+                                            <p:cond delay="0"/>
+                                          </p:stCondLst>
+                                        </p:cTn>
+                                        <p:tgtEl>
+                                          <p:spTgt spid="12"/>
+                                        </p:tgtEl>
+                                        <p:attrNameLst>
+                                          <p:attrName>style.visibility</p:attrName>
+                                        </p:attrNameLst>
+                                      </p:cBhvr>
+                                      <p:to>
+                                        <p:strVal val="visible"/>
+                                      </p:to>
+                                    </p:set>
+                                    <p:animEffect transition="in" filter="fade">
+                                      <p:cBhvr>
+                                        <p:cTn id="59" dur="500"/>
+                                        <p:tgtEl>
+                                          <p:spTgt spid="12"/>
+                                        </p:tgtEl>
+                                      </p:cBhvr>
+                                    </p:animEffect>
+                                  </p:childTnLst>
+                                </p:cTn>
+                              </p:par>
+                              <p:par>
+                                <p:cTn id="60" presetID="10" presetClass="entr" presetSubtype="0" fill="hold" nodeType="withEffect">
+                                  <p:stCondLst>
+                                    <p:cond delay="0"/>
+                                  </p:stCondLst>
+                                  <p:childTnLst>
+                                    <p:set>
+                                      <p:cBhvr>
+                                        <p:cTn id="61" dur="1" fill="hold">
+                                          <p:stCondLst>
+                                            <p:cond delay="0"/>
+                                          </p:stCondLst>
+                                        </p:cTn>
+                                        <p:tgtEl>
+                                          <p:spTgt spid="19"/>
+                                        </p:tgtEl>
+                                        <p:attrNameLst>
+                                          <p:attrName>style.visibility</p:attrName>
+                                        </p:attrNameLst>
+                                      </p:cBhvr>
+                                      <p:to>
+                                        <p:strVal val="visible"/>
+                                      </p:to>
+                                    </p:set>
+                                    <p:animEffect transition="in" filter="fade">
+                                      <p:cBhvr>
+                                        <p:cTn id="62" dur="500"/>
+                                        <p:tgtEl>
+                                          <p:spTgt spid="19"/>
+                                        </p:tgtEl>
+                                      </p:cBhvr>
+                                    </p:animEffect>
+                                  </p:childTnLst>
+                                </p:cTn>
+                              </p:par>
+                            </p:childTnLst>
+                          </p:cTn>
+                        </p:par>
+                      </p:childTnLst>
+                    </p:cTn>
+                  </p:par>
+                  <p:par>
+                    <p:cTn id="63" fill="hold">
+                      <p:stCondLst>
+                        <p:cond delay="indefinite"/>
+                      </p:stCondLst>
+                      <p:childTnLst>
+                        <p:par>
+                          <p:cTn id="64" fill="hold">
+                            <p:stCondLst>
+                              <p:cond delay="0"/>
+                            </p:stCondLst>
+                            <p:childTnLst>
+                              <p:par>
+                                <p:cTn id="65" presetID="1" presetClass="entr" presetSubtype="0" fill="hold" nodeType="clickEffect">
+                                  <p:stCondLst>
+                                    <p:cond delay="0"/>
+                                  </p:stCondLst>
+                                  <p:childTnLst>
+                                    <p:set>
+                                      <p:cBhvr>
+                                        <p:cTn id="66" dur="1" fill="hold">
                                           <p:stCondLst>
                                             <p:cond delay="0"/>
                                           </p:stCondLst>
@@ -27672,14 +29235,14 @@
                                 </p:cTn>
                               </p:par>
                               <p:par>
-                                <p:cTn id="48" presetID="1" presetClass="entr" presetSubtype="0" fill="hold" nodeType="withEffect">
+                                <p:cTn id="67" presetID="1" presetClass="entr" presetSubtype="0" fill="hold" nodeType="withEffect">
                                   <p:stCondLst>
                                     <p:cond delay="0"/>
                                   </p:stCondLst>
                                   <p:childTnLst>
                                     <p:set>
                                       <p:cBhvr>
-                                        <p:cTn id="49" dur="1" fill="hold">
+                                        <p:cTn id="68" dur="1" fill="hold">
                                           <p:stCondLst>
                                             <p:cond delay="0"/>
                                           </p:stCondLst>
@@ -27709,26 +29272,26 @@
                     </p:cTn>
                   </p:par>
                   <p:par>
-                    <p:cTn id="50" fill="hold">
+                    <p:cTn id="69" fill="hold">
                       <p:stCondLst>
                         <p:cond delay="indefinite"/>
                       </p:stCondLst>
                       <p:childTnLst>
                         <p:par>
-                          <p:cTn id="51" fill="hold">
+                          <p:cTn id="70" fill="hold">
                             <p:stCondLst>
                               <p:cond delay="0"/>
                             </p:stCondLst>
                             <p:childTnLst>
                               <p:par>
-                                <p:cTn id="52" presetID="10" presetClass="entr" presetSubtype="0" fill="hold" nodeType="clickEffect">
+                                <p:cTn id="71" presetID="10" presetClass="entr" presetSubtype="0" fill="hold" nodeType="clickEffect">
                                   <p:stCondLst>
                                     <p:cond delay="0"/>
                                   </p:stCondLst>
                                   <p:childTnLst>
                                     <p:set>
                                       <p:cBhvr>
-                                        <p:cTn id="53" dur="1" fill="hold">
+                                        <p:cTn id="72" dur="1" fill="hold">
                                           <p:stCondLst>
                                             <p:cond delay="0"/>
                                           </p:stCondLst>
@@ -27746,7 +29309,7 @@
                                     </p:set>
                                     <p:animEffect transition="in" filter="fade">
                                       <p:cBhvr>
-                                        <p:cTn id="54" dur="500"/>
+                                        <p:cTn id="73" dur="500"/>
                                         <p:tgtEl>
                                           <p:spTgt spid="14"/>
                                         </p:tgtEl>
@@ -27756,14 +29319,14 @@
                                 </p:cTn>
                               </p:par>
                               <p:par>
-                                <p:cTn id="55" presetID="10" presetClass="entr" presetSubtype="0" fill="hold" grpId="0" nodeType="withEffect">
+                                <p:cTn id="74" presetID="10" presetClass="entr" presetSubtype="0" fill="hold" grpId="0" nodeType="withEffect">
                                   <p:stCondLst>
                                     <p:cond delay="0"/>
                                   </p:stCondLst>
                                   <p:childTnLst>
                                     <p:set>
                                       <p:cBhvr>
-                                        <p:cTn id="56" dur="1" fill="hold">
+                                        <p:cTn id="75" dur="1" fill="hold">
                                           <p:stCondLst>
                                             <p:cond delay="0"/>
                                           </p:stCondLst>
@@ -27781,9 +29344,97 @@
                                     </p:set>
                                     <p:animEffect transition="in" filter="fade">
                                       <p:cBhvr>
-                                        <p:cTn id="57" dur="500"/>
+                                        <p:cTn id="76" dur="500"/>
                                         <p:tgtEl>
                                           <p:spTgt spid="15"/>
+                                        </p:tgtEl>
+                                      </p:cBhvr>
+                                    </p:animEffect>
+                                  </p:childTnLst>
+                                </p:cTn>
+                              </p:par>
+                            </p:childTnLst>
+                          </p:cTn>
+                        </p:par>
+                      </p:childTnLst>
+                    </p:cTn>
+                  </p:par>
+                  <p:par>
+                    <p:cTn id="77" fill="hold">
+                      <p:stCondLst>
+                        <p:cond delay="indefinite"/>
+                      </p:stCondLst>
+                      <p:childTnLst>
+                        <p:par>
+                          <p:cTn id="78" fill="hold">
+                            <p:stCondLst>
+                              <p:cond delay="0"/>
+                            </p:stCondLst>
+                            <p:childTnLst>
+                              <p:par>
+                                <p:cTn id="79" presetID="10" presetClass="entr" presetSubtype="0" fill="hold" grpId="0" nodeType="clickEffect">
+                                  <p:stCondLst>
+                                    <p:cond delay="0"/>
+                                  </p:stCondLst>
+                                  <p:childTnLst>
+                                    <p:set>
+                                      <p:cBhvr>
+                                        <p:cTn id="80" dur="1" fill="hold">
+                                          <p:stCondLst>
+                                            <p:cond delay="0"/>
+                                          </p:stCondLst>
+                                        </p:cTn>
+                                        <p:tgtEl>
+                                          <p:spTgt spid="16"/>
+                                        </p:tgtEl>
+                                        <p:attrNameLst>
+                                          <p:attrName>style.visibility</p:attrName>
+                                        </p:attrNameLst>
+                                      </p:cBhvr>
+                                      <p:to>
+                                        <p:strVal val="visible"/>
+                                      </p:to>
+                                    </p:set>
+                                    <p:animEffect transition="in" filter="fade">
+                                      <p:cBhvr>
+                                        <p:cTn id="81" dur="500"/>
+                                        <p:tgtEl>
+                                          <p:spTgt spid="16"/>
+                                        </p:tgtEl>
+                                      </p:cBhvr>
+                                    </p:animEffect>
+                                  </p:childTnLst>
+                                </p:cTn>
+                              </p:par>
+                              <p:par>
+                                <p:cTn id="82" presetID="10" presetClass="entr" presetSubtype="0" fill="hold" nodeType="withEffect">
+                                  <p:stCondLst>
+                                    <p:cond delay="0"/>
+                                  </p:stCondLst>
+                                  <p:childTnLst>
+                                    <p:set>
+                                      <p:cBhvr>
+                                        <p:cTn id="83" dur="1" fill="hold">
+                                          <p:stCondLst>
+                                            <p:cond delay="0"/>
+                                          </p:stCondLst>
+                                        </p:cTn>
+                                        <p:tgtEl>
+                                          <p:spTgt spid="21"/>
+                                        </p:tgtEl>
+                                        <p:attrNameLst>
+                                          <p:attrName>style.visibility</p:attrName>
+                                        </p:attrNameLst>
+                                      </p:cBhvr>
+                                      <p:to>
+                                        <p:strVal val="visible"/>
+                                      </p:to>
+                                    </p:set>
+                                    <p:animEffect transition="in" filter="fade">
+                                      <p:cBhvr>
+                                        <p:cTn id="84" dur="500"/>
+                                        <p:tgtEl>
+                                          <p:spTgt spid="21"/>
                                         </p:tgtEl>
                                       </p:cBhvr>
                                     </p:animEffect>
@@ -27821,6 +29472,10 @@
       <p:bldP spid="5" grpId="0" animBg="1"/>
       <p:bldP spid="13" grpId="0" animBg="1"/>
       <p:bldP spid="15" grpId="0" animBg="1"/>
+      <p:bldP spid="2" grpId="0" animBg="1"/>
+      <p:bldP spid="12" grpId="0" animBg="1"/>
+      <p:bldP spid="16" grpId="0" animBg="1"/>
+      <p:bldP spid="17" grpId="0" animBg="1"/>
     </p:bldLst>
   </p:timing>
 </p:sld>
@@ -27944,7 +29599,7 @@
         <p:spPr>
           <a:xfrm>
             <a:off x="1384300" y="2154142"/>
-            <a:ext cx="14008100" cy="6186309"/>
+            <a:ext cx="14008100" cy="6740307"/>
           </a:xfrm>
           <a:prstGeom prst="rect">
             <a:avLst/>
@@ -27967,7 +29622,35 @@
             </a:r>
             <a:r>
               <a:rPr lang="ru-RU" sz="3600" dirty="0" smtClean="0"/>
-              <a:t> – это функция, которая принимает функцию или метод в качестве аргумента и возвращает новую функцию или метод, включающую декорированную функцию или метод, с дополнительными функциональными возможностями.</a:t>
+              <a:t> – это функция, которая принимает функцию </a:t>
+            </a:r>
+            <a:r>
+              <a:rPr lang="ru-RU" sz="3600" dirty="0" smtClean="0"/>
+              <a:t>(метод) или класс </a:t>
+            </a:r>
+            <a:r>
+              <a:rPr lang="ru-RU" sz="3600" dirty="0" smtClean="0"/>
+              <a:t>в качестве аргумента и возвращает новую функцию </a:t>
+            </a:r>
+            <a:r>
+              <a:rPr lang="ru-RU" sz="3600" dirty="0" smtClean="0"/>
+              <a:t>(</a:t>
+            </a:r>
+            <a:r>
+              <a:rPr lang="ru-RU" sz="3600" dirty="0" smtClean="0"/>
+              <a:t>метод) или класс, </a:t>
+            </a:r>
+            <a:r>
+              <a:rPr lang="ru-RU" sz="3600" dirty="0" smtClean="0"/>
+              <a:t>включающую декорированную функцию </a:t>
+            </a:r>
+            <a:r>
+              <a:rPr lang="ru-RU" sz="3600" dirty="0" smtClean="0"/>
+              <a:t>(метод) или класс, </a:t>
+            </a:r>
+            <a:r>
+              <a:rPr lang="ru-RU" sz="3600" dirty="0" smtClean="0"/>
+              <a:t>с дополнительными функциональными возможностями.</a:t>
             </a:r>
           </a:p>
           <a:p>

--- a/week10/decorators.pptx
+++ b/week10/decorators.pptx
@@ -7,7 +7,7 @@
     <p:sldMasterId id="2147483731" r:id="rId3"/>
   </p:sldMasterIdLst>
   <p:notesMasterIdLst>
-    <p:notesMasterId r:id="rId19"/>
+    <p:notesMasterId r:id="rId20"/>
   </p:notesMasterIdLst>
   <p:sldIdLst>
     <p:sldId id="285" r:id="rId4"/>
@@ -24,17 +24,18 @@
     <p:sldId id="407" r:id="rId15"/>
     <p:sldId id="408" r:id="rId16"/>
     <p:sldId id="409" r:id="rId17"/>
-    <p:sldId id="410" r:id="rId18"/>
+    <p:sldId id="412" r:id="rId18"/>
+    <p:sldId id="410" r:id="rId19"/>
   </p:sldIdLst>
   <p:sldSz cx="16256000" cy="9144000"/>
   <p:notesSz cx="6858000" cy="9144000"/>
   <p:embeddedFontLst>
     <p:embeddedFont>
       <p:font typeface="Cabin" panose="020B0604020202020204" charset="0"/>
-      <p:regular r:id="rId20"/>
-      <p:bold r:id="rId21"/>
-      <p:italic r:id="rId22"/>
-      <p:boldItalic r:id="rId23"/>
+      <p:regular r:id="rId21"/>
+      <p:bold r:id="rId22"/>
+      <p:italic r:id="rId23"/>
+      <p:boldItalic r:id="rId24"/>
     </p:embeddedFont>
   </p:embeddedFontLst>
   <p:defaultTextStyle>
@@ -969,6 +970,116 @@
 </file>
 
 <file path=ppt/notesSlides/notesSlide13.xml><?xml version="1.0" encoding="utf-8"?>
+<p:notes xmlns:a="http://schemas.openxmlformats.org/drawingml/2006/main" xmlns:r="http://schemas.openxmlformats.org/officeDocument/2006/relationships" xmlns:p="http://schemas.openxmlformats.org/presentationml/2006/main" showMasterSp="0" showMasterPhAnim="0">
+  <p:cSld>
+    <p:spTree>
+      <p:nvGrpSpPr>
+        <p:cNvPr id="1" name="Shape 209"/>
+        <p:cNvGrpSpPr/>
+        <p:nvPr/>
+      </p:nvGrpSpPr>
+      <p:grpSpPr>
+        <a:xfrm>
+          <a:off x="0" y="0"/>
+          <a:ext cx="0" cy="0"/>
+          <a:chOff x="0" y="0"/>
+          <a:chExt cx="0" cy="0"/>
+        </a:xfrm>
+      </p:grpSpPr>
+      <p:sp>
+        <p:nvSpPr>
+          <p:cNvPr id="210" name="Shape 210"/>
+          <p:cNvSpPr txBox="1">
+            <a:spLocks noGrp="1"/>
+          </p:cNvSpPr>
+          <p:nvPr>
+            <p:ph type="body" idx="1"/>
+          </p:nvPr>
+        </p:nvSpPr>
+        <p:spPr>
+          <a:xfrm>
+            <a:off x="685800" y="4343400"/>
+            <a:ext cx="5486399" cy="4114800"/>
+          </a:xfrm>
+          <a:prstGeom prst="rect">
+            <a:avLst/>
+          </a:prstGeom>
+          <a:noFill/>
+          <a:ln>
+            <a:noFill/>
+          </a:ln>
+        </p:spPr>
+        <p:txBody>
+          <a:bodyPr lIns="91425" tIns="91425" rIns="91425" bIns="91425" anchor="ctr" anchorCtr="0">
+            <a:noAutofit/>
+          </a:bodyPr>
+          <a:lstStyle/>
+          <a:p>
+            <a:pPr lvl="0">
+              <a:spcBef>
+                <a:spcPts val="0"/>
+              </a:spcBef>
+              <a:buNone/>
+            </a:pPr>
+            <a:endParaRPr/>
+          </a:p>
+        </p:txBody>
+      </p:sp>
+      <p:sp>
+        <p:nvSpPr>
+          <p:cNvPr id="211" name="Shape 211"/>
+          <p:cNvSpPr>
+            <a:spLocks noGrp="1" noRot="1" noChangeAspect="1"/>
+          </p:cNvSpPr>
+          <p:nvPr>
+            <p:ph type="sldImg" idx="2"/>
+          </p:nvPr>
+        </p:nvSpPr>
+        <p:spPr>
+          <a:xfrm>
+            <a:off x="381000" y="685800"/>
+            <a:ext cx="6096000" cy="3429000"/>
+          </a:xfrm>
+          <a:custGeom>
+            <a:avLst/>
+            <a:gdLst/>
+            <a:ahLst/>
+            <a:cxnLst/>
+            <a:rect l="0" t="0" r="0" b="0"/>
+            <a:pathLst>
+              <a:path w="120000" h="120000" extrusionOk="0">
+                <a:moveTo>
+                  <a:pt x="0" y="0"/>
+                </a:moveTo>
+                <a:lnTo>
+                  <a:pt x="120000" y="0"/>
+                </a:lnTo>
+                <a:lnTo>
+                  <a:pt x="120000" y="120000"/>
+                </a:lnTo>
+                <a:lnTo>
+                  <a:pt x="0" y="120000"/>
+                </a:lnTo>
+                <a:close/>
+              </a:path>
+            </a:pathLst>
+          </a:custGeom>
+        </p:spPr>
+      </p:sp>
+    </p:spTree>
+    <p:extLst>
+      <p:ext uri="{BB962C8B-B14F-4D97-AF65-F5344CB8AC3E}">
+        <p14:creationId xmlns:p14="http://schemas.microsoft.com/office/powerpoint/2010/main" val="1036746461"/>
+      </p:ext>
+    </p:extLst>
+  </p:cSld>
+  <p:clrMapOvr>
+    <a:masterClrMapping/>
+  </p:clrMapOvr>
+</p:notes>
+</file>
+
+<file path=ppt/notesSlides/notesSlide14.xml><?xml version="1.0" encoding="utf-8"?>
 <p:notes xmlns:a="http://schemas.openxmlformats.org/drawingml/2006/main" xmlns:r="http://schemas.openxmlformats.org/officeDocument/2006/relationships" xmlns:p="http://schemas.openxmlformats.org/presentationml/2006/main" showMasterSp="0" showMasterPhAnim="0">
   <p:cSld>
     <p:spTree>
@@ -15750,17 +15861,7 @@
                 <a:latin typeface="Arial" panose="020B0604020202020204" pitchFamily="34" charset="0"/>
                 <a:cs typeface="Arial" panose="020B0604020202020204" pitchFamily="34" charset="0"/>
               </a:rPr>
-              <a:t>Улучшенный </a:t>
-            </a:r>
-            <a:r>
-              <a:rPr lang="ru-RU" sz="8000" dirty="0" smtClean="0">
-                <a:solidFill>
-                  <a:srgbClr val="CD0000"/>
-                </a:solidFill>
-                <a:latin typeface="Arial" panose="020B0604020202020204" pitchFamily="34" charset="0"/>
-                <a:cs typeface="Arial" panose="020B0604020202020204" pitchFamily="34" charset="0"/>
-              </a:rPr>
-              <a:t>дизайн</a:t>
+              <a:t>Улучшенный дизайн</a:t>
             </a:r>
             <a:endParaRPr lang="en-US" sz="7800" dirty="0">
               <a:solidFill>
@@ -19800,7 +19901,570 @@
                 <a:latin typeface="Arial" panose="020B0604020202020204" pitchFamily="34" charset="0"/>
                 <a:cs typeface="Arial" panose="020B0604020202020204" pitchFamily="34" charset="0"/>
               </a:rPr>
-              <a:t>Декораторы классов</a:t>
+              <a:t>Паттерн одиночка</a:t>
+            </a:r>
+            <a:endParaRPr lang="en-US" sz="7800" dirty="0">
+              <a:solidFill>
+                <a:srgbClr val="00FF00"/>
+              </a:solidFill>
+              <a:latin typeface="Arial" panose="020B0604020202020204" pitchFamily="34" charset="0"/>
+              <a:ea typeface="Cabin"/>
+              <a:cs typeface="Arial" panose="020B0604020202020204" pitchFamily="34" charset="0"/>
+              <a:sym typeface="Cabin"/>
+            </a:endParaRPr>
+          </a:p>
+        </p:txBody>
+      </p:sp>
+      <p:sp>
+        <p:nvSpPr>
+          <p:cNvPr id="4" name="Rectangle 1"/>
+          <p:cNvSpPr>
+            <a:spLocks noChangeArrowheads="1"/>
+          </p:cNvSpPr>
+          <p:nvPr/>
+        </p:nvSpPr>
+        <p:spPr bwMode="auto">
+          <a:xfrm>
+            <a:off x="1391894" y="3930694"/>
+            <a:ext cx="13708186" cy="2308324"/>
+          </a:xfrm>
+          <a:prstGeom prst="rect">
+            <a:avLst/>
+          </a:prstGeom>
+          <a:solidFill>
+            <a:srgbClr val="FFFFFF"/>
+          </a:solidFill>
+          <a:ln>
+            <a:noFill/>
+          </a:ln>
+          <a:effectLst/>
+          <a:extLst>
+            <a:ext uri="{91240B29-F687-4F45-9708-019B960494DF}">
+              <a14:hiddenLine xmlns:a14="http://schemas.microsoft.com/office/drawing/2010/main" w="9525">
+                <a:solidFill>
+                  <a:schemeClr val="tx1"/>
+                </a:solidFill>
+                <a:miter lim="800000"/>
+                <a:headEnd/>
+                <a:tailEnd/>
+              </a14:hiddenLine>
+            </a:ext>
+            <a:ext uri="{AF507438-7753-43E0-B8FC-AC1667EBCBE1}">
+              <a14:hiddenEffects xmlns:a14="http://schemas.microsoft.com/office/drawing/2010/main">
+                <a:effectLst>
+                  <a:outerShdw dist="35921" dir="2700000" algn="ctr" rotWithShape="0">
+                    <a:schemeClr val="bg2"/>
+                  </a:outerShdw>
+                </a:effectLst>
+              </a14:hiddenEffects>
+            </a:ext>
+          </a:extLst>
+        </p:spPr>
+        <p:txBody>
+          <a:bodyPr vert="horz" wrap="square" lIns="91440" tIns="45720" rIns="91440" bIns="45720" numCol="1" anchor="ctr" anchorCtr="0" compatLnSpc="1">
+            <a:prstTxWarp prst="textNoShape">
+              <a:avLst/>
+            </a:prstTxWarp>
+            <a:spAutoFit/>
+          </a:bodyPr>
+          <a:lstStyle/>
+          <a:p>
+            <a:r>
+              <a:rPr lang="ru-RU" sz="3600" dirty="0">
+                <a:solidFill>
+                  <a:schemeClr val="bg2"/>
+                </a:solidFill>
+                <a:latin typeface="+mn-lt"/>
+              </a:rPr>
+              <a:t>Одиночка (англ. Singleton) — порождающий шаблон проектирования, гарантирующий, что в однопоточном приложении будет единственный экземпляр класса с глобальной точкой доступа.</a:t>
+            </a:r>
+            <a:endParaRPr lang="ru-RU" altLang="ru-RU" sz="3600" dirty="0">
+              <a:solidFill>
+                <a:schemeClr val="bg2"/>
+              </a:solidFill>
+              <a:latin typeface="+mn-lt"/>
+              <a:cs typeface="Courier New" panose="02070309020205020404" pitchFamily="49" charset="0"/>
+            </a:endParaRPr>
+          </a:p>
+        </p:txBody>
+      </p:sp>
+    </p:spTree>
+    <p:extLst>
+      <p:ext uri="{BB962C8B-B14F-4D97-AF65-F5344CB8AC3E}">
+        <p14:creationId xmlns:p14="http://schemas.microsoft.com/office/powerpoint/2010/main" val="1014376196"/>
+      </p:ext>
+    </p:extLst>
+  </p:cSld>
+  <p:clrMapOvr>
+    <a:masterClrMapping/>
+  </p:clrMapOvr>
+  <p:timing>
+    <p:tnLst>
+      <p:par>
+        <p:cTn id="1" dur="indefinite" restart="never" nodeType="tmRoot">
+          <p:childTnLst>
+            <p:seq concurrent="1" nextAc="seek">
+              <p:cTn id="2" dur="indefinite" nodeType="mainSeq">
+                <p:childTnLst>
+                  <p:par>
+                    <p:cTn id="3" fill="hold">
+                      <p:stCondLst>
+                        <p:cond delay="indefinite"/>
+                      </p:stCondLst>
+                      <p:childTnLst>
+                        <p:par>
+                          <p:cTn id="4" fill="hold">
+                            <p:stCondLst>
+                              <p:cond delay="0"/>
+                            </p:stCondLst>
+                            <p:childTnLst>
+                              <p:par>
+                                <p:cTn id="5" presetID="10" presetClass="entr" presetSubtype="0" fill="hold" nodeType="clickEffect">
+                                  <p:stCondLst>
+                                    <p:cond delay="0"/>
+                                  </p:stCondLst>
+                                  <p:childTnLst>
+                                    <p:set>
+                                      <p:cBhvr>
+                                        <p:cTn id="6" dur="1" fill="hold">
+                                          <p:stCondLst>
+                                            <p:cond delay="0"/>
+                                          </p:stCondLst>
+                                        </p:cTn>
+                                        <p:tgtEl>
+                                          <p:spTgt spid="4">
+                                            <p:txEl>
+                                              <p:pRg st="0" end="0"/>
+                                            </p:txEl>
+                                          </p:spTgt>
+                                        </p:tgtEl>
+                                        <p:attrNameLst>
+                                          <p:attrName>style.visibility</p:attrName>
+                                        </p:attrNameLst>
+                                      </p:cBhvr>
+                                      <p:to>
+                                        <p:strVal val="visible"/>
+                                      </p:to>
+                                    </p:set>
+                                    <p:animEffect transition="in" filter="fade">
+                                      <p:cBhvr>
+                                        <p:cTn id="7" dur="500"/>
+                                        <p:tgtEl>
+                                          <p:spTgt spid="4">
+                                            <p:txEl>
+                                              <p:pRg st="0" end="0"/>
+                                            </p:txEl>
+                                          </p:spTgt>
+                                        </p:tgtEl>
+                                      </p:cBhvr>
+                                    </p:animEffect>
+                                  </p:childTnLst>
+                                </p:cTn>
+                              </p:par>
+                            </p:childTnLst>
+                          </p:cTn>
+                        </p:par>
+                      </p:childTnLst>
+                    </p:cTn>
+                  </p:par>
+                </p:childTnLst>
+              </p:cTn>
+              <p:prevCondLst>
+                <p:cond evt="onPrev" delay="0">
+                  <p:tgtEl>
+                    <p:sldTgt/>
+                  </p:tgtEl>
+                </p:cond>
+              </p:prevCondLst>
+              <p:nextCondLst>
+                <p:cond evt="onNext" delay="0">
+                  <p:tgtEl>
+                    <p:sldTgt/>
+                  </p:tgtEl>
+                </p:cond>
+              </p:nextCondLst>
+            </p:seq>
+          </p:childTnLst>
+        </p:cTn>
+      </p:par>
+    </p:tnLst>
+  </p:timing>
+</p:sld>
+</file>
+
+<file path=ppt/slides/slide16.xml><?xml version="1.0" encoding="utf-8"?>
+<p:sld xmlns:a="http://schemas.openxmlformats.org/drawingml/2006/main" xmlns:r="http://schemas.openxmlformats.org/officeDocument/2006/relationships" xmlns:p="http://schemas.openxmlformats.org/presentationml/2006/main">
+  <p:cSld>
+    <p:bg>
+      <p:bgPr>
+        <a:solidFill>
+          <a:schemeClr val="bg1"/>
+        </a:solidFill>
+        <a:effectLst/>
+      </p:bgPr>
+    </p:bg>
+    <p:spTree>
+      <p:nvGrpSpPr>
+        <p:cNvPr id="1" name="Shape 212"/>
+        <p:cNvGrpSpPr/>
+        <p:nvPr/>
+      </p:nvGrpSpPr>
+      <p:grpSpPr>
+        <a:xfrm>
+          <a:off x="0" y="0"/>
+          <a:ext cx="0" cy="0"/>
+          <a:chOff x="0" y="0"/>
+          <a:chExt cx="0" cy="0"/>
+        </a:xfrm>
+      </p:grpSpPr>
+      <p:sp>
+        <p:nvSpPr>
+          <p:cNvPr id="4" name="Rectangle 1"/>
+          <p:cNvSpPr>
+            <a:spLocks noChangeArrowheads="1"/>
+          </p:cNvSpPr>
+          <p:nvPr/>
+        </p:nvSpPr>
+        <p:spPr bwMode="auto">
+          <a:xfrm>
+            <a:off x="235975" y="1437701"/>
+            <a:ext cx="6119670" cy="2062103"/>
+          </a:xfrm>
+          <a:prstGeom prst="rect">
+            <a:avLst/>
+          </a:prstGeom>
+          <a:solidFill>
+            <a:srgbClr val="FFFFFF"/>
+          </a:solidFill>
+          <a:ln>
+            <a:noFill/>
+          </a:ln>
+          <a:effectLst/>
+          <a:extLst>
+            <a:ext uri="{91240B29-F687-4F45-9708-019B960494DF}">
+              <a14:hiddenLine xmlns:a14="http://schemas.microsoft.com/office/drawing/2010/main" w="9525">
+                <a:solidFill>
+                  <a:schemeClr val="tx1"/>
+                </a:solidFill>
+                <a:miter lim="800000"/>
+                <a:headEnd/>
+                <a:tailEnd/>
+              </a14:hiddenLine>
+            </a:ext>
+            <a:ext uri="{AF507438-7753-43E0-B8FC-AC1667EBCBE1}">
+              <a14:hiddenEffects xmlns:a14="http://schemas.microsoft.com/office/drawing/2010/main">
+                <a:effectLst>
+                  <a:outerShdw dist="35921" dir="2700000" algn="ctr" rotWithShape="0">
+                    <a:schemeClr val="bg2"/>
+                  </a:outerShdw>
+                </a:effectLst>
+              </a14:hiddenEffects>
+            </a:ext>
+          </a:extLst>
+        </p:spPr>
+        <p:txBody>
+          <a:bodyPr vert="horz" wrap="square" lIns="91440" tIns="45720" rIns="91440" bIns="45720" numCol="1" anchor="ctr" anchorCtr="0" compatLnSpc="1">
+            <a:prstTxWarp prst="textNoShape">
+              <a:avLst/>
+            </a:prstTxWarp>
+            <a:spAutoFit/>
+          </a:bodyPr>
+          <a:lstStyle/>
+          <a:p>
+            <a:pPr marL="0" marR="0" lvl="0" indent="0" algn="l" defTabSz="914400" rtl="0" eaLnBrk="0" fontAlgn="base" latinLnBrk="0" hangingPunct="0">
+              <a:lnSpc>
+                <a:spcPct val="100000"/>
+              </a:lnSpc>
+              <a:spcBef>
+                <a:spcPct val="0"/>
+              </a:spcBef>
+              <a:spcAft>
+                <a:spcPct val="0"/>
+              </a:spcAft>
+              <a:buClrTx/>
+              <a:buSzTx/>
+              <a:buFontTx/>
+              <a:buNone/>
+              <a:tabLst/>
+            </a:pPr>
+            <a:r>
+              <a:rPr kumimoji="0" lang="ru-RU" altLang="ru-RU" sz="3200" b="0" i="0" u="none" strike="noStrike" cap="none" normalizeH="0" baseline="0" dirty="0" smtClean="0">
+                <a:ln>
+                  <a:noFill/>
+                </a:ln>
+                <a:solidFill>
+                  <a:srgbClr val="000000"/>
+                </a:solidFill>
+                <a:effectLst/>
+                <a:latin typeface="Courier New" panose="02070309020205020404" pitchFamily="49" charset="0"/>
+                <a:cs typeface="Courier New" panose="02070309020205020404" pitchFamily="49" charset="0"/>
+              </a:rPr>
+              <a:t>@singleton</a:t>
+            </a:r>
+            <a:br>
+              <a:rPr kumimoji="0" lang="ru-RU" altLang="ru-RU" sz="3200" b="0" i="0" u="none" strike="noStrike" cap="none" normalizeH="0" baseline="0" dirty="0" smtClean="0">
+                <a:ln>
+                  <a:noFill/>
+                </a:ln>
+                <a:solidFill>
+                  <a:srgbClr val="000000"/>
+                </a:solidFill>
+                <a:effectLst/>
+                <a:latin typeface="Courier New" panose="02070309020205020404" pitchFamily="49" charset="0"/>
+                <a:cs typeface="Courier New" panose="02070309020205020404" pitchFamily="49" charset="0"/>
+              </a:rPr>
+            </a:br>
+            <a:r>
+              <a:rPr kumimoji="0" lang="ru-RU" altLang="ru-RU" sz="3200" b="1" i="0" u="none" strike="noStrike" cap="none" normalizeH="0" baseline="0" dirty="0" smtClean="0">
+                <a:ln>
+                  <a:noFill/>
+                </a:ln>
+                <a:solidFill>
+                  <a:srgbClr val="000080"/>
+                </a:solidFill>
+                <a:effectLst/>
+                <a:latin typeface="Courier New" panose="02070309020205020404" pitchFamily="49" charset="0"/>
+                <a:cs typeface="Courier New" panose="02070309020205020404" pitchFamily="49" charset="0"/>
+              </a:rPr>
+              <a:t>class </a:t>
+            </a:r>
+            <a:r>
+              <a:rPr kumimoji="0" lang="ru-RU" altLang="ru-RU" sz="3200" b="0" i="0" u="none" strike="noStrike" cap="none" normalizeH="0" baseline="0" dirty="0" smtClean="0">
+                <a:ln>
+                  <a:noFill/>
+                </a:ln>
+                <a:solidFill>
+                  <a:srgbClr val="000000"/>
+                </a:solidFill>
+                <a:effectLst/>
+                <a:latin typeface="Courier New" panose="02070309020205020404" pitchFamily="49" charset="0"/>
+                <a:cs typeface="Courier New" panose="02070309020205020404" pitchFamily="49" charset="0"/>
+              </a:rPr>
+              <a:t>Foo():</a:t>
+            </a:r>
+            <a:br>
+              <a:rPr kumimoji="0" lang="ru-RU" altLang="ru-RU" sz="3200" b="0" i="0" u="none" strike="noStrike" cap="none" normalizeH="0" baseline="0" dirty="0" smtClean="0">
+                <a:ln>
+                  <a:noFill/>
+                </a:ln>
+                <a:solidFill>
+                  <a:srgbClr val="000000"/>
+                </a:solidFill>
+                <a:effectLst/>
+                <a:latin typeface="Courier New" panose="02070309020205020404" pitchFamily="49" charset="0"/>
+                <a:cs typeface="Courier New" panose="02070309020205020404" pitchFamily="49" charset="0"/>
+              </a:rPr>
+            </a:br>
+            <a:r>
+              <a:rPr kumimoji="0" lang="ru-RU" altLang="ru-RU" sz="3200" b="0" i="0" u="none" strike="noStrike" cap="none" normalizeH="0" baseline="0" dirty="0" smtClean="0">
+                <a:ln>
+                  <a:noFill/>
+                </a:ln>
+                <a:solidFill>
+                  <a:srgbClr val="000000"/>
+                </a:solidFill>
+                <a:effectLst/>
+                <a:latin typeface="Courier New" panose="02070309020205020404" pitchFamily="49" charset="0"/>
+                <a:cs typeface="Courier New" panose="02070309020205020404" pitchFamily="49" charset="0"/>
+              </a:rPr>
+              <a:t>    </a:t>
+            </a:r>
+            <a:r>
+              <a:rPr kumimoji="0" lang="ru-RU" altLang="ru-RU" sz="3200" b="1" i="0" u="none" strike="noStrike" cap="none" normalizeH="0" baseline="0" dirty="0" smtClean="0">
+                <a:ln>
+                  <a:noFill/>
+                </a:ln>
+                <a:solidFill>
+                  <a:srgbClr val="000080"/>
+                </a:solidFill>
+                <a:effectLst/>
+                <a:latin typeface="Courier New" panose="02070309020205020404" pitchFamily="49" charset="0"/>
+                <a:cs typeface="Courier New" panose="02070309020205020404" pitchFamily="49" charset="0"/>
+              </a:rPr>
+              <a:t>def </a:t>
+            </a:r>
+            <a:r>
+              <a:rPr kumimoji="0" lang="ru-RU" altLang="ru-RU" sz="3200" b="0" i="0" u="none" strike="noStrike" cap="none" normalizeH="0" baseline="0" dirty="0" smtClean="0">
+                <a:ln>
+                  <a:noFill/>
+                </a:ln>
+                <a:solidFill>
+                  <a:srgbClr val="B200B2"/>
+                </a:solidFill>
+                <a:effectLst/>
+                <a:latin typeface="Courier New" panose="02070309020205020404" pitchFamily="49" charset="0"/>
+                <a:cs typeface="Courier New" panose="02070309020205020404" pitchFamily="49" charset="0"/>
+              </a:rPr>
+              <a:t>__init__</a:t>
+            </a:r>
+            <a:r>
+              <a:rPr kumimoji="0" lang="ru-RU" altLang="ru-RU" sz="3200" b="0" i="0" u="none" strike="noStrike" cap="none" normalizeH="0" baseline="0" dirty="0" smtClean="0">
+                <a:ln>
+                  <a:noFill/>
+                </a:ln>
+                <a:solidFill>
+                  <a:srgbClr val="000000"/>
+                </a:solidFill>
+                <a:effectLst/>
+                <a:latin typeface="Courier New" panose="02070309020205020404" pitchFamily="49" charset="0"/>
+                <a:cs typeface="Courier New" panose="02070309020205020404" pitchFamily="49" charset="0"/>
+              </a:rPr>
+              <a:t>(</a:t>
+            </a:r>
+            <a:r>
+              <a:rPr kumimoji="0" lang="ru-RU" altLang="ru-RU" sz="3200" b="0" i="0" u="none" strike="noStrike" cap="none" normalizeH="0" baseline="0" dirty="0" smtClean="0">
+                <a:ln>
+                  <a:noFill/>
+                </a:ln>
+                <a:solidFill>
+                  <a:srgbClr val="94558D"/>
+                </a:solidFill>
+                <a:effectLst/>
+                <a:latin typeface="Courier New" panose="02070309020205020404" pitchFamily="49" charset="0"/>
+                <a:cs typeface="Courier New" panose="02070309020205020404" pitchFamily="49" charset="0"/>
+              </a:rPr>
+              <a:t>self</a:t>
+            </a:r>
+            <a:r>
+              <a:rPr kumimoji="0" lang="ru-RU" altLang="ru-RU" sz="3200" b="0" i="0" u="none" strike="noStrike" cap="none" normalizeH="0" baseline="0" dirty="0" smtClean="0">
+                <a:ln>
+                  <a:noFill/>
+                </a:ln>
+                <a:solidFill>
+                  <a:srgbClr val="000000"/>
+                </a:solidFill>
+                <a:effectLst/>
+                <a:latin typeface="Courier New" panose="02070309020205020404" pitchFamily="49" charset="0"/>
+                <a:cs typeface="Courier New" panose="02070309020205020404" pitchFamily="49" charset="0"/>
+              </a:rPr>
+              <a:t>):</a:t>
+            </a:r>
+            <a:br>
+              <a:rPr kumimoji="0" lang="ru-RU" altLang="ru-RU" sz="3200" b="0" i="0" u="none" strike="noStrike" cap="none" normalizeH="0" baseline="0" dirty="0" smtClean="0">
+                <a:ln>
+                  <a:noFill/>
+                </a:ln>
+                <a:solidFill>
+                  <a:srgbClr val="000000"/>
+                </a:solidFill>
+                <a:effectLst/>
+                <a:latin typeface="Courier New" panose="02070309020205020404" pitchFamily="49" charset="0"/>
+                <a:cs typeface="Courier New" panose="02070309020205020404" pitchFamily="49" charset="0"/>
+              </a:rPr>
+            </a:br>
+            <a:r>
+              <a:rPr kumimoji="0" lang="ru-RU" altLang="ru-RU" sz="3200" b="0" i="0" u="none" strike="noStrike" cap="none" normalizeH="0" baseline="0" dirty="0" smtClean="0">
+                <a:ln>
+                  <a:noFill/>
+                </a:ln>
+                <a:solidFill>
+                  <a:srgbClr val="000000"/>
+                </a:solidFill>
+                <a:effectLst/>
+                <a:latin typeface="Courier New" panose="02070309020205020404" pitchFamily="49" charset="0"/>
+                <a:cs typeface="Courier New" panose="02070309020205020404" pitchFamily="49" charset="0"/>
+              </a:rPr>
+              <a:t>        </a:t>
+            </a:r>
+            <a:r>
+              <a:rPr kumimoji="0" lang="ru-RU" altLang="ru-RU" sz="3200" b="0" i="0" u="none" strike="noStrike" cap="none" normalizeH="0" baseline="0" dirty="0" smtClean="0">
+                <a:ln>
+                  <a:noFill/>
+                </a:ln>
+                <a:solidFill>
+                  <a:srgbClr val="94558D"/>
+                </a:solidFill>
+                <a:effectLst/>
+                <a:latin typeface="Courier New" panose="02070309020205020404" pitchFamily="49" charset="0"/>
+                <a:cs typeface="Courier New" panose="02070309020205020404" pitchFamily="49" charset="0"/>
+              </a:rPr>
+              <a:t>self</a:t>
+            </a:r>
+            <a:r>
+              <a:rPr kumimoji="0" lang="ru-RU" altLang="ru-RU" sz="3200" b="0" i="0" u="none" strike="noStrike" cap="none" normalizeH="0" baseline="0" dirty="0" smtClean="0">
+                <a:ln>
+                  <a:noFill/>
+                </a:ln>
+                <a:solidFill>
+                  <a:srgbClr val="000000"/>
+                </a:solidFill>
+                <a:effectLst/>
+                <a:latin typeface="Courier New" panose="02070309020205020404" pitchFamily="49" charset="0"/>
+                <a:cs typeface="Courier New" panose="02070309020205020404" pitchFamily="49" charset="0"/>
+              </a:rPr>
+              <a:t>.foo = </a:t>
+            </a:r>
+            <a:r>
+              <a:rPr kumimoji="0" lang="ru-RU" altLang="ru-RU" sz="3200" b="1" i="0" u="none" strike="noStrike" cap="none" normalizeH="0" baseline="0" dirty="0" smtClean="0">
+                <a:ln>
+                  <a:noFill/>
+                </a:ln>
+                <a:solidFill>
+                  <a:srgbClr val="008080"/>
+                </a:solidFill>
+                <a:effectLst/>
+                <a:latin typeface="Courier New" panose="02070309020205020404" pitchFamily="49" charset="0"/>
+                <a:cs typeface="Courier New" panose="02070309020205020404" pitchFamily="49" charset="0"/>
+              </a:rPr>
+              <a:t>"foo"</a:t>
+            </a:r>
+            <a:endParaRPr kumimoji="0" lang="ru-RU" altLang="ru-RU" sz="6000" b="0" i="0" u="none" strike="noStrike" cap="none" normalizeH="0" baseline="0" dirty="0" smtClean="0">
+              <a:ln>
+                <a:noFill/>
+              </a:ln>
+              <a:solidFill>
+                <a:schemeClr val="tx1"/>
+              </a:solidFill>
+              <a:effectLst/>
+              <a:latin typeface="Arial" panose="020B0604020202020204" pitchFamily="34" charset="0"/>
+            </a:endParaRPr>
+          </a:p>
+        </p:txBody>
+      </p:sp>
+      <p:sp>
+        <p:nvSpPr>
+          <p:cNvPr id="213" name="Shape 213"/>
+          <p:cNvSpPr txBox="1">
+            <a:spLocks noGrp="1"/>
+          </p:cNvSpPr>
+          <p:nvPr>
+            <p:ph type="title"/>
+          </p:nvPr>
+        </p:nvSpPr>
+        <p:spPr>
+          <a:xfrm>
+            <a:off x="235974" y="-198304"/>
+            <a:ext cx="16020026" cy="1779224"/>
+          </a:xfrm>
+          <a:prstGeom prst="rect">
+            <a:avLst/>
+          </a:prstGeom>
+          <a:noFill/>
+          <a:ln>
+            <a:noFill/>
+          </a:ln>
+        </p:spPr>
+        <p:txBody>
+          <a:bodyPr lIns="50800" tIns="50800" rIns="50800" bIns="50800" anchor="ctr" anchorCtr="0">
+            <a:noAutofit/>
+          </a:bodyPr>
+          <a:lstStyle/>
+          <a:p>
+            <a:pPr lvl="0">
+              <a:buClr>
+                <a:srgbClr val="00FF00"/>
+              </a:buClr>
+              <a:buSzPct val="25000"/>
+            </a:pPr>
+            <a:r>
+              <a:rPr lang="ru-RU" sz="8000" dirty="0">
+                <a:solidFill>
+                  <a:srgbClr val="CD0000"/>
+                </a:solidFill>
+                <a:latin typeface="Arial" panose="020B0604020202020204" pitchFamily="34" charset="0"/>
+                <a:cs typeface="Arial" panose="020B0604020202020204" pitchFamily="34" charset="0"/>
+              </a:rPr>
+              <a:t>Паттерн одиночка</a:t>
             </a:r>
             <a:endParaRPr lang="en-US" sz="7800" dirty="0">
               <a:solidFill>
@@ -19822,8 +20486,8 @@
         </p:nvSpPr>
         <p:spPr>
           <a:xfrm>
-            <a:off x="7218316" y="2286000"/>
-            <a:ext cx="10001511" cy="5632311"/>
+            <a:off x="6185078" y="1447458"/>
+            <a:ext cx="10444687" cy="5016758"/>
           </a:xfrm>
           <a:prstGeom prst="rect">
             <a:avLst/>
@@ -19836,7 +20500,7 @@
           <a:lstStyle/>
           <a:p>
             <a:r>
-              <a:rPr lang="en-US" sz="3600" b="1" dirty="0" err="1" smtClean="0">
+              <a:rPr lang="en-US" sz="3200" b="1" dirty="0" err="1" smtClean="0">
                 <a:solidFill>
                   <a:srgbClr val="008000"/>
                 </a:solidFill>
@@ -19846,7 +20510,7 @@
               <a:t>def</a:t>
             </a:r>
             <a:r>
-              <a:rPr lang="en-US" sz="3600" b="1" dirty="0" smtClean="0">
+              <a:rPr lang="en-US" sz="3200" b="1" dirty="0" smtClean="0">
                 <a:solidFill>
                   <a:srgbClr val="008000"/>
                 </a:solidFill>
@@ -19856,7 +20520,7 @@
               <a:t> </a:t>
             </a:r>
             <a:r>
-              <a:rPr lang="en-US" sz="3600" dirty="0">
+              <a:rPr lang="en-US" sz="3200" dirty="0">
                 <a:solidFill>
                   <a:srgbClr val="0000FF"/>
                 </a:solidFill>
@@ -19866,30 +20530,34 @@
               <a:t>singleton</a:t>
             </a:r>
             <a:r>
-              <a:rPr lang="en-US" sz="3600" dirty="0">
+              <a:rPr lang="en-US" sz="3200" dirty="0">
                 <a:latin typeface="Courier New" panose="02070309020205020404" pitchFamily="49" charset="0"/>
                 <a:cs typeface="Courier New" panose="02070309020205020404" pitchFamily="49" charset="0"/>
               </a:rPr>
               <a:t>(</a:t>
             </a:r>
             <a:r>
-              <a:rPr lang="en-US" sz="3600" dirty="0" err="1">
+              <a:rPr lang="en-US" sz="3200" dirty="0" err="1">
                 <a:latin typeface="Courier New" panose="02070309020205020404" pitchFamily="49" charset="0"/>
                 <a:cs typeface="Courier New" panose="02070309020205020404" pitchFamily="49" charset="0"/>
               </a:rPr>
               <a:t>cls</a:t>
             </a:r>
             <a:r>
-              <a:rPr lang="en-US" sz="3600" dirty="0">
+              <a:rPr lang="en-US" sz="3200" dirty="0" smtClean="0">
                 <a:latin typeface="Courier New" panose="02070309020205020404" pitchFamily="49" charset="0"/>
                 <a:cs typeface="Courier New" panose="02070309020205020404" pitchFamily="49" charset="0"/>
               </a:rPr>
               <a:t>):</a:t>
             </a:r>
+            <a:endParaRPr lang="en-US" sz="3200" dirty="0">
+              <a:latin typeface="Courier New" panose="02070309020205020404" pitchFamily="49" charset="0"/>
+              <a:cs typeface="Courier New" panose="02070309020205020404" pitchFamily="49" charset="0"/>
+            </a:endParaRPr>
           </a:p>
           <a:p>
             <a:r>
-              <a:rPr lang="en-US" sz="3600" b="1" dirty="0">
+              <a:rPr lang="en-US" sz="3200" b="1" dirty="0">
                 <a:solidFill>
                   <a:srgbClr val="000080"/>
                 </a:solidFill>
@@ -19899,14 +20567,14 @@
               <a:t>	</a:t>
             </a:r>
             <a:r>
-              <a:rPr lang="en-US" sz="3600" dirty="0" smtClean="0">
+              <a:rPr lang="en-US" sz="3200" dirty="0" smtClean="0">
                 <a:latin typeface="Courier New" panose="02070309020205020404" pitchFamily="49" charset="0"/>
                 <a:cs typeface="Courier New" panose="02070309020205020404" pitchFamily="49" charset="0"/>
               </a:rPr>
               <a:t>instance </a:t>
             </a:r>
             <a:r>
-              <a:rPr lang="en-US" sz="3600" dirty="0">
+              <a:rPr lang="en-US" sz="3200" dirty="0">
                 <a:solidFill>
                   <a:srgbClr val="666666"/>
                 </a:solidFill>
@@ -19916,7 +20584,7 @@
               <a:t>= </a:t>
             </a:r>
             <a:r>
-              <a:rPr lang="en-US" sz="3600" b="1" dirty="0">
+              <a:rPr lang="en-US" sz="3200" b="1" dirty="0" smtClean="0">
                 <a:solidFill>
                   <a:srgbClr val="008000"/>
                 </a:solidFill>
@@ -19927,78 +20595,17 @@
             </a:r>
           </a:p>
           <a:p>
-            <a:r>
-              <a:rPr lang="en-US" sz="3600" b="1" dirty="0" smtClean="0">
-                <a:solidFill>
-                  <a:srgbClr val="000080"/>
-                </a:solidFill>
-                <a:latin typeface="Courier New" panose="02070309020205020404" pitchFamily="49" charset="0"/>
-                <a:cs typeface="Courier New" panose="02070309020205020404" pitchFamily="49" charset="0"/>
-              </a:rPr>
-              <a:t>	</a:t>
-            </a:r>
-            <a:r>
-              <a:rPr lang="en-US" sz="3600" dirty="0" smtClean="0">
-                <a:solidFill>
-                  <a:srgbClr val="AC21FF"/>
-                </a:solidFill>
-                <a:latin typeface="Courier New" panose="02070309020205020404" pitchFamily="49" charset="0"/>
-                <a:cs typeface="Courier New" panose="02070309020205020404" pitchFamily="49" charset="0"/>
-              </a:rPr>
-              <a:t>@</a:t>
-            </a:r>
-            <a:r>
-              <a:rPr lang="en-US" sz="3600" dirty="0" err="1">
-                <a:solidFill>
-                  <a:srgbClr val="AC21FF"/>
-                </a:solidFill>
-                <a:latin typeface="Courier New" panose="02070309020205020404" pitchFamily="49" charset="0"/>
-                <a:cs typeface="Courier New" panose="02070309020205020404" pitchFamily="49" charset="0"/>
-              </a:rPr>
-              <a:t>functools</a:t>
-            </a:r>
-            <a:r>
-              <a:rPr lang="en-US" sz="3600" dirty="0" err="1">
-                <a:solidFill>
-                  <a:srgbClr val="666666"/>
-                </a:solidFill>
-                <a:latin typeface="Courier New" panose="02070309020205020404" pitchFamily="49" charset="0"/>
-                <a:cs typeface="Courier New" panose="02070309020205020404" pitchFamily="49" charset="0"/>
-              </a:rPr>
-              <a:t>.</a:t>
-            </a:r>
-            <a:r>
-              <a:rPr lang="en-US" sz="3600" dirty="0" err="1">
-                <a:latin typeface="Courier New" panose="02070309020205020404" pitchFamily="49" charset="0"/>
-                <a:cs typeface="Courier New" panose="02070309020205020404" pitchFamily="49" charset="0"/>
-              </a:rPr>
-              <a:t>wraps</a:t>
-            </a:r>
-            <a:r>
-              <a:rPr lang="en-US" sz="3600" dirty="0">
-                <a:latin typeface="Courier New" panose="02070309020205020404" pitchFamily="49" charset="0"/>
-                <a:cs typeface="Courier New" panose="02070309020205020404" pitchFamily="49" charset="0"/>
-              </a:rPr>
-              <a:t>(</a:t>
-            </a:r>
-            <a:r>
-              <a:rPr lang="en-US" sz="3600" dirty="0" err="1">
-                <a:latin typeface="Courier New" panose="02070309020205020404" pitchFamily="49" charset="0"/>
-                <a:cs typeface="Courier New" panose="02070309020205020404" pitchFamily="49" charset="0"/>
-              </a:rPr>
-              <a:t>cls</a:t>
-            </a:r>
-            <a:r>
-              <a:rPr lang="en-US" sz="3600" dirty="0">
-                <a:latin typeface="Courier New" panose="02070309020205020404" pitchFamily="49" charset="0"/>
-                <a:cs typeface="Courier New" panose="02070309020205020404" pitchFamily="49" charset="0"/>
-              </a:rPr>
-              <a:t>)</a:t>
-            </a:r>
+            <a:endParaRPr lang="en-US" sz="3200" b="1" dirty="0">
+              <a:solidFill>
+                <a:srgbClr val="008000"/>
+              </a:solidFill>
+              <a:latin typeface="Courier New" panose="02070309020205020404" pitchFamily="49" charset="0"/>
+              <a:cs typeface="Courier New" panose="02070309020205020404" pitchFamily="49" charset="0"/>
+            </a:endParaRPr>
           </a:p>
           <a:p>
             <a:r>
-              <a:rPr lang="en-US" sz="3600" b="1" dirty="0" smtClean="0">
+              <a:rPr lang="en-US" sz="3200" b="1" dirty="0" smtClean="0">
                 <a:solidFill>
                   <a:srgbClr val="000080"/>
                 </a:solidFill>
@@ -20008,123 +20615,164 @@
               <a:t>	</a:t>
             </a:r>
             <a:r>
-              <a:rPr lang="en-US" sz="3600" b="1" dirty="0" err="1" smtClean="0">
-                <a:solidFill>
-                  <a:srgbClr val="008000"/>
+              <a:rPr lang="en-US" sz="3200" dirty="0" smtClean="0">
+                <a:solidFill>
+                  <a:srgbClr val="AC21FF"/>
                 </a:solidFill>
                 <a:latin typeface="Courier New" panose="02070309020205020404" pitchFamily="49" charset="0"/>
                 <a:cs typeface="Courier New" panose="02070309020205020404" pitchFamily="49" charset="0"/>
               </a:rPr>
-              <a:t>def</a:t>
-            </a:r>
-            <a:r>
-              <a:rPr lang="en-US" sz="3600" b="1" dirty="0" smtClean="0">
-                <a:solidFill>
-                  <a:srgbClr val="008000"/>
+              <a:t>@</a:t>
+            </a:r>
+            <a:r>
+              <a:rPr lang="en-US" sz="3200" dirty="0" err="1">
+                <a:solidFill>
+                  <a:srgbClr val="AC21FF"/>
                 </a:solidFill>
                 <a:latin typeface="Courier New" panose="02070309020205020404" pitchFamily="49" charset="0"/>
                 <a:cs typeface="Courier New" panose="02070309020205020404" pitchFamily="49" charset="0"/>
               </a:rPr>
-              <a:t> </a:t>
-            </a:r>
-            <a:r>
-              <a:rPr lang="en-US" sz="3600" dirty="0">
-                <a:solidFill>
-                  <a:srgbClr val="0000FF"/>
+              <a:t>functools</a:t>
+            </a:r>
+            <a:r>
+              <a:rPr lang="en-US" sz="3200" dirty="0" err="1">
+                <a:solidFill>
+                  <a:srgbClr val="666666"/>
                 </a:solidFill>
                 <a:latin typeface="Courier New" panose="02070309020205020404" pitchFamily="49" charset="0"/>
                 <a:cs typeface="Courier New" panose="02070309020205020404" pitchFamily="49" charset="0"/>
               </a:rPr>
-              <a:t>inner</a:t>
-            </a:r>
-            <a:r>
-              <a:rPr lang="en-US" sz="3600" dirty="0">
+              <a:t>.</a:t>
+            </a:r>
+            <a:r>
+              <a:rPr lang="en-US" sz="3200" dirty="0" err="1">
                 <a:latin typeface="Courier New" panose="02070309020205020404" pitchFamily="49" charset="0"/>
                 <a:cs typeface="Courier New" panose="02070309020205020404" pitchFamily="49" charset="0"/>
               </a:rPr>
+              <a:t>wraps</a:t>
+            </a:r>
+            <a:r>
+              <a:rPr lang="en-US" sz="3200" dirty="0">
+                <a:latin typeface="Courier New" panose="02070309020205020404" pitchFamily="49" charset="0"/>
+                <a:cs typeface="Courier New" panose="02070309020205020404" pitchFamily="49" charset="0"/>
+              </a:rPr>
               <a:t>(</a:t>
             </a:r>
             <a:r>
-              <a:rPr lang="en-US" sz="3600" dirty="0">
-                <a:solidFill>
-                  <a:srgbClr val="666666"/>
-                </a:solidFill>
+              <a:rPr lang="en-US" sz="3200" dirty="0" err="1">
                 <a:latin typeface="Courier New" panose="02070309020205020404" pitchFamily="49" charset="0"/>
                 <a:cs typeface="Courier New" panose="02070309020205020404" pitchFamily="49" charset="0"/>
               </a:rPr>
-              <a:t>*</a:t>
-            </a:r>
-            <a:r>
-              <a:rPr lang="en-US" sz="3600" dirty="0" err="1">
+              <a:t>cls</a:t>
+            </a:r>
+            <a:r>
+              <a:rPr lang="en-US" sz="3200" dirty="0">
                 <a:latin typeface="Courier New" panose="02070309020205020404" pitchFamily="49" charset="0"/>
                 <a:cs typeface="Courier New" panose="02070309020205020404" pitchFamily="49" charset="0"/>
               </a:rPr>
-              <a:t>args</a:t>
-            </a:r>
-            <a:r>
-              <a:rPr lang="en-US" sz="3600" dirty="0">
-                <a:latin typeface="Courier New" panose="02070309020205020404" pitchFamily="49" charset="0"/>
-                <a:cs typeface="Courier New" panose="02070309020205020404" pitchFamily="49" charset="0"/>
-              </a:rPr>
-              <a:t>, </a:t>
-            </a:r>
-            <a:r>
-              <a:rPr lang="en-US" sz="3600" dirty="0">
-                <a:solidFill>
-                  <a:srgbClr val="666666"/>
-                </a:solidFill>
-                <a:latin typeface="Courier New" panose="02070309020205020404" pitchFamily="49" charset="0"/>
-                <a:cs typeface="Courier New" panose="02070309020205020404" pitchFamily="49" charset="0"/>
-              </a:rPr>
-              <a:t>**</a:t>
-            </a:r>
-            <a:r>
-              <a:rPr lang="en-US" sz="3600" dirty="0" err="1">
-                <a:latin typeface="Courier New" panose="02070309020205020404" pitchFamily="49" charset="0"/>
-                <a:cs typeface="Courier New" panose="02070309020205020404" pitchFamily="49" charset="0"/>
-              </a:rPr>
-              <a:t>kwargs</a:t>
-            </a:r>
-            <a:r>
-              <a:rPr lang="en-US" sz="3600" dirty="0">
-                <a:latin typeface="Courier New" panose="02070309020205020404" pitchFamily="49" charset="0"/>
-                <a:cs typeface="Courier New" panose="02070309020205020404" pitchFamily="49" charset="0"/>
-              </a:rPr>
-              <a:t>):</a:t>
+              <a:t>)</a:t>
             </a:r>
           </a:p>
           <a:p>
             <a:r>
-              <a:rPr lang="en-US" sz="3600" b="1" dirty="0" smtClean="0">
+              <a:rPr lang="en-US" sz="3200" b="1" dirty="0" smtClean="0">
                 <a:solidFill>
                   <a:srgbClr val="000080"/>
                 </a:solidFill>
                 <a:latin typeface="Courier New" panose="02070309020205020404" pitchFamily="49" charset="0"/>
                 <a:cs typeface="Courier New" panose="02070309020205020404" pitchFamily="49" charset="0"/>
               </a:rPr>
-              <a:t>		</a:t>
-            </a:r>
-            <a:r>
-              <a:rPr lang="en-US" sz="3600" b="1" dirty="0" smtClean="0">
+              <a:t>	</a:t>
+            </a:r>
+            <a:r>
+              <a:rPr lang="en-US" sz="3200" b="1" dirty="0" err="1" smtClean="0">
                 <a:solidFill>
                   <a:srgbClr val="008000"/>
                 </a:solidFill>
                 <a:latin typeface="Courier New" panose="02070309020205020404" pitchFamily="49" charset="0"/>
                 <a:cs typeface="Courier New" panose="02070309020205020404" pitchFamily="49" charset="0"/>
               </a:rPr>
-              <a:t>nonlocal </a:t>
-            </a:r>
-            <a:r>
-              <a:rPr lang="en-US" sz="3600" dirty="0">
+              <a:t>def</a:t>
+            </a:r>
+            <a:r>
+              <a:rPr lang="en-US" sz="3200" b="1" dirty="0" smtClean="0">
+                <a:solidFill>
+                  <a:srgbClr val="008000"/>
+                </a:solidFill>
                 <a:latin typeface="Courier New" panose="02070309020205020404" pitchFamily="49" charset="0"/>
                 <a:cs typeface="Courier New" panose="02070309020205020404" pitchFamily="49" charset="0"/>
               </a:rPr>
-              <a:t>instance</a:t>
+              <a:t> </a:t>
+            </a:r>
+            <a:r>
+              <a:rPr lang="en-US" sz="3200" dirty="0">
+                <a:solidFill>
+                  <a:srgbClr val="0000FF"/>
+                </a:solidFill>
+                <a:latin typeface="Courier New" panose="02070309020205020404" pitchFamily="49" charset="0"/>
+                <a:cs typeface="Courier New" panose="02070309020205020404" pitchFamily="49" charset="0"/>
+              </a:rPr>
+              <a:t>inner</a:t>
+            </a:r>
+            <a:r>
+              <a:rPr lang="en-US" sz="3200" dirty="0">
+                <a:latin typeface="Courier New" panose="02070309020205020404" pitchFamily="49" charset="0"/>
+                <a:cs typeface="Courier New" panose="02070309020205020404" pitchFamily="49" charset="0"/>
+              </a:rPr>
+              <a:t>(</a:t>
+            </a:r>
+            <a:r>
+              <a:rPr lang="en-US" sz="3200" dirty="0">
+                <a:solidFill>
+                  <a:srgbClr val="666666"/>
+                </a:solidFill>
+                <a:latin typeface="Courier New" panose="02070309020205020404" pitchFamily="49" charset="0"/>
+                <a:cs typeface="Courier New" panose="02070309020205020404" pitchFamily="49" charset="0"/>
+              </a:rPr>
+              <a:t>*</a:t>
+            </a:r>
+            <a:r>
+              <a:rPr lang="en-US" sz="3200" dirty="0" err="1">
+                <a:latin typeface="Courier New" panose="02070309020205020404" pitchFamily="49" charset="0"/>
+                <a:cs typeface="Courier New" panose="02070309020205020404" pitchFamily="49" charset="0"/>
+              </a:rPr>
+              <a:t>args</a:t>
+            </a:r>
+            <a:r>
+              <a:rPr lang="en-US" sz="3200" dirty="0">
+                <a:latin typeface="Courier New" panose="02070309020205020404" pitchFamily="49" charset="0"/>
+                <a:cs typeface="Courier New" panose="02070309020205020404" pitchFamily="49" charset="0"/>
+              </a:rPr>
+              <a:t>, </a:t>
+            </a:r>
+            <a:r>
+              <a:rPr lang="en-US" sz="3200" dirty="0">
+                <a:solidFill>
+                  <a:srgbClr val="666666"/>
+                </a:solidFill>
+                <a:latin typeface="Courier New" panose="02070309020205020404" pitchFamily="49" charset="0"/>
+                <a:cs typeface="Courier New" panose="02070309020205020404" pitchFamily="49" charset="0"/>
+              </a:rPr>
+              <a:t>**</a:t>
+            </a:r>
+            <a:r>
+              <a:rPr lang="en-US" sz="3200" dirty="0" err="1">
+                <a:latin typeface="Courier New" panose="02070309020205020404" pitchFamily="49" charset="0"/>
+                <a:cs typeface="Courier New" panose="02070309020205020404" pitchFamily="49" charset="0"/>
+              </a:rPr>
+              <a:t>kwargs</a:t>
+            </a:r>
+            <a:r>
+              <a:rPr lang="en-US" sz="3200" dirty="0">
+                <a:latin typeface="Courier New" panose="02070309020205020404" pitchFamily="49" charset="0"/>
+                <a:cs typeface="Courier New" panose="02070309020205020404" pitchFamily="49" charset="0"/>
+              </a:rPr>
+              <a:t>):</a:t>
             </a:r>
           </a:p>
           <a:p>
             <a:r>
-              <a:rPr lang="en-US" sz="3600" b="1" dirty="0" smtClean="0">
+              <a:rPr lang="en-US" sz="3200" b="1" dirty="0" smtClean="0">
                 <a:solidFill>
                   <a:srgbClr val="000080"/>
                 </a:solidFill>
@@ -20134,183 +20782,212 @@
               <a:t>		</a:t>
             </a:r>
             <a:r>
-              <a:rPr lang="en-US" sz="3600" b="1" dirty="0" smtClean="0">
+              <a:rPr lang="en-US" sz="3200" b="1" dirty="0" smtClean="0">
                 <a:solidFill>
                   <a:srgbClr val="008000"/>
                 </a:solidFill>
                 <a:latin typeface="Courier New" panose="02070309020205020404" pitchFamily="49" charset="0"/>
                 <a:cs typeface="Courier New" panose="02070309020205020404" pitchFamily="49" charset="0"/>
               </a:rPr>
-              <a:t>if </a:t>
-            </a:r>
-            <a:r>
-              <a:rPr lang="en-US" sz="3600" dirty="0">
+              <a:t>nonlocal </a:t>
+            </a:r>
+            <a:r>
+              <a:rPr lang="en-US" sz="3200" dirty="0">
                 <a:latin typeface="Courier New" panose="02070309020205020404" pitchFamily="49" charset="0"/>
                 <a:cs typeface="Courier New" panose="02070309020205020404" pitchFamily="49" charset="0"/>
               </a:rPr>
-              <a:t>instance </a:t>
-            </a:r>
-            <a:r>
-              <a:rPr lang="en-US" sz="3600" b="1" dirty="0">
-                <a:solidFill>
-                  <a:srgbClr val="AC21FF"/>
-                </a:solidFill>
-                <a:latin typeface="Courier New" panose="02070309020205020404" pitchFamily="49" charset="0"/>
-                <a:cs typeface="Courier New" panose="02070309020205020404" pitchFamily="49" charset="0"/>
-              </a:rPr>
-              <a:t>is </a:t>
-            </a:r>
-            <a:r>
-              <a:rPr lang="en-US" sz="3600" b="1" dirty="0">
-                <a:solidFill>
-                  <a:srgbClr val="008000"/>
-                </a:solidFill>
-                <a:latin typeface="Courier New" panose="02070309020205020404" pitchFamily="49" charset="0"/>
-                <a:cs typeface="Courier New" panose="02070309020205020404" pitchFamily="49" charset="0"/>
-              </a:rPr>
-              <a:t>None</a:t>
-            </a:r>
-            <a:r>
-              <a:rPr lang="en-US" sz="3600" dirty="0">
-                <a:latin typeface="Courier New" panose="02070309020205020404" pitchFamily="49" charset="0"/>
-                <a:cs typeface="Courier New" panose="02070309020205020404" pitchFamily="49" charset="0"/>
-              </a:rPr>
-              <a:t>:</a:t>
+              <a:t>instance</a:t>
             </a:r>
           </a:p>
           <a:p>
             <a:r>
-              <a:rPr lang="en-US" sz="3600" b="1" dirty="0" smtClean="0">
+              <a:rPr lang="en-US" sz="3200" b="1" dirty="0" smtClean="0">
                 <a:solidFill>
                   <a:srgbClr val="000080"/>
                 </a:solidFill>
                 <a:latin typeface="Courier New" panose="02070309020205020404" pitchFamily="49" charset="0"/>
                 <a:cs typeface="Courier New" panose="02070309020205020404" pitchFamily="49" charset="0"/>
               </a:rPr>
-              <a:t>			</a:t>
-            </a:r>
-            <a:r>
-              <a:rPr lang="en-US" sz="3600" dirty="0" smtClean="0">
+              <a:t>		</a:t>
+            </a:r>
+            <a:r>
+              <a:rPr lang="en-US" sz="3200" b="1" dirty="0" smtClean="0">
+                <a:solidFill>
+                  <a:srgbClr val="008000"/>
+                </a:solidFill>
                 <a:latin typeface="Courier New" panose="02070309020205020404" pitchFamily="49" charset="0"/>
                 <a:cs typeface="Courier New" panose="02070309020205020404" pitchFamily="49" charset="0"/>
               </a:rPr>
+              <a:t>if </a:t>
+            </a:r>
+            <a:r>
+              <a:rPr lang="en-US" sz="3200" dirty="0">
+                <a:latin typeface="Courier New" panose="02070309020205020404" pitchFamily="49" charset="0"/>
+                <a:cs typeface="Courier New" panose="02070309020205020404" pitchFamily="49" charset="0"/>
+              </a:rPr>
               <a:t>instance </a:t>
             </a:r>
             <a:r>
-              <a:rPr lang="en-US" sz="3600" dirty="0">
-                <a:solidFill>
-                  <a:srgbClr val="666666"/>
+              <a:rPr lang="en-US" sz="3200" b="1" dirty="0">
+                <a:solidFill>
+                  <a:srgbClr val="AC21FF"/>
                 </a:solidFill>
                 <a:latin typeface="Courier New" panose="02070309020205020404" pitchFamily="49" charset="0"/>
                 <a:cs typeface="Courier New" panose="02070309020205020404" pitchFamily="49" charset="0"/>
               </a:rPr>
-              <a:t>= </a:t>
-            </a:r>
-            <a:r>
-              <a:rPr lang="en-US" sz="3600" dirty="0" err="1">
+              <a:t>is </a:t>
+            </a:r>
+            <a:r>
+              <a:rPr lang="en-US" sz="3200" b="1" dirty="0">
+                <a:solidFill>
+                  <a:srgbClr val="008000"/>
+                </a:solidFill>
                 <a:latin typeface="Courier New" panose="02070309020205020404" pitchFamily="49" charset="0"/>
                 <a:cs typeface="Courier New" panose="02070309020205020404" pitchFamily="49" charset="0"/>
               </a:rPr>
-              <a:t>cls</a:t>
-            </a:r>
-            <a:r>
-              <a:rPr lang="en-US" sz="3600" dirty="0">
+              <a:t>None</a:t>
+            </a:r>
+            <a:r>
+              <a:rPr lang="en-US" sz="3200" dirty="0">
                 <a:latin typeface="Courier New" panose="02070309020205020404" pitchFamily="49" charset="0"/>
                 <a:cs typeface="Courier New" panose="02070309020205020404" pitchFamily="49" charset="0"/>
               </a:rPr>
-              <a:t>(</a:t>
-            </a:r>
-            <a:r>
-              <a:rPr lang="en-US" sz="3600" dirty="0">
-                <a:solidFill>
-                  <a:srgbClr val="666666"/>
-                </a:solidFill>
-                <a:latin typeface="Courier New" panose="02070309020205020404" pitchFamily="49" charset="0"/>
-                <a:cs typeface="Courier New" panose="02070309020205020404" pitchFamily="49" charset="0"/>
-              </a:rPr>
-              <a:t>*</a:t>
-            </a:r>
-            <a:r>
-              <a:rPr lang="en-US" sz="3600" dirty="0" err="1">
-                <a:latin typeface="Courier New" panose="02070309020205020404" pitchFamily="49" charset="0"/>
-                <a:cs typeface="Courier New" panose="02070309020205020404" pitchFamily="49" charset="0"/>
-              </a:rPr>
-              <a:t>args</a:t>
-            </a:r>
-            <a:r>
-              <a:rPr lang="en-US" sz="3600" dirty="0" smtClean="0">
-                <a:latin typeface="Courier New" panose="02070309020205020404" pitchFamily="49" charset="0"/>
-                <a:cs typeface="Courier New" panose="02070309020205020404" pitchFamily="49" charset="0"/>
-              </a:rPr>
-              <a:t>,</a:t>
-            </a:r>
-            <a:r>
-              <a:rPr lang="en-US" sz="3600" dirty="0" smtClean="0">
-                <a:solidFill>
-                  <a:srgbClr val="666666"/>
-                </a:solidFill>
-                <a:latin typeface="Courier New" panose="02070309020205020404" pitchFamily="49" charset="0"/>
-                <a:cs typeface="Courier New" panose="02070309020205020404" pitchFamily="49" charset="0"/>
-              </a:rPr>
-              <a:t>**</a:t>
-            </a:r>
-            <a:r>
-              <a:rPr lang="en-US" sz="3600" dirty="0" err="1">
-                <a:latin typeface="Courier New" panose="02070309020205020404" pitchFamily="49" charset="0"/>
-                <a:cs typeface="Courier New" panose="02070309020205020404" pitchFamily="49" charset="0"/>
-              </a:rPr>
-              <a:t>kwargs</a:t>
-            </a:r>
-            <a:r>
-              <a:rPr lang="en-US" sz="3600" dirty="0">
-                <a:latin typeface="Courier New" panose="02070309020205020404" pitchFamily="49" charset="0"/>
-                <a:cs typeface="Courier New" panose="02070309020205020404" pitchFamily="49" charset="0"/>
-              </a:rPr>
-              <a:t>)</a:t>
+              <a:t>:</a:t>
             </a:r>
           </a:p>
           <a:p>
             <a:r>
-              <a:rPr lang="en-US" sz="3600" b="1" dirty="0" smtClean="0">
+              <a:rPr lang="en-US" sz="3200" b="1" dirty="0" smtClean="0">
                 <a:solidFill>
                   <a:srgbClr val="000080"/>
                 </a:solidFill>
                 <a:latin typeface="Courier New" panose="02070309020205020404" pitchFamily="49" charset="0"/>
                 <a:cs typeface="Courier New" panose="02070309020205020404" pitchFamily="49" charset="0"/>
               </a:rPr>
-              <a:t>		</a:t>
-            </a:r>
-            <a:r>
-              <a:rPr lang="en-US" sz="3600" b="1" dirty="0" smtClean="0">
-                <a:solidFill>
-                  <a:srgbClr val="008000"/>
-                </a:solidFill>
+              <a:t>			</a:t>
+            </a:r>
+            <a:r>
+              <a:rPr lang="en-US" sz="3200" dirty="0" smtClean="0">
                 <a:latin typeface="Courier New" panose="02070309020205020404" pitchFamily="49" charset="0"/>
                 <a:cs typeface="Courier New" panose="02070309020205020404" pitchFamily="49" charset="0"/>
               </a:rPr>
-              <a:t>return </a:t>
-            </a:r>
-            <a:r>
-              <a:rPr lang="en-US" sz="3600" dirty="0">
+              <a:t>instance </a:t>
+            </a:r>
+            <a:r>
+              <a:rPr lang="en-US" sz="3200" dirty="0">
+                <a:solidFill>
+                  <a:srgbClr val="666666"/>
+                </a:solidFill>
                 <a:latin typeface="Courier New" panose="02070309020205020404" pitchFamily="49" charset="0"/>
                 <a:cs typeface="Courier New" panose="02070309020205020404" pitchFamily="49" charset="0"/>
               </a:rPr>
-              <a:t>instance</a:t>
+              <a:t>= </a:t>
+            </a:r>
+            <a:r>
+              <a:rPr lang="en-US" sz="3200" dirty="0" err="1">
+                <a:latin typeface="Courier New" panose="02070309020205020404" pitchFamily="49" charset="0"/>
+                <a:cs typeface="Courier New" panose="02070309020205020404" pitchFamily="49" charset="0"/>
+              </a:rPr>
+              <a:t>cls</a:t>
+            </a:r>
+            <a:r>
+              <a:rPr lang="en-US" sz="3200" dirty="0">
+                <a:latin typeface="Courier New" panose="02070309020205020404" pitchFamily="49" charset="0"/>
+                <a:cs typeface="Courier New" panose="02070309020205020404" pitchFamily="49" charset="0"/>
+              </a:rPr>
+              <a:t>(</a:t>
+            </a:r>
+            <a:r>
+              <a:rPr lang="en-US" sz="3200" dirty="0">
+                <a:solidFill>
+                  <a:srgbClr val="666666"/>
+                </a:solidFill>
+                <a:latin typeface="Courier New" panose="02070309020205020404" pitchFamily="49" charset="0"/>
+                <a:cs typeface="Courier New" panose="02070309020205020404" pitchFamily="49" charset="0"/>
+              </a:rPr>
+              <a:t>*</a:t>
+            </a:r>
+            <a:r>
+              <a:rPr lang="en-US" sz="3200" dirty="0" err="1">
+                <a:latin typeface="Courier New" panose="02070309020205020404" pitchFamily="49" charset="0"/>
+                <a:cs typeface="Courier New" panose="02070309020205020404" pitchFamily="49" charset="0"/>
+              </a:rPr>
+              <a:t>args</a:t>
+            </a:r>
+            <a:r>
+              <a:rPr lang="en-US" sz="3200" dirty="0" smtClean="0">
+                <a:latin typeface="Courier New" panose="02070309020205020404" pitchFamily="49" charset="0"/>
+                <a:cs typeface="Courier New" panose="02070309020205020404" pitchFamily="49" charset="0"/>
+              </a:rPr>
+              <a:t>,</a:t>
+            </a:r>
+            <a:r>
+              <a:rPr lang="en-US" sz="3200" dirty="0" smtClean="0">
+                <a:solidFill>
+                  <a:srgbClr val="666666"/>
+                </a:solidFill>
+                <a:latin typeface="Courier New" panose="02070309020205020404" pitchFamily="49" charset="0"/>
+                <a:cs typeface="Courier New" panose="02070309020205020404" pitchFamily="49" charset="0"/>
+              </a:rPr>
+              <a:t>**</a:t>
+            </a:r>
+            <a:r>
+              <a:rPr lang="en-US" sz="3200" dirty="0" err="1">
+                <a:latin typeface="Courier New" panose="02070309020205020404" pitchFamily="49" charset="0"/>
+                <a:cs typeface="Courier New" panose="02070309020205020404" pitchFamily="49" charset="0"/>
+              </a:rPr>
+              <a:t>kwargs</a:t>
+            </a:r>
+            <a:r>
+              <a:rPr lang="en-US" sz="3200" dirty="0">
+                <a:latin typeface="Courier New" panose="02070309020205020404" pitchFamily="49" charset="0"/>
+                <a:cs typeface="Courier New" panose="02070309020205020404" pitchFamily="49" charset="0"/>
+              </a:rPr>
+              <a:t>)</a:t>
             </a:r>
           </a:p>
           <a:p>
             <a:r>
-              <a:rPr lang="en-US" sz="3600" b="1" dirty="0" smtClean="0">
+              <a:rPr lang="en-US" sz="3200" b="1" dirty="0" smtClean="0">
                 <a:solidFill>
                   <a:srgbClr val="000080"/>
                 </a:solidFill>
                 <a:latin typeface="Courier New" panose="02070309020205020404" pitchFamily="49" charset="0"/>
                 <a:cs typeface="Courier New" panose="02070309020205020404" pitchFamily="49" charset="0"/>
               </a:rPr>
+              <a:t>		</a:t>
+            </a:r>
+            <a:r>
+              <a:rPr lang="en-US" sz="3200" b="1" dirty="0" smtClean="0">
+                <a:solidFill>
+                  <a:srgbClr val="008000"/>
+                </a:solidFill>
+                <a:latin typeface="Courier New" panose="02070309020205020404" pitchFamily="49" charset="0"/>
+                <a:cs typeface="Courier New" panose="02070309020205020404" pitchFamily="49" charset="0"/>
+              </a:rPr>
+              <a:t>return </a:t>
+            </a:r>
+            <a:r>
+              <a:rPr lang="en-US" sz="3200" dirty="0">
+                <a:latin typeface="Courier New" panose="02070309020205020404" pitchFamily="49" charset="0"/>
+                <a:cs typeface="Courier New" panose="02070309020205020404" pitchFamily="49" charset="0"/>
+              </a:rPr>
+              <a:t>instance</a:t>
+            </a:r>
+          </a:p>
+          <a:p>
+            <a:r>
+              <a:rPr lang="en-US" sz="3200" b="1" dirty="0" smtClean="0">
+                <a:solidFill>
+                  <a:srgbClr val="000080"/>
+                </a:solidFill>
+                <a:latin typeface="Courier New" panose="02070309020205020404" pitchFamily="49" charset="0"/>
+                <a:cs typeface="Courier New" panose="02070309020205020404" pitchFamily="49" charset="0"/>
+              </a:rPr>
               <a:t>	</a:t>
             </a:r>
             <a:r>
-              <a:rPr lang="en-US" sz="3600" b="1" dirty="0" smtClean="0">
+              <a:rPr lang="en-US" sz="3200" b="1" dirty="0" smtClean="0">
                 <a:solidFill>
                   <a:srgbClr val="008000"/>
                 </a:solidFill>
@@ -20320,13 +20997,13 @@
               <a:t>return </a:t>
             </a:r>
             <a:r>
-              <a:rPr lang="en-US" sz="3600" dirty="0" smtClean="0">
+              <a:rPr lang="en-US" sz="3200" dirty="0" smtClean="0">
                 <a:latin typeface="Courier New" panose="02070309020205020404" pitchFamily="49" charset="0"/>
                 <a:cs typeface="Courier New" panose="02070309020205020404" pitchFamily="49" charset="0"/>
               </a:rPr>
               <a:t>inner</a:t>
             </a:r>
-            <a:endParaRPr lang="en-US" sz="3600" dirty="0">
+            <a:endParaRPr lang="en-US" sz="3200" dirty="0">
               <a:latin typeface="Courier New" panose="02070309020205020404" pitchFamily="49" charset="0"/>
               <a:cs typeface="Courier New" panose="02070309020205020404" pitchFamily="49" charset="0"/>
             </a:endParaRPr>
@@ -20335,297 +21012,806 @@
       </p:sp>
       <p:sp>
         <p:nvSpPr>
-          <p:cNvPr id="3" name="Rectangle 2"/>
-          <p:cNvSpPr/>
+          <p:cNvPr id="5" name="Rectangle 2"/>
+          <p:cNvSpPr>
+            <a:spLocks noChangeArrowheads="1"/>
+          </p:cNvSpPr>
           <p:nvPr/>
         </p:nvSpPr>
-        <p:spPr>
+        <p:spPr bwMode="auto">
           <a:xfrm>
-            <a:off x="334829" y="2286000"/>
-            <a:ext cx="8128000" cy="4524315"/>
+            <a:off x="235974" y="3634800"/>
+            <a:ext cx="6221270" cy="5509200"/>
           </a:xfrm>
           <a:prstGeom prst="rect">
             <a:avLst/>
           </a:prstGeom>
+          <a:solidFill>
+            <a:srgbClr val="FFFFFF"/>
+          </a:solidFill>
+          <a:ln>
+            <a:noFill/>
+          </a:ln>
+          <a:effectLst/>
+          <a:extLst>
+            <a:ext uri="{91240B29-F687-4F45-9708-019B960494DF}">
+              <a14:hiddenLine xmlns:a14="http://schemas.microsoft.com/office/drawing/2010/main" w="9525">
+                <a:solidFill>
+                  <a:schemeClr val="tx1"/>
+                </a:solidFill>
+                <a:miter lim="800000"/>
+                <a:headEnd/>
+                <a:tailEnd/>
+              </a14:hiddenLine>
+            </a:ext>
+            <a:ext uri="{AF507438-7753-43E0-B8FC-AC1667EBCBE1}">
+              <a14:hiddenEffects xmlns:a14="http://schemas.microsoft.com/office/drawing/2010/main">
+                <a:effectLst>
+                  <a:outerShdw dist="35921" dir="2700000" algn="ctr" rotWithShape="0">
+                    <a:schemeClr val="bg2"/>
+                  </a:outerShdw>
+                </a:effectLst>
+              </a14:hiddenEffects>
+            </a:ext>
+          </a:extLst>
         </p:spPr>
         <p:txBody>
-          <a:bodyPr>
+          <a:bodyPr vert="horz" wrap="square" lIns="91440" tIns="45720" rIns="91440" bIns="45720" numCol="1" anchor="ctr" anchorCtr="0" compatLnSpc="1">
+            <a:prstTxWarp prst="textNoShape">
+              <a:avLst/>
+            </a:prstTxWarp>
             <a:spAutoFit/>
           </a:bodyPr>
           <a:lstStyle/>
           <a:p>
-            <a:pPr lvl="0"/>
-            <a:r>
-              <a:rPr lang="en-US" sz="3600" b="1" dirty="0">
+            <a:pPr lvl="0" eaLnBrk="0" fontAlgn="base" hangingPunct="0">
+              <a:spcBef>
+                <a:spcPct val="0"/>
+              </a:spcBef>
+              <a:spcAft>
+                <a:spcPct val="0"/>
+              </a:spcAft>
+            </a:pPr>
+            <a:r>
+              <a:rPr lang="en-US" sz="3200" b="1" dirty="0">
                 <a:solidFill>
                   <a:srgbClr val="000080"/>
                 </a:solidFill>
+                <a:latin typeface="Arial" panose="020B0604020202020204" pitchFamily="34" charset="0"/>
+                <a:cs typeface="Arial" panose="020B0604020202020204" pitchFamily="34" charset="0"/>
+              </a:rPr>
+              <a:t>&gt;&gt;&gt; </a:t>
+            </a:r>
+            <a:r>
+              <a:rPr kumimoji="0" lang="ru-RU" altLang="ru-RU" sz="3200" b="0" i="0" u="none" strike="noStrike" cap="none" normalizeH="0" baseline="0" dirty="0" smtClean="0">
+                <a:ln>
+                  <a:noFill/>
+                </a:ln>
+                <a:solidFill>
+                  <a:srgbClr val="000000"/>
+                </a:solidFill>
+                <a:effectLst/>
                 <a:latin typeface="Courier New" panose="02070309020205020404" pitchFamily="49" charset="0"/>
                 <a:cs typeface="Courier New" panose="02070309020205020404" pitchFamily="49" charset="0"/>
               </a:rPr>
-              <a:t>&gt;&gt;&gt; </a:t>
-            </a:r>
-            <a:r>
-              <a:rPr lang="en-US" sz="3600" dirty="0">
-                <a:solidFill>
-                  <a:srgbClr val="AC21FF"/>
-                </a:solidFill>
-                <a:latin typeface="Courier New" panose="02070309020205020404" pitchFamily="49" charset="0"/>
-                <a:cs typeface="Courier New" panose="02070309020205020404" pitchFamily="49" charset="0"/>
-              </a:rPr>
-              <a:t>@singleton</a:t>
-            </a:r>
+              <a:t>foo = Foo()</a:t>
+            </a:r>
+            <a:endParaRPr lang="en-US" altLang="ru-RU" sz="3200" dirty="0">
+              <a:latin typeface="Courier New" panose="02070309020205020404" pitchFamily="49" charset="0"/>
+              <a:cs typeface="Courier New" panose="02070309020205020404" pitchFamily="49" charset="0"/>
+            </a:endParaRPr>
           </a:p>
           <a:p>
-            <a:pPr lvl="0"/>
-            <a:r>
-              <a:rPr lang="en-US" sz="3600" b="1" dirty="0">
+            <a:pPr lvl="0" eaLnBrk="0" fontAlgn="base" hangingPunct="0">
+              <a:spcBef>
+                <a:spcPct val="0"/>
+              </a:spcBef>
+              <a:spcAft>
+                <a:spcPct val="0"/>
+              </a:spcAft>
+            </a:pPr>
+            <a:r>
+              <a:rPr lang="en-US" sz="3200" b="1" dirty="0" smtClean="0">
                 <a:solidFill>
                   <a:srgbClr val="000080"/>
                 </a:solidFill>
+                <a:latin typeface="Arial" panose="020B0604020202020204" pitchFamily="34" charset="0"/>
+                <a:cs typeface="Arial" panose="020B0604020202020204" pitchFamily="34" charset="0"/>
+              </a:rPr>
+              <a:t>&gt;&gt;&gt; </a:t>
+            </a:r>
+            <a:r>
+              <a:rPr kumimoji="0" lang="ru-RU" altLang="ru-RU" sz="3200" b="0" i="0" u="none" strike="noStrike" cap="none" normalizeH="0" baseline="0" dirty="0" smtClean="0">
+                <a:ln>
+                  <a:noFill/>
+                </a:ln>
+                <a:solidFill>
+                  <a:srgbClr val="000080"/>
+                </a:solidFill>
+                <a:effectLst/>
                 <a:latin typeface="Courier New" panose="02070309020205020404" pitchFamily="49" charset="0"/>
                 <a:cs typeface="Courier New" panose="02070309020205020404" pitchFamily="49" charset="0"/>
               </a:rPr>
-              <a:t>... </a:t>
-            </a:r>
-            <a:r>
-              <a:rPr lang="en-US" sz="3600" b="1" dirty="0">
-                <a:solidFill>
-                  <a:srgbClr val="008000"/>
-                </a:solidFill>
+              <a:t>print</a:t>
+            </a:r>
+            <a:r>
+              <a:rPr kumimoji="0" lang="ru-RU" altLang="ru-RU" sz="3200" b="0" i="0" u="none" strike="noStrike" cap="none" normalizeH="0" baseline="0" dirty="0" smtClean="0">
+                <a:ln>
+                  <a:noFill/>
+                </a:ln>
+                <a:solidFill>
+                  <a:srgbClr val="000000"/>
+                </a:solidFill>
+                <a:effectLst/>
                 <a:latin typeface="Courier New" panose="02070309020205020404" pitchFamily="49" charset="0"/>
                 <a:cs typeface="Courier New" panose="02070309020205020404" pitchFamily="49" charset="0"/>
               </a:rPr>
-              <a:t>class </a:t>
-            </a:r>
-            <a:r>
-              <a:rPr lang="en-US" sz="3600" b="1" dirty="0" err="1">
-                <a:solidFill>
-                  <a:srgbClr val="0000FF"/>
-                </a:solidFill>
-                <a:latin typeface="Courier New" panose="02070309020205020404" pitchFamily="49" charset="0"/>
-                <a:cs typeface="Courier New" panose="02070309020205020404" pitchFamily="49" charset="0"/>
-              </a:rPr>
-              <a:t>Noop</a:t>
-            </a:r>
-            <a:r>
-              <a:rPr lang="en-US" sz="3600" dirty="0">
-                <a:latin typeface="Courier New" panose="02070309020205020404" pitchFamily="49" charset="0"/>
-                <a:cs typeface="Courier New" panose="02070309020205020404" pitchFamily="49" charset="0"/>
-              </a:rPr>
-              <a:t>:</a:t>
-            </a:r>
+              <a:t>(foo.foo)</a:t>
+            </a:r>
+            <a:endParaRPr kumimoji="0" lang="en-US" altLang="ru-RU" sz="3200" b="0" i="0" u="none" strike="noStrike" cap="none" normalizeH="0" baseline="0" dirty="0" smtClean="0">
+              <a:ln>
+                <a:noFill/>
+              </a:ln>
+              <a:solidFill>
+                <a:srgbClr val="000000"/>
+              </a:solidFill>
+              <a:effectLst/>
+              <a:latin typeface="Courier New" panose="02070309020205020404" pitchFamily="49" charset="0"/>
+              <a:cs typeface="Courier New" panose="02070309020205020404" pitchFamily="49" charset="0"/>
+            </a:endParaRPr>
           </a:p>
           <a:p>
-            <a:pPr lvl="0"/>
-            <a:r>
-              <a:rPr lang="en-US" sz="3600" b="1" dirty="0">
+            <a:pPr lvl="0" eaLnBrk="0" fontAlgn="base" hangingPunct="0">
+              <a:spcBef>
+                <a:spcPct val="0"/>
+              </a:spcBef>
+              <a:spcAft>
+                <a:spcPct val="0"/>
+              </a:spcAft>
+            </a:pPr>
+            <a:r>
+              <a:rPr lang="en-US" altLang="ru-RU" sz="3200" b="1" dirty="0">
+                <a:solidFill>
+                  <a:schemeClr val="tx2">
+                    <a:lumMod val="50000"/>
+                    <a:lumOff val="50000"/>
+                  </a:schemeClr>
+                </a:solidFill>
+                <a:latin typeface="Courier New" panose="02070309020205020404" pitchFamily="49" charset="0"/>
+                <a:cs typeface="Courier New" panose="02070309020205020404" pitchFamily="49" charset="0"/>
+              </a:rPr>
+              <a:t>f</a:t>
+            </a:r>
+            <a:r>
+              <a:rPr lang="en-US" altLang="ru-RU" sz="3200" b="1" dirty="0" smtClean="0">
+                <a:solidFill>
+                  <a:schemeClr val="tx2">
+                    <a:lumMod val="50000"/>
+                    <a:lumOff val="50000"/>
+                  </a:schemeClr>
+                </a:solidFill>
+                <a:latin typeface="Courier New" panose="02070309020205020404" pitchFamily="49" charset="0"/>
+                <a:cs typeface="Courier New" panose="02070309020205020404" pitchFamily="49" charset="0"/>
+              </a:rPr>
+              <a:t>oo</a:t>
+            </a:r>
+          </a:p>
+          <a:p>
+            <a:pPr lvl="0" eaLnBrk="0" fontAlgn="base" hangingPunct="0">
+              <a:spcBef>
+                <a:spcPct val="0"/>
+              </a:spcBef>
+              <a:spcAft>
+                <a:spcPct val="0"/>
+              </a:spcAft>
+            </a:pPr>
+            <a:r>
+              <a:rPr lang="en-US" sz="3200" b="1" dirty="0" smtClean="0">
                 <a:solidFill>
                   <a:srgbClr val="000080"/>
                 </a:solidFill>
+                <a:latin typeface="Arial" panose="020B0604020202020204" pitchFamily="34" charset="0"/>
+                <a:cs typeface="Arial" panose="020B0604020202020204" pitchFamily="34" charset="0"/>
+              </a:rPr>
+              <a:t>&gt;&gt;&gt; </a:t>
+            </a:r>
+            <a:r>
+              <a:rPr lang="ru-RU" altLang="ru-RU" sz="3200" dirty="0">
+                <a:solidFill>
+                  <a:srgbClr val="000080"/>
+                </a:solidFill>
                 <a:latin typeface="Courier New" panose="02070309020205020404" pitchFamily="49" charset="0"/>
                 <a:cs typeface="Courier New" panose="02070309020205020404" pitchFamily="49" charset="0"/>
               </a:rPr>
-              <a:t>... </a:t>
-            </a:r>
-            <a:r>
-              <a:rPr lang="ru-RU" sz="3600" b="1" dirty="0" smtClean="0">
+              <a:t>print</a:t>
+            </a:r>
+            <a:r>
+              <a:rPr lang="ru-RU" altLang="ru-RU" sz="3200" dirty="0">
+                <a:latin typeface="Courier New" panose="02070309020205020404" pitchFamily="49" charset="0"/>
+                <a:cs typeface="Courier New" panose="02070309020205020404" pitchFamily="49" charset="0"/>
+              </a:rPr>
+              <a:t>(</a:t>
+            </a:r>
+            <a:r>
+              <a:rPr lang="ru-RU" altLang="ru-RU" sz="3200" dirty="0">
                 <a:solidFill>
                   <a:srgbClr val="000080"/>
                 </a:solidFill>
                 <a:latin typeface="Courier New" panose="02070309020205020404" pitchFamily="49" charset="0"/>
                 <a:cs typeface="Courier New" panose="02070309020205020404" pitchFamily="49" charset="0"/>
               </a:rPr>
-              <a:t>	</a:t>
-            </a:r>
-            <a:r>
-              <a:rPr lang="en-US" sz="3600" dirty="0" smtClean="0">
-                <a:solidFill>
-                  <a:srgbClr val="BB2121"/>
-                </a:solidFill>
+              <a:t>id</a:t>
+            </a:r>
+            <a:r>
+              <a:rPr lang="ru-RU" altLang="ru-RU" sz="3200" dirty="0">
                 <a:latin typeface="Courier New" panose="02070309020205020404" pitchFamily="49" charset="0"/>
                 <a:cs typeface="Courier New" panose="02070309020205020404" pitchFamily="49" charset="0"/>
               </a:rPr>
-              <a:t>"</a:t>
-            </a:r>
-            <a:r>
-              <a:rPr lang="en-US" sz="3600" dirty="0">
-                <a:solidFill>
-                  <a:srgbClr val="BB2121"/>
-                </a:solidFill>
+              <a:t>(foo</a:t>
+            </a:r>
+            <a:r>
+              <a:rPr lang="ru-RU" altLang="ru-RU" sz="3200" dirty="0" smtClean="0">
                 <a:latin typeface="Courier New" panose="02070309020205020404" pitchFamily="49" charset="0"/>
                 <a:cs typeface="Courier New" panose="02070309020205020404" pitchFamily="49" charset="0"/>
               </a:rPr>
-              <a:t>I do </a:t>
-            </a:r>
-            <a:r>
-              <a:rPr lang="en-US" sz="3600" dirty="0" smtClean="0">
-                <a:solidFill>
-                  <a:srgbClr val="BB2121"/>
+              <a:t>))</a:t>
+            </a:r>
+            <a:endParaRPr lang="en-US" altLang="ru-RU" sz="3200" dirty="0">
+              <a:latin typeface="Courier New" panose="02070309020205020404" pitchFamily="49" charset="0"/>
+              <a:cs typeface="Courier New" panose="02070309020205020404" pitchFamily="49" charset="0"/>
+            </a:endParaRPr>
+          </a:p>
+          <a:p>
+            <a:pPr lvl="0" eaLnBrk="0" fontAlgn="base" hangingPunct="0">
+              <a:spcBef>
+                <a:spcPct val="0"/>
+              </a:spcBef>
+              <a:spcAft>
+                <a:spcPct val="0"/>
+              </a:spcAft>
+            </a:pPr>
+            <a:r>
+              <a:rPr lang="ru-RU" altLang="ru-RU" sz="3200" b="1" dirty="0" smtClean="0">
+                <a:solidFill>
+                  <a:schemeClr val="tx2">
+                    <a:lumMod val="50000"/>
+                    <a:lumOff val="50000"/>
+                  </a:schemeClr>
                 </a:solidFill>
                 <a:latin typeface="Courier New" panose="02070309020205020404" pitchFamily="49" charset="0"/>
                 <a:cs typeface="Courier New" panose="02070309020205020404" pitchFamily="49" charset="0"/>
               </a:rPr>
-              <a:t>nothing."</a:t>
-            </a:r>
-            <a:endParaRPr lang="en-US" sz="3600" dirty="0">
+              <a:t>21259344</a:t>
+            </a:r>
+            <a:endParaRPr lang="en-US" altLang="ru-RU" sz="3200" b="1" dirty="0" smtClean="0">
               <a:solidFill>
-                <a:srgbClr val="BB2121"/>
+                <a:schemeClr val="tx2">
+                  <a:lumMod val="50000"/>
+                  <a:lumOff val="50000"/>
+                </a:schemeClr>
               </a:solidFill>
               <a:latin typeface="Courier New" panose="02070309020205020404" pitchFamily="49" charset="0"/>
               <a:cs typeface="Courier New" panose="02070309020205020404" pitchFamily="49" charset="0"/>
             </a:endParaRPr>
           </a:p>
           <a:p>
-            <a:pPr lvl="0"/>
-            <a:r>
-              <a:rPr lang="ru-RU" sz="3600" b="1" dirty="0" smtClean="0">
+            <a:pPr lvl="0" eaLnBrk="0" fontAlgn="base" hangingPunct="0">
+              <a:spcBef>
+                <a:spcPct val="0"/>
+              </a:spcBef>
+              <a:spcAft>
+                <a:spcPct val="0"/>
+              </a:spcAft>
+            </a:pPr>
+            <a:r>
+              <a:rPr lang="en-US" sz="3200" b="1" dirty="0" smtClean="0">
                 <a:solidFill>
                   <a:srgbClr val="000080"/>
                 </a:solidFill>
+                <a:latin typeface="Arial" panose="020B0604020202020204" pitchFamily="34" charset="0"/>
+                <a:cs typeface="Arial" panose="020B0604020202020204" pitchFamily="34" charset="0"/>
+              </a:rPr>
+              <a:t>&gt;&gt;&gt; </a:t>
+            </a:r>
+            <a:r>
+              <a:rPr lang="ru-RU" altLang="ru-RU" sz="3200" dirty="0">
                 <a:latin typeface="Courier New" panose="02070309020205020404" pitchFamily="49" charset="0"/>
                 <a:cs typeface="Courier New" panose="02070309020205020404" pitchFamily="49" charset="0"/>
               </a:rPr>
-              <a:t>...		</a:t>
-            </a:r>
-            <a:r>
-              <a:rPr lang="en-US" sz="3600" b="1" dirty="0" smtClean="0">
-                <a:solidFill>
-                  <a:srgbClr val="000080"/>
+              <a:t>foo.foo = </a:t>
+            </a:r>
+            <a:r>
+              <a:rPr lang="ru-RU" altLang="ru-RU" sz="3200" b="1" dirty="0">
+                <a:solidFill>
+                  <a:srgbClr val="008080"/>
                 </a:solidFill>
                 <a:latin typeface="Courier New" panose="02070309020205020404" pitchFamily="49" charset="0"/>
                 <a:cs typeface="Courier New" panose="02070309020205020404" pitchFamily="49" charset="0"/>
               </a:rPr>
-              <a:t>pass</a:t>
-            </a:r>
-            <a:endParaRPr lang="ru-RU" sz="3600" b="1" dirty="0">
+              <a:t>"</a:t>
+            </a:r>
+            <a:r>
+              <a:rPr lang="ru-RU" altLang="ru-RU" sz="3200" b="1" dirty="0" smtClean="0">
+                <a:solidFill>
+                  <a:srgbClr val="008080"/>
+                </a:solidFill>
+                <a:latin typeface="Courier New" panose="02070309020205020404" pitchFamily="49" charset="0"/>
+                <a:cs typeface="Courier New" panose="02070309020205020404" pitchFamily="49" charset="0"/>
+              </a:rPr>
+              <a:t>boo“</a:t>
+            </a:r>
+            <a:endParaRPr lang="en-US" altLang="ru-RU" sz="3200" b="1" dirty="0" smtClean="0">
               <a:solidFill>
-                <a:srgbClr val="000080"/>
+                <a:srgbClr val="008080"/>
               </a:solidFill>
               <a:latin typeface="Courier New" panose="02070309020205020404" pitchFamily="49" charset="0"/>
               <a:cs typeface="Courier New" panose="02070309020205020404" pitchFamily="49" charset="0"/>
             </a:endParaRPr>
           </a:p>
           <a:p>
-            <a:pPr lvl="0"/>
-            <a:r>
-              <a:rPr lang="en-US" sz="3600" b="1" dirty="0">
+            <a:pPr lvl="0" eaLnBrk="0" fontAlgn="base" hangingPunct="0">
+              <a:spcBef>
+                <a:spcPct val="0"/>
+              </a:spcBef>
+              <a:spcAft>
+                <a:spcPct val="0"/>
+              </a:spcAft>
+            </a:pPr>
+            <a:r>
+              <a:rPr lang="en-US" sz="3200" b="1" dirty="0" smtClean="0">
                 <a:solidFill>
                   <a:srgbClr val="000080"/>
                 </a:solidFill>
+                <a:latin typeface="Arial" panose="020B0604020202020204" pitchFamily="34" charset="0"/>
+                <a:cs typeface="Arial" panose="020B0604020202020204" pitchFamily="34" charset="0"/>
+              </a:rPr>
+              <a:t>&gt;&gt;&gt; </a:t>
+            </a:r>
+            <a:r>
+              <a:rPr lang="ru-RU" altLang="ru-RU" sz="3200" dirty="0">
                 <a:latin typeface="Courier New" panose="02070309020205020404" pitchFamily="49" charset="0"/>
                 <a:cs typeface="Courier New" panose="02070309020205020404" pitchFamily="49" charset="0"/>
               </a:rPr>
-              <a:t>&gt;&gt;&gt; </a:t>
-            </a:r>
-            <a:r>
-              <a:rPr lang="en-US" sz="3600" dirty="0">
-                <a:solidFill>
-                  <a:srgbClr val="008000"/>
-                </a:solidFill>
+              <a:t>boo = Foo</a:t>
+            </a:r>
+            <a:r>
+              <a:rPr lang="ru-RU" altLang="ru-RU" sz="3200" dirty="0" smtClean="0">
                 <a:latin typeface="Courier New" panose="02070309020205020404" pitchFamily="49" charset="0"/>
                 <a:cs typeface="Courier New" panose="02070309020205020404" pitchFamily="49" charset="0"/>
               </a:rPr>
-              <a:t>id</a:t>
-            </a:r>
-            <a:r>
-              <a:rPr lang="en-US" sz="3600" dirty="0">
-                <a:latin typeface="Courier New" panose="02070309020205020404" pitchFamily="49" charset="0"/>
-                <a:cs typeface="Courier New" panose="02070309020205020404" pitchFamily="49" charset="0"/>
-              </a:rPr>
-              <a:t>(</a:t>
-            </a:r>
-            <a:r>
-              <a:rPr lang="en-US" sz="3600" dirty="0" err="1">
-                <a:latin typeface="Courier New" panose="02070309020205020404" pitchFamily="49" charset="0"/>
-                <a:cs typeface="Courier New" panose="02070309020205020404" pitchFamily="49" charset="0"/>
-              </a:rPr>
-              <a:t>Noop</a:t>
-            </a:r>
-            <a:r>
-              <a:rPr lang="en-US" sz="3600" dirty="0">
-                <a:latin typeface="Courier New" panose="02070309020205020404" pitchFamily="49" charset="0"/>
-                <a:cs typeface="Courier New" panose="02070309020205020404" pitchFamily="49" charset="0"/>
-              </a:rPr>
-              <a:t>())</a:t>
-            </a:r>
+              <a:t>()</a:t>
+            </a:r>
+            <a:endParaRPr lang="en-US" altLang="ru-RU" sz="3200" dirty="0">
+              <a:latin typeface="Courier New" panose="02070309020205020404" pitchFamily="49" charset="0"/>
+              <a:cs typeface="Courier New" panose="02070309020205020404" pitchFamily="49" charset="0"/>
+            </a:endParaRPr>
           </a:p>
           <a:p>
-            <a:pPr lvl="0"/>
-            <a:r>
-              <a:rPr lang="ru-RU" sz="3600" dirty="0">
-                <a:solidFill>
-                  <a:srgbClr val="888888"/>
+            <a:pPr lvl="0" eaLnBrk="0" fontAlgn="base" hangingPunct="0">
+              <a:spcBef>
+                <a:spcPct val="0"/>
+              </a:spcBef>
+              <a:spcAft>
+                <a:spcPct val="0"/>
+              </a:spcAft>
+            </a:pPr>
+            <a:r>
+              <a:rPr lang="en-US" sz="3200" b="1" dirty="0" smtClean="0">
+                <a:solidFill>
+                  <a:srgbClr val="000080"/>
+                </a:solidFill>
+                <a:latin typeface="Arial" panose="020B0604020202020204" pitchFamily="34" charset="0"/>
+                <a:cs typeface="Arial" panose="020B0604020202020204" pitchFamily="34" charset="0"/>
+              </a:rPr>
+              <a:t>&gt;&gt;&gt; </a:t>
+            </a:r>
+            <a:r>
+              <a:rPr lang="ru-RU" altLang="ru-RU" sz="3200" dirty="0">
+                <a:solidFill>
+                  <a:srgbClr val="000080"/>
                 </a:solidFill>
                 <a:latin typeface="Courier New" panose="02070309020205020404" pitchFamily="49" charset="0"/>
                 <a:cs typeface="Courier New" panose="02070309020205020404" pitchFamily="49" charset="0"/>
               </a:rPr>
-              <a:t>4383371952</a:t>
-            </a:r>
+              <a:t>print</a:t>
+            </a:r>
+            <a:r>
+              <a:rPr lang="ru-RU" altLang="ru-RU" sz="3200" dirty="0">
+                <a:latin typeface="Courier New" panose="02070309020205020404" pitchFamily="49" charset="0"/>
+                <a:cs typeface="Courier New" panose="02070309020205020404" pitchFamily="49" charset="0"/>
+              </a:rPr>
+              <a:t>(boo.foo)</a:t>
+            </a:r>
+            <a:endParaRPr lang="en-US" altLang="ru-RU" sz="3200" dirty="0">
+              <a:latin typeface="Courier New" panose="02070309020205020404" pitchFamily="49" charset="0"/>
+              <a:cs typeface="Courier New" panose="02070309020205020404" pitchFamily="49" charset="0"/>
+            </a:endParaRPr>
           </a:p>
           <a:p>
-            <a:pPr lvl="0"/>
-            <a:r>
-              <a:rPr lang="en-US" sz="3600" b="1" dirty="0">
-                <a:solidFill>
-                  <a:srgbClr val="000080"/>
+            <a:pPr lvl="0" eaLnBrk="0" fontAlgn="base" hangingPunct="0">
+              <a:spcBef>
+                <a:spcPct val="0"/>
+              </a:spcBef>
+              <a:spcAft>
+                <a:spcPct val="0"/>
+              </a:spcAft>
+            </a:pPr>
+            <a:r>
+              <a:rPr lang="en-US" altLang="ru-RU" sz="3200" b="1" dirty="0">
+                <a:solidFill>
+                  <a:schemeClr val="tx2">
+                    <a:lumMod val="50000"/>
+                    <a:lumOff val="50000"/>
+                  </a:schemeClr>
                 </a:solidFill>
                 <a:latin typeface="Courier New" panose="02070309020205020404" pitchFamily="49" charset="0"/>
                 <a:cs typeface="Courier New" panose="02070309020205020404" pitchFamily="49" charset="0"/>
               </a:rPr>
-              <a:t>&gt;&gt;&gt; </a:t>
-            </a:r>
-            <a:r>
-              <a:rPr lang="en-US" sz="3600" dirty="0">
-                <a:solidFill>
-                  <a:srgbClr val="008000"/>
+              <a:t>b</a:t>
+            </a:r>
+            <a:r>
+              <a:rPr lang="en-US" altLang="ru-RU" sz="3200" b="1" dirty="0" smtClean="0">
+                <a:solidFill>
+                  <a:schemeClr val="tx2">
+                    <a:lumMod val="50000"/>
+                    <a:lumOff val="50000"/>
+                  </a:schemeClr>
                 </a:solidFill>
                 <a:latin typeface="Courier New" panose="02070309020205020404" pitchFamily="49" charset="0"/>
                 <a:cs typeface="Courier New" panose="02070309020205020404" pitchFamily="49" charset="0"/>
               </a:rPr>
-              <a:t>id</a:t>
-            </a:r>
-            <a:r>
-              <a:rPr lang="en-US" sz="3600" dirty="0">
-                <a:latin typeface="Courier New" panose="02070309020205020404" pitchFamily="49" charset="0"/>
-                <a:cs typeface="Courier New" panose="02070309020205020404" pitchFamily="49" charset="0"/>
-              </a:rPr>
-              <a:t>(</a:t>
-            </a:r>
-            <a:r>
-              <a:rPr lang="en-US" sz="3600" dirty="0" err="1">
-                <a:latin typeface="Courier New" panose="02070309020205020404" pitchFamily="49" charset="0"/>
-                <a:cs typeface="Courier New" panose="02070309020205020404" pitchFamily="49" charset="0"/>
-              </a:rPr>
-              <a:t>Noop</a:t>
-            </a:r>
-            <a:r>
-              <a:rPr lang="en-US" sz="3600" dirty="0">
-                <a:latin typeface="Courier New" panose="02070309020205020404" pitchFamily="49" charset="0"/>
-                <a:cs typeface="Courier New" panose="02070309020205020404" pitchFamily="49" charset="0"/>
-              </a:rPr>
-              <a:t>())</a:t>
+              <a:t>oo</a:t>
             </a:r>
           </a:p>
           <a:p>
-            <a:pPr lvl="0"/>
-            <a:r>
-              <a:rPr lang="ru-RU" sz="3600" dirty="0">
-                <a:solidFill>
-                  <a:srgbClr val="888888"/>
+            <a:pPr lvl="0" eaLnBrk="0" fontAlgn="base" hangingPunct="0">
+              <a:spcBef>
+                <a:spcPct val="0"/>
+              </a:spcBef>
+              <a:spcAft>
+                <a:spcPct val="0"/>
+              </a:spcAft>
+            </a:pPr>
+            <a:r>
+              <a:rPr lang="en-US" sz="3200" b="1" dirty="0">
+                <a:solidFill>
+                  <a:srgbClr val="000080"/>
+                </a:solidFill>
+                <a:latin typeface="Arial" panose="020B0604020202020204" pitchFamily="34" charset="0"/>
+                <a:cs typeface="Arial" panose="020B0604020202020204" pitchFamily="34" charset="0"/>
+              </a:rPr>
+              <a:t>&gt;&gt;&gt; </a:t>
+            </a:r>
+            <a:r>
+              <a:rPr lang="ru-RU" altLang="ru-RU" sz="3200" dirty="0">
+                <a:solidFill>
+                  <a:srgbClr val="000080"/>
                 </a:solidFill>
                 <a:latin typeface="Courier New" panose="02070309020205020404" pitchFamily="49" charset="0"/>
                 <a:cs typeface="Courier New" panose="02070309020205020404" pitchFamily="49" charset="0"/>
               </a:rPr>
-              <a:t>4383371952</a:t>
-            </a:r>
-            <a:endParaRPr lang="ru-RU" sz="3600" dirty="0">
+              <a:t>print</a:t>
+            </a:r>
+            <a:r>
+              <a:rPr lang="ru-RU" altLang="ru-RU" sz="3200" dirty="0">
+                <a:latin typeface="Courier New" panose="02070309020205020404" pitchFamily="49" charset="0"/>
+                <a:cs typeface="Courier New" panose="02070309020205020404" pitchFamily="49" charset="0"/>
+              </a:rPr>
+              <a:t>(</a:t>
+            </a:r>
+            <a:r>
+              <a:rPr lang="ru-RU" altLang="ru-RU" sz="3200" dirty="0">
+                <a:solidFill>
+                  <a:srgbClr val="000080"/>
+                </a:solidFill>
+                <a:latin typeface="Courier New" panose="02070309020205020404" pitchFamily="49" charset="0"/>
+                <a:cs typeface="Courier New" panose="02070309020205020404" pitchFamily="49" charset="0"/>
+              </a:rPr>
+              <a:t>id</a:t>
+            </a:r>
+            <a:r>
+              <a:rPr lang="ru-RU" altLang="ru-RU" sz="3200" dirty="0">
+                <a:latin typeface="Courier New" panose="02070309020205020404" pitchFamily="49" charset="0"/>
+                <a:cs typeface="Courier New" panose="02070309020205020404" pitchFamily="49" charset="0"/>
+              </a:rPr>
+              <a:t>(boo))</a:t>
+            </a:r>
+            <a:endParaRPr lang="en-US" altLang="ru-RU" sz="3200" dirty="0">
+              <a:latin typeface="Courier New" panose="02070309020205020404" pitchFamily="49" charset="0"/>
+              <a:cs typeface="Courier New" panose="02070309020205020404" pitchFamily="49" charset="0"/>
+            </a:endParaRPr>
+          </a:p>
+          <a:p>
+            <a:pPr lvl="0" eaLnBrk="0" fontAlgn="base" hangingPunct="0">
+              <a:spcBef>
+                <a:spcPct val="0"/>
+              </a:spcBef>
+              <a:spcAft>
+                <a:spcPct val="0"/>
+              </a:spcAft>
+            </a:pPr>
+            <a:r>
+              <a:rPr lang="ru-RU" altLang="ru-RU" sz="3200" b="1" dirty="0" smtClean="0">
+                <a:solidFill>
+                  <a:schemeClr val="tx2">
+                    <a:lumMod val="50000"/>
+                    <a:lumOff val="50000"/>
+                  </a:schemeClr>
+                </a:solidFill>
+                <a:latin typeface="Courier New" panose="02070309020205020404" pitchFamily="49" charset="0"/>
+                <a:cs typeface="Courier New" panose="02070309020205020404" pitchFamily="49" charset="0"/>
+              </a:rPr>
+              <a:t>21259344</a:t>
+            </a:r>
+            <a:endParaRPr lang="en-US" altLang="ru-RU" sz="3200" b="1" dirty="0">
+              <a:solidFill>
+                <a:schemeClr val="tx2">
+                  <a:lumMod val="50000"/>
+                  <a:lumOff val="50000"/>
+                </a:schemeClr>
+              </a:solidFill>
               <a:latin typeface="Courier New" panose="02070309020205020404" pitchFamily="49" charset="0"/>
               <a:cs typeface="Courier New" panose="02070309020205020404" pitchFamily="49" charset="0"/>
             </a:endParaRPr>
           </a:p>
         </p:txBody>
       </p:sp>
+      <p:sp>
+        <p:nvSpPr>
+          <p:cNvPr id="6" name="Rectangle 5"/>
+          <p:cNvSpPr/>
+          <p:nvPr/>
+        </p:nvSpPr>
+        <p:spPr>
+          <a:xfrm>
+            <a:off x="4979773" y="2928551"/>
+            <a:ext cx="1205305" cy="571253"/>
+          </a:xfrm>
+          <a:prstGeom prst="rect">
+            <a:avLst/>
+          </a:prstGeom>
+          <a:noFill/>
+          <a:ln w="38100" cap="flat" cmpd="sng" algn="ctr">
+            <a:solidFill>
+              <a:srgbClr val="FF0000"/>
+            </a:solidFill>
+            <a:prstDash val="solid"/>
+            <a:round/>
+            <a:headEnd type="none" w="med" len="med"/>
+            <a:tailEnd type="none" w="med" len="med"/>
+          </a:ln>
+        </p:spPr>
+        <p:style>
+          <a:lnRef idx="0">
+            <a:scrgbClr r="0" g="0" b="0"/>
+          </a:lnRef>
+          <a:fillRef idx="0">
+            <a:scrgbClr r="0" g="0" b="0"/>
+          </a:fillRef>
+          <a:effectRef idx="0">
+            <a:scrgbClr r="0" g="0" b="0"/>
+          </a:effectRef>
+          <a:fontRef idx="minor">
+            <a:schemeClr val="accent2"/>
+          </a:fontRef>
+        </p:style>
+        <p:txBody>
+          <a:bodyPr rtlCol="0" anchor="ctr"/>
+          <a:lstStyle/>
+          <a:p>
+            <a:pPr algn="ctr"/>
+            <a:endParaRPr lang="ru-RU"/>
+          </a:p>
+        </p:txBody>
+      </p:sp>
+      <p:cxnSp>
+        <p:nvCxnSpPr>
+          <p:cNvPr id="8" name="Straight Arrow Connector 7"/>
+          <p:cNvCxnSpPr>
+            <a:stCxn id="6" idx="2"/>
+          </p:cNvCxnSpPr>
+          <p:nvPr/>
+        </p:nvCxnSpPr>
+        <p:spPr>
+          <a:xfrm flipH="1">
+            <a:off x="1099751" y="3499804"/>
+            <a:ext cx="4482675" cy="1269904"/>
+          </a:xfrm>
+          <a:prstGeom prst="straightConnector1">
+            <a:avLst/>
+          </a:prstGeom>
+          <a:ln w="38100">
+            <a:solidFill>
+              <a:srgbClr val="FF0000"/>
+            </a:solidFill>
+            <a:tailEnd type="stealth"/>
+          </a:ln>
+        </p:spPr>
+        <p:style>
+          <a:lnRef idx="1">
+            <a:schemeClr val="accent1"/>
+          </a:lnRef>
+          <a:fillRef idx="0">
+            <a:schemeClr val="accent1"/>
+          </a:fillRef>
+          <a:effectRef idx="0">
+            <a:schemeClr val="accent1"/>
+          </a:effectRef>
+          <a:fontRef idx="minor">
+            <a:schemeClr val="tx1"/>
+          </a:fontRef>
+        </p:style>
+      </p:cxnSp>
+      <p:sp>
+        <p:nvSpPr>
+          <p:cNvPr id="10" name="Rectangle 9"/>
+          <p:cNvSpPr/>
+          <p:nvPr/>
+        </p:nvSpPr>
+        <p:spPr>
+          <a:xfrm>
+            <a:off x="3603410" y="6117339"/>
+            <a:ext cx="1205305" cy="571253"/>
+          </a:xfrm>
+          <a:prstGeom prst="rect">
+            <a:avLst/>
+          </a:prstGeom>
+          <a:noFill/>
+          <a:ln w="38100" cap="flat" cmpd="sng" algn="ctr">
+            <a:solidFill>
+              <a:srgbClr val="00B050"/>
+            </a:solidFill>
+            <a:prstDash val="solid"/>
+            <a:round/>
+            <a:headEnd type="none" w="med" len="med"/>
+            <a:tailEnd type="none" w="med" len="med"/>
+          </a:ln>
+        </p:spPr>
+        <p:style>
+          <a:lnRef idx="0">
+            <a:scrgbClr r="0" g="0" b="0"/>
+          </a:lnRef>
+          <a:fillRef idx="0">
+            <a:scrgbClr r="0" g="0" b="0"/>
+          </a:fillRef>
+          <a:effectRef idx="0">
+            <a:scrgbClr r="0" g="0" b="0"/>
+          </a:effectRef>
+          <a:fontRef idx="minor">
+            <a:schemeClr val="accent2"/>
+          </a:fontRef>
+        </p:style>
+        <p:txBody>
+          <a:bodyPr rtlCol="0" anchor="ctr"/>
+          <a:lstStyle/>
+          <a:p>
+            <a:pPr algn="ctr"/>
+            <a:endParaRPr lang="ru-RU"/>
+          </a:p>
+        </p:txBody>
+      </p:sp>
+      <p:cxnSp>
+        <p:nvCxnSpPr>
+          <p:cNvPr id="11" name="Straight Arrow Connector 10"/>
+          <p:cNvCxnSpPr>
+            <a:stCxn id="10" idx="2"/>
+          </p:cNvCxnSpPr>
+          <p:nvPr/>
+        </p:nvCxnSpPr>
+        <p:spPr>
+          <a:xfrm flipH="1">
+            <a:off x="1099751" y="6688592"/>
+            <a:ext cx="3106312" cy="1083808"/>
+          </a:xfrm>
+          <a:prstGeom prst="straightConnector1">
+            <a:avLst/>
+          </a:prstGeom>
+          <a:ln w="38100">
+            <a:solidFill>
+              <a:srgbClr val="00B050"/>
+            </a:solidFill>
+            <a:tailEnd type="stealth"/>
+          </a:ln>
+        </p:spPr>
+        <p:style>
+          <a:lnRef idx="1">
+            <a:schemeClr val="accent1"/>
+          </a:lnRef>
+          <a:fillRef idx="0">
+            <a:schemeClr val="accent1"/>
+          </a:fillRef>
+          <a:effectRef idx="0">
+            <a:schemeClr val="accent1"/>
+          </a:effectRef>
+          <a:fontRef idx="minor">
+            <a:schemeClr val="tx1"/>
+          </a:fontRef>
+        </p:style>
+      </p:cxnSp>
+      <p:sp>
+        <p:nvSpPr>
+          <p:cNvPr id="13" name="Rectangle 12"/>
+          <p:cNvSpPr/>
+          <p:nvPr/>
+        </p:nvSpPr>
+        <p:spPr>
+          <a:xfrm>
+            <a:off x="1760323" y="1969108"/>
+            <a:ext cx="1205305" cy="571253"/>
+          </a:xfrm>
+          <a:prstGeom prst="rect">
+            <a:avLst/>
+          </a:prstGeom>
+          <a:noFill/>
+          <a:ln w="38100" cap="flat" cmpd="sng" algn="ctr">
+            <a:solidFill>
+              <a:srgbClr val="0070C0"/>
+            </a:solidFill>
+            <a:prstDash val="solid"/>
+            <a:round/>
+            <a:headEnd type="none" w="med" len="med"/>
+            <a:tailEnd type="none" w="med" len="med"/>
+          </a:ln>
+        </p:spPr>
+        <p:style>
+          <a:lnRef idx="0">
+            <a:scrgbClr r="0" g="0" b="0"/>
+          </a:lnRef>
+          <a:fillRef idx="0">
+            <a:scrgbClr r="0" g="0" b="0"/>
+          </a:fillRef>
+          <a:effectRef idx="0">
+            <a:scrgbClr r="0" g="0" b="0"/>
+          </a:effectRef>
+          <a:fontRef idx="minor">
+            <a:schemeClr val="accent2"/>
+          </a:fontRef>
+        </p:style>
+        <p:txBody>
+          <a:bodyPr rtlCol="0" anchor="ctr"/>
+          <a:lstStyle/>
+          <a:p>
+            <a:pPr algn="ctr"/>
+            <a:endParaRPr lang="ru-RU"/>
+          </a:p>
+        </p:txBody>
+      </p:sp>
+      <p:cxnSp>
+        <p:nvCxnSpPr>
+          <p:cNvPr id="14" name="Straight Arrow Connector 13"/>
+          <p:cNvCxnSpPr/>
+          <p:nvPr/>
+        </p:nvCxnSpPr>
+        <p:spPr>
+          <a:xfrm flipV="1">
+            <a:off x="2965628" y="1834112"/>
+            <a:ext cx="6616471" cy="428441"/>
+          </a:xfrm>
+          <a:prstGeom prst="straightConnector1">
+            <a:avLst/>
+          </a:prstGeom>
+          <a:ln w="38100">
+            <a:solidFill>
+              <a:srgbClr val="0070C0"/>
+            </a:solidFill>
+            <a:tailEnd type="stealth"/>
+          </a:ln>
+        </p:spPr>
+        <p:style>
+          <a:lnRef idx="1">
+            <a:schemeClr val="accent1"/>
+          </a:lnRef>
+          <a:fillRef idx="0">
+            <a:schemeClr val="accent1"/>
+          </a:fillRef>
+          <a:effectRef idx="0">
+            <a:schemeClr val="accent1"/>
+          </a:effectRef>
+          <a:fontRef idx="minor">
+            <a:schemeClr val="tx1"/>
+          </a:fontRef>
+        </p:style>
+      </p:cxnSp>
     </p:spTree>
     <p:extLst>
       <p:ext uri="{BB962C8B-B14F-4D97-AF65-F5344CB8AC3E}">
@@ -20639,9 +21825,1357 @@
   <p:timing>
     <p:tnLst>
       <p:par>
-        <p:cTn id="1" dur="indefinite" restart="never" nodeType="tmRoot"/>
+        <p:cTn id="1" dur="indefinite" restart="never" nodeType="tmRoot">
+          <p:childTnLst>
+            <p:seq concurrent="1" nextAc="seek">
+              <p:cTn id="2" dur="indefinite" nodeType="mainSeq">
+                <p:childTnLst>
+                  <p:par>
+                    <p:cTn id="3" fill="hold">
+                      <p:stCondLst>
+                        <p:cond delay="indefinite"/>
+                      </p:stCondLst>
+                      <p:childTnLst>
+                        <p:par>
+                          <p:cTn id="4" fill="hold">
+                            <p:stCondLst>
+                              <p:cond delay="0"/>
+                            </p:stCondLst>
+                            <p:childTnLst>
+                              <p:par>
+                                <p:cTn id="5" presetID="1" presetClass="entr" presetSubtype="0" fill="hold" grpId="0" nodeType="clickEffect">
+                                  <p:stCondLst>
+                                    <p:cond delay="0"/>
+                                  </p:stCondLst>
+                                  <p:childTnLst>
+                                    <p:set>
+                                      <p:cBhvr>
+                                        <p:cTn id="6" dur="1" fill="hold">
+                                          <p:stCondLst>
+                                            <p:cond delay="0"/>
+                                          </p:stCondLst>
+                                        </p:cTn>
+                                        <p:tgtEl>
+                                          <p:spTgt spid="4"/>
+                                        </p:tgtEl>
+                                        <p:attrNameLst>
+                                          <p:attrName>style.visibility</p:attrName>
+                                        </p:attrNameLst>
+                                      </p:cBhvr>
+                                      <p:to>
+                                        <p:strVal val="visible"/>
+                                      </p:to>
+                                    </p:set>
+                                  </p:childTnLst>
+                                </p:cTn>
+                              </p:par>
+                            </p:childTnLst>
+                          </p:cTn>
+                        </p:par>
+                      </p:childTnLst>
+                    </p:cTn>
+                  </p:par>
+                  <p:par>
+                    <p:cTn id="7" fill="hold">
+                      <p:stCondLst>
+                        <p:cond delay="indefinite"/>
+                      </p:stCondLst>
+                      <p:childTnLst>
+                        <p:par>
+                          <p:cTn id="8" fill="hold">
+                            <p:stCondLst>
+                              <p:cond delay="0"/>
+                            </p:stCondLst>
+                            <p:childTnLst>
+                              <p:par>
+                                <p:cTn id="9" presetID="10" presetClass="entr" presetSubtype="0" fill="hold" nodeType="clickEffect">
+                                  <p:stCondLst>
+                                    <p:cond delay="0"/>
+                                  </p:stCondLst>
+                                  <p:childTnLst>
+                                    <p:set>
+                                      <p:cBhvr>
+                                        <p:cTn id="10" dur="1" fill="hold">
+                                          <p:stCondLst>
+                                            <p:cond delay="0"/>
+                                          </p:stCondLst>
+                                        </p:cTn>
+                                        <p:tgtEl>
+                                          <p:spTgt spid="2">
+                                            <p:txEl>
+                                              <p:pRg st="0" end="0"/>
+                                            </p:txEl>
+                                          </p:spTgt>
+                                        </p:tgtEl>
+                                        <p:attrNameLst>
+                                          <p:attrName>style.visibility</p:attrName>
+                                        </p:attrNameLst>
+                                      </p:cBhvr>
+                                      <p:to>
+                                        <p:strVal val="visible"/>
+                                      </p:to>
+                                    </p:set>
+                                    <p:animEffect transition="in" filter="fade">
+                                      <p:cBhvr>
+                                        <p:cTn id="11" dur="500"/>
+                                        <p:tgtEl>
+                                          <p:spTgt spid="2">
+                                            <p:txEl>
+                                              <p:pRg st="0" end="0"/>
+                                            </p:txEl>
+                                          </p:spTgt>
+                                        </p:tgtEl>
+                                      </p:cBhvr>
+                                    </p:animEffect>
+                                  </p:childTnLst>
+                                </p:cTn>
+                              </p:par>
+                            </p:childTnLst>
+                          </p:cTn>
+                        </p:par>
+                      </p:childTnLst>
+                    </p:cTn>
+                  </p:par>
+                  <p:par>
+                    <p:cTn id="12" fill="hold">
+                      <p:stCondLst>
+                        <p:cond delay="indefinite"/>
+                      </p:stCondLst>
+                      <p:childTnLst>
+                        <p:par>
+                          <p:cTn id="13" fill="hold">
+                            <p:stCondLst>
+                              <p:cond delay="0"/>
+                            </p:stCondLst>
+                            <p:childTnLst>
+                              <p:par>
+                                <p:cTn id="14" presetID="10" presetClass="entr" presetSubtype="0" fill="hold" nodeType="clickEffect">
+                                  <p:stCondLst>
+                                    <p:cond delay="0"/>
+                                  </p:stCondLst>
+                                  <p:childTnLst>
+                                    <p:set>
+                                      <p:cBhvr>
+                                        <p:cTn id="15" dur="1" fill="hold">
+                                          <p:stCondLst>
+                                            <p:cond delay="0"/>
+                                          </p:stCondLst>
+                                        </p:cTn>
+                                        <p:tgtEl>
+                                          <p:spTgt spid="5">
+                                            <p:txEl>
+                                              <p:pRg st="0" end="0"/>
+                                            </p:txEl>
+                                          </p:spTgt>
+                                        </p:tgtEl>
+                                        <p:attrNameLst>
+                                          <p:attrName>style.visibility</p:attrName>
+                                        </p:attrNameLst>
+                                      </p:cBhvr>
+                                      <p:to>
+                                        <p:strVal val="visible"/>
+                                      </p:to>
+                                    </p:set>
+                                    <p:animEffect transition="in" filter="fade">
+                                      <p:cBhvr>
+                                        <p:cTn id="16" dur="500"/>
+                                        <p:tgtEl>
+                                          <p:spTgt spid="5">
+                                            <p:txEl>
+                                              <p:pRg st="0" end="0"/>
+                                            </p:txEl>
+                                          </p:spTgt>
+                                        </p:tgtEl>
+                                      </p:cBhvr>
+                                    </p:animEffect>
+                                  </p:childTnLst>
+                                </p:cTn>
+                              </p:par>
+                            </p:childTnLst>
+                          </p:cTn>
+                        </p:par>
+                      </p:childTnLst>
+                    </p:cTn>
+                  </p:par>
+                  <p:par>
+                    <p:cTn id="17" fill="hold">
+                      <p:stCondLst>
+                        <p:cond delay="indefinite"/>
+                      </p:stCondLst>
+                      <p:childTnLst>
+                        <p:par>
+                          <p:cTn id="18" fill="hold">
+                            <p:stCondLst>
+                              <p:cond delay="0"/>
+                            </p:stCondLst>
+                            <p:childTnLst>
+                              <p:par>
+                                <p:cTn id="19" presetID="10" presetClass="entr" presetSubtype="0" fill="hold" nodeType="clickEffect">
+                                  <p:stCondLst>
+                                    <p:cond delay="0"/>
+                                  </p:stCondLst>
+                                  <p:childTnLst>
+                                    <p:set>
+                                      <p:cBhvr>
+                                        <p:cTn id="20" dur="1" fill="hold">
+                                          <p:stCondLst>
+                                            <p:cond delay="0"/>
+                                          </p:stCondLst>
+                                        </p:cTn>
+                                        <p:tgtEl>
+                                          <p:spTgt spid="5">
+                                            <p:txEl>
+                                              <p:pRg st="1" end="1"/>
+                                            </p:txEl>
+                                          </p:spTgt>
+                                        </p:tgtEl>
+                                        <p:attrNameLst>
+                                          <p:attrName>style.visibility</p:attrName>
+                                        </p:attrNameLst>
+                                      </p:cBhvr>
+                                      <p:to>
+                                        <p:strVal val="visible"/>
+                                      </p:to>
+                                    </p:set>
+                                    <p:animEffect transition="in" filter="fade">
+                                      <p:cBhvr>
+                                        <p:cTn id="21" dur="500"/>
+                                        <p:tgtEl>
+                                          <p:spTgt spid="5">
+                                            <p:txEl>
+                                              <p:pRg st="1" end="1"/>
+                                            </p:txEl>
+                                          </p:spTgt>
+                                        </p:tgtEl>
+                                      </p:cBhvr>
+                                    </p:animEffect>
+                                  </p:childTnLst>
+                                </p:cTn>
+                              </p:par>
+                              <p:par>
+                                <p:cTn id="22" presetID="10" presetClass="entr" presetSubtype="0" fill="hold" nodeType="withEffect">
+                                  <p:stCondLst>
+                                    <p:cond delay="0"/>
+                                  </p:stCondLst>
+                                  <p:childTnLst>
+                                    <p:set>
+                                      <p:cBhvr>
+                                        <p:cTn id="23" dur="1" fill="hold">
+                                          <p:stCondLst>
+                                            <p:cond delay="0"/>
+                                          </p:stCondLst>
+                                        </p:cTn>
+                                        <p:tgtEl>
+                                          <p:spTgt spid="5">
+                                            <p:txEl>
+                                              <p:pRg st="2" end="2"/>
+                                            </p:txEl>
+                                          </p:spTgt>
+                                        </p:tgtEl>
+                                        <p:attrNameLst>
+                                          <p:attrName>style.visibility</p:attrName>
+                                        </p:attrNameLst>
+                                      </p:cBhvr>
+                                      <p:to>
+                                        <p:strVal val="visible"/>
+                                      </p:to>
+                                    </p:set>
+                                    <p:animEffect transition="in" filter="fade">
+                                      <p:cBhvr>
+                                        <p:cTn id="24" dur="500"/>
+                                        <p:tgtEl>
+                                          <p:spTgt spid="5">
+                                            <p:txEl>
+                                              <p:pRg st="2" end="2"/>
+                                            </p:txEl>
+                                          </p:spTgt>
+                                        </p:tgtEl>
+                                      </p:cBhvr>
+                                    </p:animEffect>
+                                  </p:childTnLst>
+                                </p:cTn>
+                              </p:par>
+                            </p:childTnLst>
+                          </p:cTn>
+                        </p:par>
+                      </p:childTnLst>
+                    </p:cTn>
+                  </p:par>
+                  <p:par>
+                    <p:cTn id="25" fill="hold">
+                      <p:stCondLst>
+                        <p:cond delay="indefinite"/>
+                      </p:stCondLst>
+                      <p:childTnLst>
+                        <p:par>
+                          <p:cTn id="26" fill="hold">
+                            <p:stCondLst>
+                              <p:cond delay="0"/>
+                            </p:stCondLst>
+                            <p:childTnLst>
+                              <p:par>
+                                <p:cTn id="27" presetID="1" presetClass="entr" presetSubtype="0" fill="hold" nodeType="clickEffect">
+                                  <p:stCondLst>
+                                    <p:cond delay="0"/>
+                                  </p:stCondLst>
+                                  <p:childTnLst>
+                                    <p:set>
+                                      <p:cBhvr>
+                                        <p:cTn id="28" dur="1" fill="hold">
+                                          <p:stCondLst>
+                                            <p:cond delay="0"/>
+                                          </p:stCondLst>
+                                        </p:cTn>
+                                        <p:tgtEl>
+                                          <p:spTgt spid="8"/>
+                                        </p:tgtEl>
+                                        <p:attrNameLst>
+                                          <p:attrName>style.visibility</p:attrName>
+                                        </p:attrNameLst>
+                                      </p:cBhvr>
+                                      <p:to>
+                                        <p:strVal val="visible"/>
+                                      </p:to>
+                                    </p:set>
+                                  </p:childTnLst>
+                                </p:cTn>
+                              </p:par>
+                              <p:par>
+                                <p:cTn id="29" presetID="1" presetClass="entr" presetSubtype="0" fill="hold" grpId="0" nodeType="withEffect">
+                                  <p:stCondLst>
+                                    <p:cond delay="0"/>
+                                  </p:stCondLst>
+                                  <p:childTnLst>
+                                    <p:set>
+                                      <p:cBhvr>
+                                        <p:cTn id="30" dur="1" fill="hold">
+                                          <p:stCondLst>
+                                            <p:cond delay="0"/>
+                                          </p:stCondLst>
+                                        </p:cTn>
+                                        <p:tgtEl>
+                                          <p:spTgt spid="6"/>
+                                        </p:tgtEl>
+                                        <p:attrNameLst>
+                                          <p:attrName>style.visibility</p:attrName>
+                                        </p:attrNameLst>
+                                      </p:cBhvr>
+                                      <p:to>
+                                        <p:strVal val="visible"/>
+                                      </p:to>
+                                    </p:set>
+                                  </p:childTnLst>
+                                </p:cTn>
+                              </p:par>
+                            </p:childTnLst>
+                          </p:cTn>
+                        </p:par>
+                      </p:childTnLst>
+                    </p:cTn>
+                  </p:par>
+                  <p:par>
+                    <p:cTn id="31" fill="hold">
+                      <p:stCondLst>
+                        <p:cond delay="indefinite"/>
+                      </p:stCondLst>
+                      <p:childTnLst>
+                        <p:par>
+                          <p:cTn id="32" fill="hold">
+                            <p:stCondLst>
+                              <p:cond delay="0"/>
+                            </p:stCondLst>
+                            <p:childTnLst>
+                              <p:par>
+                                <p:cTn id="33" presetID="10" presetClass="entr" presetSubtype="0" fill="hold" nodeType="clickEffect">
+                                  <p:stCondLst>
+                                    <p:cond delay="0"/>
+                                  </p:stCondLst>
+                                  <p:childTnLst>
+                                    <p:set>
+                                      <p:cBhvr>
+                                        <p:cTn id="34" dur="1" fill="hold">
+                                          <p:stCondLst>
+                                            <p:cond delay="0"/>
+                                          </p:stCondLst>
+                                        </p:cTn>
+                                        <p:tgtEl>
+                                          <p:spTgt spid="5">
+                                            <p:txEl>
+                                              <p:pRg st="3" end="3"/>
+                                            </p:txEl>
+                                          </p:spTgt>
+                                        </p:tgtEl>
+                                        <p:attrNameLst>
+                                          <p:attrName>style.visibility</p:attrName>
+                                        </p:attrNameLst>
+                                      </p:cBhvr>
+                                      <p:to>
+                                        <p:strVal val="visible"/>
+                                      </p:to>
+                                    </p:set>
+                                    <p:animEffect transition="in" filter="fade">
+                                      <p:cBhvr>
+                                        <p:cTn id="35" dur="500"/>
+                                        <p:tgtEl>
+                                          <p:spTgt spid="5">
+                                            <p:txEl>
+                                              <p:pRg st="3" end="3"/>
+                                            </p:txEl>
+                                          </p:spTgt>
+                                        </p:tgtEl>
+                                      </p:cBhvr>
+                                    </p:animEffect>
+                                  </p:childTnLst>
+                                </p:cTn>
+                              </p:par>
+                              <p:par>
+                                <p:cTn id="36" presetID="10" presetClass="entr" presetSubtype="0" fill="hold" nodeType="withEffect">
+                                  <p:stCondLst>
+                                    <p:cond delay="0"/>
+                                  </p:stCondLst>
+                                  <p:childTnLst>
+                                    <p:set>
+                                      <p:cBhvr>
+                                        <p:cTn id="37" dur="1" fill="hold">
+                                          <p:stCondLst>
+                                            <p:cond delay="0"/>
+                                          </p:stCondLst>
+                                        </p:cTn>
+                                        <p:tgtEl>
+                                          <p:spTgt spid="5">
+                                            <p:txEl>
+                                              <p:pRg st="4" end="4"/>
+                                            </p:txEl>
+                                          </p:spTgt>
+                                        </p:tgtEl>
+                                        <p:attrNameLst>
+                                          <p:attrName>style.visibility</p:attrName>
+                                        </p:attrNameLst>
+                                      </p:cBhvr>
+                                      <p:to>
+                                        <p:strVal val="visible"/>
+                                      </p:to>
+                                    </p:set>
+                                    <p:animEffect transition="in" filter="fade">
+                                      <p:cBhvr>
+                                        <p:cTn id="38" dur="500"/>
+                                        <p:tgtEl>
+                                          <p:spTgt spid="5">
+                                            <p:txEl>
+                                              <p:pRg st="4" end="4"/>
+                                            </p:txEl>
+                                          </p:spTgt>
+                                        </p:tgtEl>
+                                      </p:cBhvr>
+                                    </p:animEffect>
+                                  </p:childTnLst>
+                                </p:cTn>
+                              </p:par>
+                            </p:childTnLst>
+                          </p:cTn>
+                        </p:par>
+                      </p:childTnLst>
+                    </p:cTn>
+                  </p:par>
+                  <p:par>
+                    <p:cTn id="39" fill="hold">
+                      <p:stCondLst>
+                        <p:cond delay="indefinite"/>
+                      </p:stCondLst>
+                      <p:childTnLst>
+                        <p:par>
+                          <p:cTn id="40" fill="hold">
+                            <p:stCondLst>
+                              <p:cond delay="0"/>
+                            </p:stCondLst>
+                            <p:childTnLst>
+                              <p:par>
+                                <p:cTn id="41" presetID="10" presetClass="entr" presetSubtype="0" fill="hold" nodeType="clickEffect">
+                                  <p:stCondLst>
+                                    <p:cond delay="0"/>
+                                  </p:stCondLst>
+                                  <p:childTnLst>
+                                    <p:set>
+                                      <p:cBhvr>
+                                        <p:cTn id="42" dur="1" fill="hold">
+                                          <p:stCondLst>
+                                            <p:cond delay="0"/>
+                                          </p:stCondLst>
+                                        </p:cTn>
+                                        <p:tgtEl>
+                                          <p:spTgt spid="5">
+                                            <p:txEl>
+                                              <p:pRg st="5" end="5"/>
+                                            </p:txEl>
+                                          </p:spTgt>
+                                        </p:tgtEl>
+                                        <p:attrNameLst>
+                                          <p:attrName>style.visibility</p:attrName>
+                                        </p:attrNameLst>
+                                      </p:cBhvr>
+                                      <p:to>
+                                        <p:strVal val="visible"/>
+                                      </p:to>
+                                    </p:set>
+                                    <p:animEffect transition="in" filter="fade">
+                                      <p:cBhvr>
+                                        <p:cTn id="43" dur="500"/>
+                                        <p:tgtEl>
+                                          <p:spTgt spid="5">
+                                            <p:txEl>
+                                              <p:pRg st="5" end="5"/>
+                                            </p:txEl>
+                                          </p:spTgt>
+                                        </p:tgtEl>
+                                      </p:cBhvr>
+                                    </p:animEffect>
+                                  </p:childTnLst>
+                                </p:cTn>
+                              </p:par>
+                              <p:par>
+                                <p:cTn id="44" presetID="10" presetClass="entr" presetSubtype="0" fill="hold" nodeType="withEffect">
+                                  <p:stCondLst>
+                                    <p:cond delay="0"/>
+                                  </p:stCondLst>
+                                  <p:childTnLst>
+                                    <p:set>
+                                      <p:cBhvr>
+                                        <p:cTn id="45" dur="1" fill="hold">
+                                          <p:stCondLst>
+                                            <p:cond delay="0"/>
+                                          </p:stCondLst>
+                                        </p:cTn>
+                                        <p:tgtEl>
+                                          <p:spTgt spid="5">
+                                            <p:txEl>
+                                              <p:pRg st="6" end="6"/>
+                                            </p:txEl>
+                                          </p:spTgt>
+                                        </p:tgtEl>
+                                        <p:attrNameLst>
+                                          <p:attrName>style.visibility</p:attrName>
+                                        </p:attrNameLst>
+                                      </p:cBhvr>
+                                      <p:to>
+                                        <p:strVal val="visible"/>
+                                      </p:to>
+                                    </p:set>
+                                    <p:animEffect transition="in" filter="fade">
+                                      <p:cBhvr>
+                                        <p:cTn id="46" dur="500"/>
+                                        <p:tgtEl>
+                                          <p:spTgt spid="5">
+                                            <p:txEl>
+                                              <p:pRg st="6" end="6"/>
+                                            </p:txEl>
+                                          </p:spTgt>
+                                        </p:tgtEl>
+                                      </p:cBhvr>
+                                    </p:animEffect>
+                                  </p:childTnLst>
+                                </p:cTn>
+                              </p:par>
+                            </p:childTnLst>
+                          </p:cTn>
+                        </p:par>
+                      </p:childTnLst>
+                    </p:cTn>
+                  </p:par>
+                  <p:par>
+                    <p:cTn id="47" fill="hold">
+                      <p:stCondLst>
+                        <p:cond delay="indefinite"/>
+                      </p:stCondLst>
+                      <p:childTnLst>
+                        <p:par>
+                          <p:cTn id="48" fill="hold">
+                            <p:stCondLst>
+                              <p:cond delay="0"/>
+                            </p:stCondLst>
+                            <p:childTnLst>
+                              <p:par>
+                                <p:cTn id="49" presetID="10" presetClass="entr" presetSubtype="0" fill="hold" nodeType="clickEffect">
+                                  <p:stCondLst>
+                                    <p:cond delay="0"/>
+                                  </p:stCondLst>
+                                  <p:childTnLst>
+                                    <p:set>
+                                      <p:cBhvr>
+                                        <p:cTn id="50" dur="1" fill="hold">
+                                          <p:stCondLst>
+                                            <p:cond delay="0"/>
+                                          </p:stCondLst>
+                                        </p:cTn>
+                                        <p:tgtEl>
+                                          <p:spTgt spid="5">
+                                            <p:txEl>
+                                              <p:pRg st="7" end="7"/>
+                                            </p:txEl>
+                                          </p:spTgt>
+                                        </p:tgtEl>
+                                        <p:attrNameLst>
+                                          <p:attrName>style.visibility</p:attrName>
+                                        </p:attrNameLst>
+                                      </p:cBhvr>
+                                      <p:to>
+                                        <p:strVal val="visible"/>
+                                      </p:to>
+                                    </p:set>
+                                    <p:animEffect transition="in" filter="fade">
+                                      <p:cBhvr>
+                                        <p:cTn id="51" dur="500"/>
+                                        <p:tgtEl>
+                                          <p:spTgt spid="5">
+                                            <p:txEl>
+                                              <p:pRg st="7" end="7"/>
+                                            </p:txEl>
+                                          </p:spTgt>
+                                        </p:tgtEl>
+                                      </p:cBhvr>
+                                    </p:animEffect>
+                                  </p:childTnLst>
+                                </p:cTn>
+                              </p:par>
+                              <p:par>
+                                <p:cTn id="52" presetID="10" presetClass="entr" presetSubtype="0" fill="hold" nodeType="withEffect">
+                                  <p:stCondLst>
+                                    <p:cond delay="0"/>
+                                  </p:stCondLst>
+                                  <p:childTnLst>
+                                    <p:set>
+                                      <p:cBhvr>
+                                        <p:cTn id="53" dur="1" fill="hold">
+                                          <p:stCondLst>
+                                            <p:cond delay="0"/>
+                                          </p:stCondLst>
+                                        </p:cTn>
+                                        <p:tgtEl>
+                                          <p:spTgt spid="5">
+                                            <p:txEl>
+                                              <p:pRg st="8" end="8"/>
+                                            </p:txEl>
+                                          </p:spTgt>
+                                        </p:tgtEl>
+                                        <p:attrNameLst>
+                                          <p:attrName>style.visibility</p:attrName>
+                                        </p:attrNameLst>
+                                      </p:cBhvr>
+                                      <p:to>
+                                        <p:strVal val="visible"/>
+                                      </p:to>
+                                    </p:set>
+                                    <p:animEffect transition="in" filter="fade">
+                                      <p:cBhvr>
+                                        <p:cTn id="54" dur="500"/>
+                                        <p:tgtEl>
+                                          <p:spTgt spid="5">
+                                            <p:txEl>
+                                              <p:pRg st="8" end="8"/>
+                                            </p:txEl>
+                                          </p:spTgt>
+                                        </p:tgtEl>
+                                      </p:cBhvr>
+                                    </p:animEffect>
+                                  </p:childTnLst>
+                                </p:cTn>
+                              </p:par>
+                            </p:childTnLst>
+                          </p:cTn>
+                        </p:par>
+                      </p:childTnLst>
+                    </p:cTn>
+                  </p:par>
+                  <p:par>
+                    <p:cTn id="55" fill="hold">
+                      <p:stCondLst>
+                        <p:cond delay="indefinite"/>
+                      </p:stCondLst>
+                      <p:childTnLst>
+                        <p:par>
+                          <p:cTn id="56" fill="hold">
+                            <p:stCondLst>
+                              <p:cond delay="0"/>
+                            </p:stCondLst>
+                            <p:childTnLst>
+                              <p:par>
+                                <p:cTn id="57" presetID="1" presetClass="entr" presetSubtype="0" fill="hold" nodeType="clickEffect">
+                                  <p:stCondLst>
+                                    <p:cond delay="0"/>
+                                  </p:stCondLst>
+                                  <p:childTnLst>
+                                    <p:set>
+                                      <p:cBhvr>
+                                        <p:cTn id="58" dur="1" fill="hold">
+                                          <p:stCondLst>
+                                            <p:cond delay="0"/>
+                                          </p:stCondLst>
+                                        </p:cTn>
+                                        <p:tgtEl>
+                                          <p:spTgt spid="11"/>
+                                        </p:tgtEl>
+                                        <p:attrNameLst>
+                                          <p:attrName>style.visibility</p:attrName>
+                                        </p:attrNameLst>
+                                      </p:cBhvr>
+                                      <p:to>
+                                        <p:strVal val="visible"/>
+                                      </p:to>
+                                    </p:set>
+                                  </p:childTnLst>
+                                </p:cTn>
+                              </p:par>
+                              <p:par>
+                                <p:cTn id="59" presetID="1" presetClass="entr" presetSubtype="0" fill="hold" grpId="0" nodeType="withEffect">
+                                  <p:stCondLst>
+                                    <p:cond delay="0"/>
+                                  </p:stCondLst>
+                                  <p:childTnLst>
+                                    <p:set>
+                                      <p:cBhvr>
+                                        <p:cTn id="60" dur="1" fill="hold">
+                                          <p:stCondLst>
+                                            <p:cond delay="0"/>
+                                          </p:stCondLst>
+                                        </p:cTn>
+                                        <p:tgtEl>
+                                          <p:spTgt spid="10"/>
+                                        </p:tgtEl>
+                                        <p:attrNameLst>
+                                          <p:attrName>style.visibility</p:attrName>
+                                        </p:attrNameLst>
+                                      </p:cBhvr>
+                                      <p:to>
+                                        <p:strVal val="visible"/>
+                                      </p:to>
+                                    </p:set>
+                                  </p:childTnLst>
+                                </p:cTn>
+                              </p:par>
+                            </p:childTnLst>
+                          </p:cTn>
+                        </p:par>
+                      </p:childTnLst>
+                    </p:cTn>
+                  </p:par>
+                  <p:par>
+                    <p:cTn id="61" fill="hold">
+                      <p:stCondLst>
+                        <p:cond delay="indefinite"/>
+                      </p:stCondLst>
+                      <p:childTnLst>
+                        <p:par>
+                          <p:cTn id="62" fill="hold">
+                            <p:stCondLst>
+                              <p:cond delay="0"/>
+                            </p:stCondLst>
+                            <p:childTnLst>
+                              <p:par>
+                                <p:cTn id="63" presetID="10" presetClass="entr" presetSubtype="0" fill="hold" nodeType="clickEffect">
+                                  <p:stCondLst>
+                                    <p:cond delay="0"/>
+                                  </p:stCondLst>
+                                  <p:childTnLst>
+                                    <p:set>
+                                      <p:cBhvr>
+                                        <p:cTn id="64" dur="1" fill="hold">
+                                          <p:stCondLst>
+                                            <p:cond delay="0"/>
+                                          </p:stCondLst>
+                                        </p:cTn>
+                                        <p:tgtEl>
+                                          <p:spTgt spid="5">
+                                            <p:txEl>
+                                              <p:pRg st="9" end="9"/>
+                                            </p:txEl>
+                                          </p:spTgt>
+                                        </p:tgtEl>
+                                        <p:attrNameLst>
+                                          <p:attrName>style.visibility</p:attrName>
+                                        </p:attrNameLst>
+                                      </p:cBhvr>
+                                      <p:to>
+                                        <p:strVal val="visible"/>
+                                      </p:to>
+                                    </p:set>
+                                    <p:animEffect transition="in" filter="fade">
+                                      <p:cBhvr>
+                                        <p:cTn id="65" dur="500"/>
+                                        <p:tgtEl>
+                                          <p:spTgt spid="5">
+                                            <p:txEl>
+                                              <p:pRg st="9" end="9"/>
+                                            </p:txEl>
+                                          </p:spTgt>
+                                        </p:tgtEl>
+                                      </p:cBhvr>
+                                    </p:animEffect>
+                                  </p:childTnLst>
+                                </p:cTn>
+                              </p:par>
+                              <p:par>
+                                <p:cTn id="66" presetID="10" presetClass="entr" presetSubtype="0" fill="hold" nodeType="withEffect">
+                                  <p:stCondLst>
+                                    <p:cond delay="0"/>
+                                  </p:stCondLst>
+                                  <p:childTnLst>
+                                    <p:set>
+                                      <p:cBhvr>
+                                        <p:cTn id="67" dur="1" fill="hold">
+                                          <p:stCondLst>
+                                            <p:cond delay="0"/>
+                                          </p:stCondLst>
+                                        </p:cTn>
+                                        <p:tgtEl>
+                                          <p:spTgt spid="5">
+                                            <p:txEl>
+                                              <p:pRg st="10" end="10"/>
+                                            </p:txEl>
+                                          </p:spTgt>
+                                        </p:tgtEl>
+                                        <p:attrNameLst>
+                                          <p:attrName>style.visibility</p:attrName>
+                                        </p:attrNameLst>
+                                      </p:cBhvr>
+                                      <p:to>
+                                        <p:strVal val="visible"/>
+                                      </p:to>
+                                    </p:set>
+                                    <p:animEffect transition="in" filter="fade">
+                                      <p:cBhvr>
+                                        <p:cTn id="68" dur="500"/>
+                                        <p:tgtEl>
+                                          <p:spTgt spid="5">
+                                            <p:txEl>
+                                              <p:pRg st="10" end="10"/>
+                                            </p:txEl>
+                                          </p:spTgt>
+                                        </p:tgtEl>
+                                      </p:cBhvr>
+                                    </p:animEffect>
+                                  </p:childTnLst>
+                                </p:cTn>
+                              </p:par>
+                            </p:childTnLst>
+                          </p:cTn>
+                        </p:par>
+                      </p:childTnLst>
+                    </p:cTn>
+                  </p:par>
+                  <p:par>
+                    <p:cTn id="69" fill="hold">
+                      <p:stCondLst>
+                        <p:cond delay="indefinite"/>
+                      </p:stCondLst>
+                      <p:childTnLst>
+                        <p:par>
+                          <p:cTn id="70" fill="hold">
+                            <p:stCondLst>
+                              <p:cond delay="0"/>
+                            </p:stCondLst>
+                            <p:childTnLst>
+                              <p:par>
+                                <p:cTn id="71" presetID="10" presetClass="entr" presetSubtype="0" fill="hold" nodeType="clickEffect">
+                                  <p:stCondLst>
+                                    <p:cond delay="0"/>
+                                  </p:stCondLst>
+                                  <p:childTnLst>
+                                    <p:set>
+                                      <p:cBhvr>
+                                        <p:cTn id="72" dur="1" fill="hold">
+                                          <p:stCondLst>
+                                            <p:cond delay="0"/>
+                                          </p:stCondLst>
+                                        </p:cTn>
+                                        <p:tgtEl>
+                                          <p:spTgt spid="2">
+                                            <p:txEl>
+                                              <p:pRg st="1" end="1"/>
+                                            </p:txEl>
+                                          </p:spTgt>
+                                        </p:tgtEl>
+                                        <p:attrNameLst>
+                                          <p:attrName>style.visibility</p:attrName>
+                                        </p:attrNameLst>
+                                      </p:cBhvr>
+                                      <p:to>
+                                        <p:strVal val="visible"/>
+                                      </p:to>
+                                    </p:set>
+                                    <p:animEffect transition="in" filter="fade">
+                                      <p:cBhvr>
+                                        <p:cTn id="73" dur="500"/>
+                                        <p:tgtEl>
+                                          <p:spTgt spid="2">
+                                            <p:txEl>
+                                              <p:pRg st="1" end="1"/>
+                                            </p:txEl>
+                                          </p:spTgt>
+                                        </p:tgtEl>
+                                      </p:cBhvr>
+                                    </p:animEffect>
+                                  </p:childTnLst>
+                                </p:cTn>
+                              </p:par>
+                            </p:childTnLst>
+                          </p:cTn>
+                        </p:par>
+                      </p:childTnLst>
+                    </p:cTn>
+                  </p:par>
+                  <p:par>
+                    <p:cTn id="74" fill="hold">
+                      <p:stCondLst>
+                        <p:cond delay="indefinite"/>
+                      </p:stCondLst>
+                      <p:childTnLst>
+                        <p:par>
+                          <p:cTn id="75" fill="hold">
+                            <p:stCondLst>
+                              <p:cond delay="0"/>
+                            </p:stCondLst>
+                            <p:childTnLst>
+                              <p:par>
+                                <p:cTn id="76" presetID="10" presetClass="entr" presetSubtype="0" fill="hold" nodeType="clickEffect">
+                                  <p:stCondLst>
+                                    <p:cond delay="0"/>
+                                  </p:stCondLst>
+                                  <p:childTnLst>
+                                    <p:set>
+                                      <p:cBhvr>
+                                        <p:cTn id="77" dur="1" fill="hold">
+                                          <p:stCondLst>
+                                            <p:cond delay="0"/>
+                                          </p:stCondLst>
+                                        </p:cTn>
+                                        <p:tgtEl>
+                                          <p:spTgt spid="2">
+                                            <p:txEl>
+                                              <p:pRg st="3" end="3"/>
+                                            </p:txEl>
+                                          </p:spTgt>
+                                        </p:tgtEl>
+                                        <p:attrNameLst>
+                                          <p:attrName>style.visibility</p:attrName>
+                                        </p:attrNameLst>
+                                      </p:cBhvr>
+                                      <p:to>
+                                        <p:strVal val="visible"/>
+                                      </p:to>
+                                    </p:set>
+                                    <p:animEffect transition="in" filter="fade">
+                                      <p:cBhvr>
+                                        <p:cTn id="78" dur="500"/>
+                                        <p:tgtEl>
+                                          <p:spTgt spid="2">
+                                            <p:txEl>
+                                              <p:pRg st="3" end="3"/>
+                                            </p:txEl>
+                                          </p:spTgt>
+                                        </p:tgtEl>
+                                      </p:cBhvr>
+                                    </p:animEffect>
+                                  </p:childTnLst>
+                                </p:cTn>
+                              </p:par>
+                              <p:par>
+                                <p:cTn id="79" presetID="10" presetClass="entr" presetSubtype="0" fill="hold" nodeType="withEffect">
+                                  <p:stCondLst>
+                                    <p:cond delay="0"/>
+                                  </p:stCondLst>
+                                  <p:childTnLst>
+                                    <p:set>
+                                      <p:cBhvr>
+                                        <p:cTn id="80" dur="1" fill="hold">
+                                          <p:stCondLst>
+                                            <p:cond delay="0"/>
+                                          </p:stCondLst>
+                                        </p:cTn>
+                                        <p:tgtEl>
+                                          <p:spTgt spid="2">
+                                            <p:txEl>
+                                              <p:pRg st="4" end="4"/>
+                                            </p:txEl>
+                                          </p:spTgt>
+                                        </p:tgtEl>
+                                        <p:attrNameLst>
+                                          <p:attrName>style.visibility</p:attrName>
+                                        </p:attrNameLst>
+                                      </p:cBhvr>
+                                      <p:to>
+                                        <p:strVal val="visible"/>
+                                      </p:to>
+                                    </p:set>
+                                    <p:animEffect transition="in" filter="fade">
+                                      <p:cBhvr>
+                                        <p:cTn id="81" dur="500"/>
+                                        <p:tgtEl>
+                                          <p:spTgt spid="2">
+                                            <p:txEl>
+                                              <p:pRg st="4" end="4"/>
+                                            </p:txEl>
+                                          </p:spTgt>
+                                        </p:tgtEl>
+                                      </p:cBhvr>
+                                    </p:animEffect>
+                                  </p:childTnLst>
+                                </p:cTn>
+                              </p:par>
+                              <p:par>
+                                <p:cTn id="82" presetID="10" presetClass="entr" presetSubtype="0" fill="hold" nodeType="withEffect">
+                                  <p:stCondLst>
+                                    <p:cond delay="0"/>
+                                  </p:stCondLst>
+                                  <p:childTnLst>
+                                    <p:set>
+                                      <p:cBhvr>
+                                        <p:cTn id="83" dur="1" fill="hold">
+                                          <p:stCondLst>
+                                            <p:cond delay="0"/>
+                                          </p:stCondLst>
+                                        </p:cTn>
+                                        <p:tgtEl>
+                                          <p:spTgt spid="2">
+                                            <p:txEl>
+                                              <p:pRg st="9" end="9"/>
+                                            </p:txEl>
+                                          </p:spTgt>
+                                        </p:tgtEl>
+                                        <p:attrNameLst>
+                                          <p:attrName>style.visibility</p:attrName>
+                                        </p:attrNameLst>
+                                      </p:cBhvr>
+                                      <p:to>
+                                        <p:strVal val="visible"/>
+                                      </p:to>
+                                    </p:set>
+                                    <p:animEffect transition="in" filter="fade">
+                                      <p:cBhvr>
+                                        <p:cTn id="84" dur="500"/>
+                                        <p:tgtEl>
+                                          <p:spTgt spid="2">
+                                            <p:txEl>
+                                              <p:pRg st="9" end="9"/>
+                                            </p:txEl>
+                                          </p:spTgt>
+                                        </p:tgtEl>
+                                      </p:cBhvr>
+                                    </p:animEffect>
+                                  </p:childTnLst>
+                                </p:cTn>
+                              </p:par>
+                            </p:childTnLst>
+                          </p:cTn>
+                        </p:par>
+                      </p:childTnLst>
+                    </p:cTn>
+                  </p:par>
+                  <p:par>
+                    <p:cTn id="85" fill="hold">
+                      <p:stCondLst>
+                        <p:cond delay="indefinite"/>
+                      </p:stCondLst>
+                      <p:childTnLst>
+                        <p:par>
+                          <p:cTn id="86" fill="hold">
+                            <p:stCondLst>
+                              <p:cond delay="0"/>
+                            </p:stCondLst>
+                            <p:childTnLst>
+                              <p:par>
+                                <p:cTn id="87" presetID="10" presetClass="entr" presetSubtype="0" fill="hold" nodeType="clickEffect">
+                                  <p:stCondLst>
+                                    <p:cond delay="0"/>
+                                  </p:stCondLst>
+                                  <p:childTnLst>
+                                    <p:set>
+                                      <p:cBhvr>
+                                        <p:cTn id="88" dur="1" fill="hold">
+                                          <p:stCondLst>
+                                            <p:cond delay="0"/>
+                                          </p:stCondLst>
+                                        </p:cTn>
+                                        <p:tgtEl>
+                                          <p:spTgt spid="2">
+                                            <p:txEl>
+                                              <p:pRg st="5" end="5"/>
+                                            </p:txEl>
+                                          </p:spTgt>
+                                        </p:tgtEl>
+                                        <p:attrNameLst>
+                                          <p:attrName>style.visibility</p:attrName>
+                                        </p:attrNameLst>
+                                      </p:cBhvr>
+                                      <p:to>
+                                        <p:strVal val="visible"/>
+                                      </p:to>
+                                    </p:set>
+                                    <p:animEffect transition="in" filter="fade">
+                                      <p:cBhvr>
+                                        <p:cTn id="89" dur="500"/>
+                                        <p:tgtEl>
+                                          <p:spTgt spid="2">
+                                            <p:txEl>
+                                              <p:pRg st="5" end="5"/>
+                                            </p:txEl>
+                                          </p:spTgt>
+                                        </p:tgtEl>
+                                      </p:cBhvr>
+                                    </p:animEffect>
+                                  </p:childTnLst>
+                                </p:cTn>
+                              </p:par>
+                            </p:childTnLst>
+                          </p:cTn>
+                        </p:par>
+                      </p:childTnLst>
+                    </p:cTn>
+                  </p:par>
+                  <p:par>
+                    <p:cTn id="90" fill="hold">
+                      <p:stCondLst>
+                        <p:cond delay="indefinite"/>
+                      </p:stCondLst>
+                      <p:childTnLst>
+                        <p:par>
+                          <p:cTn id="91" fill="hold">
+                            <p:stCondLst>
+                              <p:cond delay="0"/>
+                            </p:stCondLst>
+                            <p:childTnLst>
+                              <p:par>
+                                <p:cTn id="92" presetID="10" presetClass="entr" presetSubtype="0" fill="hold" nodeType="clickEffect">
+                                  <p:stCondLst>
+                                    <p:cond delay="0"/>
+                                  </p:stCondLst>
+                                  <p:childTnLst>
+                                    <p:set>
+                                      <p:cBhvr>
+                                        <p:cTn id="93" dur="1" fill="hold">
+                                          <p:stCondLst>
+                                            <p:cond delay="0"/>
+                                          </p:stCondLst>
+                                        </p:cTn>
+                                        <p:tgtEl>
+                                          <p:spTgt spid="2">
+                                            <p:txEl>
+                                              <p:pRg st="6" end="6"/>
+                                            </p:txEl>
+                                          </p:spTgt>
+                                        </p:tgtEl>
+                                        <p:attrNameLst>
+                                          <p:attrName>style.visibility</p:attrName>
+                                        </p:attrNameLst>
+                                      </p:cBhvr>
+                                      <p:to>
+                                        <p:strVal val="visible"/>
+                                      </p:to>
+                                    </p:set>
+                                    <p:animEffect transition="in" filter="fade">
+                                      <p:cBhvr>
+                                        <p:cTn id="94" dur="500"/>
+                                        <p:tgtEl>
+                                          <p:spTgt spid="2">
+                                            <p:txEl>
+                                              <p:pRg st="6" end="6"/>
+                                            </p:txEl>
+                                          </p:spTgt>
+                                        </p:tgtEl>
+                                      </p:cBhvr>
+                                    </p:animEffect>
+                                  </p:childTnLst>
+                                </p:cTn>
+                              </p:par>
+                              <p:par>
+                                <p:cTn id="95" presetID="10" presetClass="entr" presetSubtype="0" fill="hold" nodeType="withEffect">
+                                  <p:stCondLst>
+                                    <p:cond delay="0"/>
+                                  </p:stCondLst>
+                                  <p:childTnLst>
+                                    <p:set>
+                                      <p:cBhvr>
+                                        <p:cTn id="96" dur="1" fill="hold">
+                                          <p:stCondLst>
+                                            <p:cond delay="0"/>
+                                          </p:stCondLst>
+                                        </p:cTn>
+                                        <p:tgtEl>
+                                          <p:spTgt spid="2">
+                                            <p:txEl>
+                                              <p:pRg st="7" end="7"/>
+                                            </p:txEl>
+                                          </p:spTgt>
+                                        </p:tgtEl>
+                                        <p:attrNameLst>
+                                          <p:attrName>style.visibility</p:attrName>
+                                        </p:attrNameLst>
+                                      </p:cBhvr>
+                                      <p:to>
+                                        <p:strVal val="visible"/>
+                                      </p:to>
+                                    </p:set>
+                                    <p:animEffect transition="in" filter="fade">
+                                      <p:cBhvr>
+                                        <p:cTn id="97" dur="500"/>
+                                        <p:tgtEl>
+                                          <p:spTgt spid="2">
+                                            <p:txEl>
+                                              <p:pRg st="7" end="7"/>
+                                            </p:txEl>
+                                          </p:spTgt>
+                                        </p:tgtEl>
+                                      </p:cBhvr>
+                                    </p:animEffect>
+                                  </p:childTnLst>
+                                </p:cTn>
+                              </p:par>
+                              <p:par>
+                                <p:cTn id="98" presetID="10" presetClass="entr" presetSubtype="0" fill="hold" nodeType="withEffect">
+                                  <p:stCondLst>
+                                    <p:cond delay="0"/>
+                                  </p:stCondLst>
+                                  <p:childTnLst>
+                                    <p:set>
+                                      <p:cBhvr>
+                                        <p:cTn id="99" dur="1" fill="hold">
+                                          <p:stCondLst>
+                                            <p:cond delay="0"/>
+                                          </p:stCondLst>
+                                        </p:cTn>
+                                        <p:tgtEl>
+                                          <p:spTgt spid="2">
+                                            <p:txEl>
+                                              <p:pRg st="8" end="8"/>
+                                            </p:txEl>
+                                          </p:spTgt>
+                                        </p:tgtEl>
+                                        <p:attrNameLst>
+                                          <p:attrName>style.visibility</p:attrName>
+                                        </p:attrNameLst>
+                                      </p:cBhvr>
+                                      <p:to>
+                                        <p:strVal val="visible"/>
+                                      </p:to>
+                                    </p:set>
+                                    <p:animEffect transition="in" filter="fade">
+                                      <p:cBhvr>
+                                        <p:cTn id="100" dur="500"/>
+                                        <p:tgtEl>
+                                          <p:spTgt spid="2">
+                                            <p:txEl>
+                                              <p:pRg st="8" end="8"/>
+                                            </p:txEl>
+                                          </p:spTgt>
+                                        </p:tgtEl>
+                                      </p:cBhvr>
+                                    </p:animEffect>
+                                  </p:childTnLst>
+                                </p:cTn>
+                              </p:par>
+                            </p:childTnLst>
+                          </p:cTn>
+                        </p:par>
+                      </p:childTnLst>
+                    </p:cTn>
+                  </p:par>
+                  <p:par>
+                    <p:cTn id="101" fill="hold">
+                      <p:stCondLst>
+                        <p:cond delay="indefinite"/>
+                      </p:stCondLst>
+                      <p:childTnLst>
+                        <p:par>
+                          <p:cTn id="102" fill="hold">
+                            <p:stCondLst>
+                              <p:cond delay="0"/>
+                            </p:stCondLst>
+                            <p:childTnLst>
+                              <p:par>
+                                <p:cTn id="103" presetID="1" presetClass="entr" presetSubtype="0" fill="hold" grpId="0" nodeType="clickEffect">
+                                  <p:stCondLst>
+                                    <p:cond delay="0"/>
+                                  </p:stCondLst>
+                                  <p:childTnLst>
+                                    <p:set>
+                                      <p:cBhvr>
+                                        <p:cTn id="104" dur="1" fill="hold">
+                                          <p:stCondLst>
+                                            <p:cond delay="0"/>
+                                          </p:stCondLst>
+                                        </p:cTn>
+                                        <p:tgtEl>
+                                          <p:spTgt spid="13"/>
+                                        </p:tgtEl>
+                                        <p:attrNameLst>
+                                          <p:attrName>style.visibility</p:attrName>
+                                        </p:attrNameLst>
+                                      </p:cBhvr>
+                                      <p:to>
+                                        <p:strVal val="visible"/>
+                                      </p:to>
+                                    </p:set>
+                                  </p:childTnLst>
+                                </p:cTn>
+                              </p:par>
+                              <p:par>
+                                <p:cTn id="105" presetID="1" presetClass="entr" presetSubtype="0" fill="hold" nodeType="withEffect">
+                                  <p:stCondLst>
+                                    <p:cond delay="0"/>
+                                  </p:stCondLst>
+                                  <p:childTnLst>
+                                    <p:set>
+                                      <p:cBhvr>
+                                        <p:cTn id="106" dur="1" fill="hold">
+                                          <p:stCondLst>
+                                            <p:cond delay="0"/>
+                                          </p:stCondLst>
+                                        </p:cTn>
+                                        <p:tgtEl>
+                                          <p:spTgt spid="14"/>
+                                        </p:tgtEl>
+                                        <p:attrNameLst>
+                                          <p:attrName>style.visibility</p:attrName>
+                                        </p:attrNameLst>
+                                      </p:cBhvr>
+                                      <p:to>
+                                        <p:strVal val="visible"/>
+                                      </p:to>
+                                    </p:set>
+                                  </p:childTnLst>
+                                </p:cTn>
+                              </p:par>
+                            </p:childTnLst>
+                          </p:cTn>
+                        </p:par>
+                      </p:childTnLst>
+                    </p:cTn>
+                  </p:par>
+                </p:childTnLst>
+              </p:cTn>
+              <p:prevCondLst>
+                <p:cond evt="onPrev" delay="0">
+                  <p:tgtEl>
+                    <p:sldTgt/>
+                  </p:tgtEl>
+                </p:cond>
+              </p:prevCondLst>
+              <p:nextCondLst>
+                <p:cond evt="onNext" delay="0">
+                  <p:tgtEl>
+                    <p:sldTgt/>
+                  </p:tgtEl>
+                </p:cond>
+              </p:nextCondLst>
+            </p:seq>
+          </p:childTnLst>
+        </p:cTn>
       </p:par>
     </p:tnLst>
+    <p:bldLst>
+      <p:bldP spid="4" grpId="0" animBg="1"/>
+      <p:bldP spid="6" grpId="0" animBg="1"/>
+      <p:bldP spid="10" grpId="0" animBg="1"/>
+      <p:bldP spid="13" grpId="0" animBg="1"/>
+    </p:bldLst>
   </p:timing>
 </p:sld>
 </file>
@@ -27350,25 +29884,8 @@
                 <a:latin typeface="Arial" panose="020B0604020202020204" pitchFamily="34" charset="0"/>
                 <a:cs typeface="Arial" panose="020B0604020202020204" pitchFamily="34" charset="0"/>
               </a:rPr>
-              <a:t>…	</a:t>
-            </a:r>
-            <a:r>
-              <a:rPr lang="en-US" sz="3200" b="1" dirty="0" smtClean="0">
-                <a:solidFill>
-                  <a:srgbClr val="000080"/>
-                </a:solidFill>
-                <a:latin typeface="Arial" panose="020B0604020202020204" pitchFamily="34" charset="0"/>
-                <a:cs typeface="Arial" panose="020B0604020202020204" pitchFamily="34" charset="0"/>
-              </a:rPr>
-              <a:t>???</a:t>
-            </a:r>
-            <a:endParaRPr lang="en-US" sz="3200" b="1" dirty="0" smtClean="0">
-              <a:solidFill>
-                <a:srgbClr val="000080"/>
-              </a:solidFill>
-              <a:latin typeface="Arial" panose="020B0604020202020204" pitchFamily="34" charset="0"/>
-              <a:cs typeface="Arial" panose="020B0604020202020204" pitchFamily="34" charset="0"/>
-            </a:endParaRPr>
+              <a:t>…	???</a:t>
+            </a:r>
           </a:p>
           <a:p>
             <a:r>
@@ -27713,17 +30230,7 @@
                 <a:latin typeface="Courier New" panose="02070309020205020404" pitchFamily="49" charset="0"/>
                 <a:cs typeface="Courier New" panose="02070309020205020404" pitchFamily="49" charset="0"/>
               </a:rPr>
-              <a:t>обязательный аргумент – перечисление и опциональный (начальный </a:t>
-            </a:r>
-            <a:r>
-              <a:rPr lang="ru-RU" altLang="ru-RU" sz="3200" b="1" dirty="0" smtClean="0">
-                <a:solidFill>
-                  <a:schemeClr val="bg2"/>
-                </a:solidFill>
-                <a:latin typeface="Courier New" panose="02070309020205020404" pitchFamily="49" charset="0"/>
-                <a:cs typeface="Courier New" panose="02070309020205020404" pitchFamily="49" charset="0"/>
-              </a:rPr>
-              <a:t>индекс)</a:t>
+              <a:t>обязательный аргумент – перечисление и опциональный (начальный индекс)</a:t>
             </a:r>
             <a:r>
               <a:rPr lang="en-US" altLang="ru-RU" sz="3200" b="1" dirty="0" smtClean="0">
@@ -27771,35 +30278,8 @@
                 <a:latin typeface="Courier New" panose="02070309020205020404" pitchFamily="49" charset="0"/>
                 <a:cs typeface="Courier New" panose="02070309020205020404" pitchFamily="49" charset="0"/>
               </a:rPr>
-              <a:t>енерирует </a:t>
-            </a:r>
-            <a:r>
-              <a:rPr lang="ru-RU" altLang="ru-RU" sz="3200" b="1" dirty="0" smtClean="0">
-                <a:solidFill>
-                  <a:schemeClr val="bg2"/>
-                </a:solidFill>
-                <a:latin typeface="Courier New" panose="02070309020205020404" pitchFamily="49" charset="0"/>
-                <a:cs typeface="Courier New" panose="02070309020205020404" pitchFamily="49" charset="0"/>
-              </a:rPr>
-              <a:t>для каждого элемента входящей последовательности кортеж из двух </a:t>
-            </a:r>
-            <a:r>
-              <a:rPr lang="ru-RU" altLang="ru-RU" sz="3200" b="1" dirty="0" smtClean="0">
-                <a:solidFill>
-                  <a:schemeClr val="bg2"/>
-                </a:solidFill>
-                <a:latin typeface="Courier New" panose="02070309020205020404" pitchFamily="49" charset="0"/>
-                <a:cs typeface="Courier New" panose="02070309020205020404" pitchFamily="49" charset="0"/>
-              </a:rPr>
-              <a:t>элементов: </a:t>
-            </a:r>
-            <a:endParaRPr lang="ru-RU" altLang="ru-RU" sz="3200" b="1" dirty="0" smtClean="0">
-              <a:solidFill>
-                <a:schemeClr val="bg2"/>
-              </a:solidFill>
-              <a:latin typeface="Courier New" panose="02070309020205020404" pitchFamily="49" charset="0"/>
-              <a:cs typeface="Courier New" panose="02070309020205020404" pitchFamily="49" charset="0"/>
-            </a:endParaRPr>
+              <a:t>енерирует для каждого элемента входящей последовательности кортеж из двух элементов: </a:t>
+            </a:r>
           </a:p>
           <a:p>
             <a:pPr marL="0" marR="0" lvl="0" indent="0" algn="l" defTabSz="914400" rtl="0" eaLnBrk="0" fontAlgn="base" latinLnBrk="0" hangingPunct="0">
@@ -27826,7 +30306,17 @@
                 <a:latin typeface="Courier New" panose="02070309020205020404" pitchFamily="49" charset="0"/>
                 <a:cs typeface="Courier New" panose="02070309020205020404" pitchFamily="49" charset="0"/>
               </a:rPr>
-              <a:t>	п</a:t>
+              <a:t>	первым элементом кортежа является индекс элемента (по умолчани</a:t>
+            </a:r>
+            <a:r>
+              <a:rPr lang="ru-RU" altLang="ru-RU" sz="3200" b="1" dirty="0">
+                <a:solidFill>
+                  <a:schemeClr val="bg2"/>
+                </a:solidFill>
+                <a:latin typeface="Courier New" panose="02070309020205020404" pitchFamily="49" charset="0"/>
+                <a:cs typeface="Courier New" panose="02070309020205020404" pitchFamily="49" charset="0"/>
+              </a:rPr>
+              <a:t>ю</a:t>
             </a:r>
             <a:r>
               <a:rPr lang="ru-RU" altLang="ru-RU" sz="3200" b="1" dirty="0" smtClean="0">
@@ -27836,57 +30326,7 @@
                 <a:latin typeface="Courier New" panose="02070309020205020404" pitchFamily="49" charset="0"/>
                 <a:cs typeface="Courier New" panose="02070309020205020404" pitchFamily="49" charset="0"/>
               </a:rPr>
-              <a:t>ервым </a:t>
-            </a:r>
-            <a:r>
-              <a:rPr lang="ru-RU" altLang="ru-RU" sz="3200" b="1" dirty="0" smtClean="0">
-                <a:solidFill>
-                  <a:schemeClr val="bg2"/>
-                </a:solidFill>
-                <a:latin typeface="Courier New" panose="02070309020205020404" pitchFamily="49" charset="0"/>
-                <a:cs typeface="Courier New" panose="02070309020205020404" pitchFamily="49" charset="0"/>
-              </a:rPr>
-              <a:t>элементом кортежа является индекс элемента (по умолчани</a:t>
-            </a:r>
-            <a:r>
-              <a:rPr lang="ru-RU" altLang="ru-RU" sz="3200" b="1" dirty="0">
-                <a:solidFill>
-                  <a:schemeClr val="bg2"/>
-                </a:solidFill>
-                <a:latin typeface="Courier New" panose="02070309020205020404" pitchFamily="49" charset="0"/>
-                <a:cs typeface="Courier New" panose="02070309020205020404" pitchFamily="49" charset="0"/>
-              </a:rPr>
-              <a:t>ю</a:t>
-            </a:r>
-            <a:r>
-              <a:rPr lang="ru-RU" altLang="ru-RU" sz="3200" b="1" dirty="0" smtClean="0">
-                <a:solidFill>
-                  <a:schemeClr val="bg2"/>
-                </a:solidFill>
-                <a:latin typeface="Courier New" panose="02070309020205020404" pitchFamily="49" charset="0"/>
-                <a:cs typeface="Courier New" panose="02070309020205020404" pitchFamily="49" charset="0"/>
-              </a:rPr>
-              <a:t> первый индекс – 0), </a:t>
-            </a:r>
-            <a:r>
-              <a:rPr lang="ru-RU" altLang="ru-RU" sz="3200" b="1" dirty="0" smtClean="0">
-                <a:solidFill>
-                  <a:schemeClr val="bg2"/>
-                </a:solidFill>
-                <a:latin typeface="Courier New" panose="02070309020205020404" pitchFamily="49" charset="0"/>
-                <a:cs typeface="Courier New" panose="02070309020205020404" pitchFamily="49" charset="0"/>
-              </a:rPr>
-              <a:t>	второй </a:t>
-            </a:r>
-            <a:r>
-              <a:rPr lang="ru-RU" altLang="ru-RU" sz="3200" b="1" dirty="0" smtClean="0">
-                <a:solidFill>
-                  <a:schemeClr val="bg2"/>
-                </a:solidFill>
-                <a:latin typeface="Courier New" panose="02070309020205020404" pitchFamily="49" charset="0"/>
-                <a:cs typeface="Courier New" panose="02070309020205020404" pitchFamily="49" charset="0"/>
-              </a:rPr>
-              <a:t>элемент – значение элемента последовательности.</a:t>
+              <a:t> первый индекс – 0), 	второй элемент – значение элемента последовательности.</a:t>
             </a:r>
             <a:endParaRPr kumimoji="0" lang="ru-RU" altLang="ru-RU" sz="6000" b="0" i="0" u="none" strike="noStrike" cap="none" normalizeH="0" baseline="0" dirty="0" smtClean="0">
               <a:ln>
@@ -29622,35 +32062,7 @@
             </a:r>
             <a:r>
               <a:rPr lang="ru-RU" sz="3600" dirty="0" smtClean="0"/>
-              <a:t> – это функция, которая принимает функцию </a:t>
-            </a:r>
-            <a:r>
-              <a:rPr lang="ru-RU" sz="3600" dirty="0" smtClean="0"/>
-              <a:t>(метод) или класс </a:t>
-            </a:r>
-            <a:r>
-              <a:rPr lang="ru-RU" sz="3600" dirty="0" smtClean="0"/>
-              <a:t>в качестве аргумента и возвращает новую функцию </a:t>
-            </a:r>
-            <a:r>
-              <a:rPr lang="ru-RU" sz="3600" dirty="0" smtClean="0"/>
-              <a:t>(</a:t>
-            </a:r>
-            <a:r>
-              <a:rPr lang="ru-RU" sz="3600" dirty="0" smtClean="0"/>
-              <a:t>метод) или класс, </a:t>
-            </a:r>
-            <a:r>
-              <a:rPr lang="ru-RU" sz="3600" dirty="0" smtClean="0"/>
-              <a:t>включающую декорированную функцию </a:t>
-            </a:r>
-            <a:r>
-              <a:rPr lang="ru-RU" sz="3600" dirty="0" smtClean="0"/>
-              <a:t>(метод) или класс, </a:t>
-            </a:r>
-            <a:r>
-              <a:rPr lang="ru-RU" sz="3600" dirty="0" smtClean="0"/>
-              <a:t>с дополнительными функциональными возможностями.</a:t>
+              <a:t> – это функция, которая принимает функцию (метод) или класс в качестве аргумента и возвращает новую функцию (метод) или класс, включающую декорированную функцию (метод) или класс, с дополнительными функциональными возможностями.</a:t>
             </a:r>
           </a:p>
           <a:p>

--- a/week10/decorators.pptx
+++ b/week10/decorators.pptx
@@ -242,7 +242,7 @@
   </p:defaultTextStyle>
   <p:extLst>
     <p:ext uri="{EFAFB233-063F-42B5-8137-9DF3F51BA10A}">
-      <p15:sldGuideLst xmlns:p15="http://schemas.microsoft.com/office/powerpoint/2012/main">
+      <p15:sldGuideLst xmlns:p15="http://schemas.microsoft.com/office/powerpoint/2012/main" xmlns="">
         <p15:guide id="1" orient="horz" pos="2880">
           <p15:clr>
             <a:srgbClr val="A4A3A4"/>
@@ -28383,7 +28383,34 @@
                 </a:solidFill>
                 <a:latin typeface="+mj-lt"/>
               </a:rPr>
-              <a:t>[0, 1, 2, 3, 42]</a:t>
+              <a:t>[0, 1</a:t>
+            </a:r>
+            <a:r>
+              <a:rPr lang="ru-RU" sz="3200">
+                <a:solidFill>
+                  <a:srgbClr val="888888"/>
+                </a:solidFill>
+                <a:latin typeface="+mj-lt"/>
+              </a:rPr>
+              <a:t>, </a:t>
+            </a:r>
+            <a:r>
+              <a:rPr lang="ru-RU" sz="3200" smtClean="0">
+                <a:solidFill>
+                  <a:srgbClr val="888888"/>
+                </a:solidFill>
+                <a:latin typeface="+mj-lt"/>
+              </a:rPr>
+              <a:t>2, </a:t>
+            </a:r>
+            <a:r>
+              <a:rPr lang="ru-RU" sz="3200" dirty="0">
+                <a:solidFill>
+                  <a:srgbClr val="888888"/>
+                </a:solidFill>
+                <a:latin typeface="+mj-lt"/>
+              </a:rPr>
+              <a:t>42]</a:t>
             </a:r>
           </a:p>
           <a:p>
